--- a/Moby_Crea/Documentation_Moby_Figures.pptx
+++ b/Moby_Crea/Documentation_Moby_Figures.pptx
@@ -6,6 +6,7 @@
   </p:sldMasterIdLst>
   <p:sldIdLst>
     <p:sldId id="256" r:id="rId2"/>
+    <p:sldId id="257" r:id="rId3"/>
   </p:sldIdLst>
   <p:sldSz cx="9144000" cy="6858000" type="screen4x3"/>
   <p:notesSz cx="6858000" cy="9144000"/>
@@ -104,6 +105,22 @@
       </a:defRPr>
     </a:lvl9pPr>
   </p:defaultTextStyle>
+  <p:extLst>
+    <p:ext uri="{EFAFB233-063F-42B5-8137-9DF3F51BA10A}">
+      <p15:sldGuideLst xmlns:p15="http://schemas.microsoft.com/office/powerpoint/2012/main">
+        <p15:guide id="1" orient="horz" pos="2160">
+          <p15:clr>
+            <a:srgbClr val="A4A3A4"/>
+          </p15:clr>
+        </p15:guide>
+        <p15:guide id="2" pos="2880">
+          <p15:clr>
+            <a:srgbClr val="A4A3A4"/>
+          </p15:clr>
+        </p15:guide>
+      </p15:sldGuideLst>
+    </p:ext>
+  </p:extLst>
 </p:presentation>
 </file>
 
@@ -145,7 +162,7 @@
           <a:lstStyle/>
           <a:p>
             <a:r>
-              <a:rPr lang="fr-FR" smtClean="0"/>
+              <a:rPr lang="fr-FR"/>
               <a:t>Cliquez pour modifier le style du titre</a:t>
             </a:r>
             <a:endParaRPr lang="fr-BE"/>
@@ -264,7 +281,7 @@
           </a:lstStyle>
           <a:p>
             <a:r>
-              <a:rPr lang="fr-FR" smtClean="0"/>
+              <a:rPr lang="fr-FR"/>
               <a:t>Cliquez pour modifier le style des sous-titres du masque</a:t>
             </a:r>
             <a:endParaRPr lang="fr-BE"/>
@@ -288,7 +305,7 @@
           <a:p>
             <a:fld id="{AA309A6D-C09C-4548-B29A-6CF363A7E532}" type="datetimeFigureOut">
               <a:rPr lang="fr-FR" smtClean="0"/>
-              <a:t>05/09/2016</a:t>
+              <a:t>14/12/2022</a:t>
             </a:fld>
             <a:endParaRPr lang="fr-BE"/>
           </a:p>
@@ -377,7 +394,7 @@
           <a:lstStyle/>
           <a:p>
             <a:r>
-              <a:rPr lang="fr-FR" smtClean="0"/>
+              <a:rPr lang="fr-FR"/>
               <a:t>Cliquez pour modifier le style du titre</a:t>
             </a:r>
             <a:endParaRPr lang="fr-BE"/>
@@ -401,35 +418,35 @@
           <a:p>
             <a:pPr lvl="0"/>
             <a:r>
-              <a:rPr lang="fr-FR" smtClean="0"/>
+              <a:rPr lang="fr-FR"/>
               <a:t>Cliquez pour modifier les styles du texte du masque</a:t>
             </a:r>
           </a:p>
           <a:p>
             <a:pPr lvl="1"/>
             <a:r>
-              <a:rPr lang="fr-FR" smtClean="0"/>
+              <a:rPr lang="fr-FR"/>
               <a:t>Deuxième niveau</a:t>
             </a:r>
           </a:p>
           <a:p>
             <a:pPr lvl="2"/>
             <a:r>
-              <a:rPr lang="fr-FR" smtClean="0"/>
+              <a:rPr lang="fr-FR"/>
               <a:t>Troisième niveau</a:t>
             </a:r>
           </a:p>
           <a:p>
             <a:pPr lvl="3"/>
             <a:r>
-              <a:rPr lang="fr-FR" smtClean="0"/>
+              <a:rPr lang="fr-FR"/>
               <a:t>Quatrième niveau</a:t>
             </a:r>
           </a:p>
           <a:p>
             <a:pPr lvl="4"/>
             <a:r>
-              <a:rPr lang="fr-FR" smtClean="0"/>
+              <a:rPr lang="fr-FR"/>
               <a:t>Cinquième niveau</a:t>
             </a:r>
             <a:endParaRPr lang="fr-BE"/>
@@ -453,7 +470,7 @@
           <a:p>
             <a:fld id="{AA309A6D-C09C-4548-B29A-6CF363A7E532}" type="datetimeFigureOut">
               <a:rPr lang="fr-FR" smtClean="0"/>
-              <a:t>05/09/2016</a:t>
+              <a:t>14/12/2022</a:t>
             </a:fld>
             <a:endParaRPr lang="fr-BE"/>
           </a:p>
@@ -547,7 +564,7 @@
           <a:lstStyle/>
           <a:p>
             <a:r>
-              <a:rPr lang="fr-FR" smtClean="0"/>
+              <a:rPr lang="fr-FR"/>
               <a:t>Cliquez pour modifier le style du titre</a:t>
             </a:r>
             <a:endParaRPr lang="fr-BE"/>
@@ -576,35 +593,35 @@
           <a:p>
             <a:pPr lvl="0"/>
             <a:r>
-              <a:rPr lang="fr-FR" smtClean="0"/>
+              <a:rPr lang="fr-FR"/>
               <a:t>Cliquez pour modifier les styles du texte du masque</a:t>
             </a:r>
           </a:p>
           <a:p>
             <a:pPr lvl="1"/>
             <a:r>
-              <a:rPr lang="fr-FR" smtClean="0"/>
+              <a:rPr lang="fr-FR"/>
               <a:t>Deuxième niveau</a:t>
             </a:r>
           </a:p>
           <a:p>
             <a:pPr lvl="2"/>
             <a:r>
-              <a:rPr lang="fr-FR" smtClean="0"/>
+              <a:rPr lang="fr-FR"/>
               <a:t>Troisième niveau</a:t>
             </a:r>
           </a:p>
           <a:p>
             <a:pPr lvl="3"/>
             <a:r>
-              <a:rPr lang="fr-FR" smtClean="0"/>
+              <a:rPr lang="fr-FR"/>
               <a:t>Quatrième niveau</a:t>
             </a:r>
           </a:p>
           <a:p>
             <a:pPr lvl="4"/>
             <a:r>
-              <a:rPr lang="fr-FR" smtClean="0"/>
+              <a:rPr lang="fr-FR"/>
               <a:t>Cinquième niveau</a:t>
             </a:r>
             <a:endParaRPr lang="fr-BE"/>
@@ -628,7 +645,7 @@
           <a:p>
             <a:fld id="{AA309A6D-C09C-4548-B29A-6CF363A7E532}" type="datetimeFigureOut">
               <a:rPr lang="fr-FR" smtClean="0"/>
-              <a:t>05/09/2016</a:t>
+              <a:t>14/12/2022</a:t>
             </a:fld>
             <a:endParaRPr lang="fr-BE"/>
           </a:p>
@@ -717,7 +734,7 @@
           <a:lstStyle/>
           <a:p>
             <a:r>
-              <a:rPr lang="fr-FR" smtClean="0"/>
+              <a:rPr lang="fr-FR"/>
               <a:t>Cliquez pour modifier le style du titre</a:t>
             </a:r>
             <a:endParaRPr lang="fr-BE"/>
@@ -741,35 +758,35 @@
           <a:p>
             <a:pPr lvl="0"/>
             <a:r>
-              <a:rPr lang="fr-FR" smtClean="0"/>
+              <a:rPr lang="fr-FR"/>
               <a:t>Cliquez pour modifier les styles du texte du masque</a:t>
             </a:r>
           </a:p>
           <a:p>
             <a:pPr lvl="1"/>
             <a:r>
-              <a:rPr lang="fr-FR" smtClean="0"/>
+              <a:rPr lang="fr-FR"/>
               <a:t>Deuxième niveau</a:t>
             </a:r>
           </a:p>
           <a:p>
             <a:pPr lvl="2"/>
             <a:r>
-              <a:rPr lang="fr-FR" smtClean="0"/>
+              <a:rPr lang="fr-FR"/>
               <a:t>Troisième niveau</a:t>
             </a:r>
           </a:p>
           <a:p>
             <a:pPr lvl="3"/>
             <a:r>
-              <a:rPr lang="fr-FR" smtClean="0"/>
+              <a:rPr lang="fr-FR"/>
               <a:t>Quatrième niveau</a:t>
             </a:r>
           </a:p>
           <a:p>
             <a:pPr lvl="4"/>
             <a:r>
-              <a:rPr lang="fr-FR" smtClean="0"/>
+              <a:rPr lang="fr-FR"/>
               <a:t>Cinquième niveau</a:t>
             </a:r>
             <a:endParaRPr lang="fr-BE"/>
@@ -793,7 +810,7 @@
           <a:p>
             <a:fld id="{AA309A6D-C09C-4548-B29A-6CF363A7E532}" type="datetimeFigureOut">
               <a:rPr lang="fr-FR" smtClean="0"/>
-              <a:t>05/09/2016</a:t>
+              <a:t>14/12/2022</a:t>
             </a:fld>
             <a:endParaRPr lang="fr-BE"/>
           </a:p>
@@ -891,7 +908,7 @@
           </a:lstStyle>
           <a:p>
             <a:r>
-              <a:rPr lang="fr-FR" smtClean="0"/>
+              <a:rPr lang="fr-FR"/>
               <a:t>Cliquez pour modifier le style du titre</a:t>
             </a:r>
             <a:endParaRPr lang="fr-BE"/>
@@ -1011,7 +1028,7 @@
           <a:p>
             <a:pPr lvl="0"/>
             <a:r>
-              <a:rPr lang="fr-FR" smtClean="0"/>
+              <a:rPr lang="fr-FR"/>
               <a:t>Cliquez pour modifier les styles du texte du masque</a:t>
             </a:r>
           </a:p>
@@ -1034,7 +1051,7 @@
           <a:p>
             <a:fld id="{AA309A6D-C09C-4548-B29A-6CF363A7E532}" type="datetimeFigureOut">
               <a:rPr lang="fr-FR" smtClean="0"/>
-              <a:t>05/09/2016</a:t>
+              <a:t>14/12/2022</a:t>
             </a:fld>
             <a:endParaRPr lang="fr-BE"/>
           </a:p>
@@ -1123,7 +1140,7 @@
           <a:lstStyle/>
           <a:p>
             <a:r>
-              <a:rPr lang="fr-FR" smtClean="0"/>
+              <a:rPr lang="fr-FR"/>
               <a:t>Cliquez pour modifier le style du titre</a:t>
             </a:r>
             <a:endParaRPr lang="fr-BE"/>
@@ -1180,35 +1197,35 @@
           <a:p>
             <a:pPr lvl="0"/>
             <a:r>
-              <a:rPr lang="fr-FR" smtClean="0"/>
+              <a:rPr lang="fr-FR"/>
               <a:t>Cliquez pour modifier les styles du texte du masque</a:t>
             </a:r>
           </a:p>
           <a:p>
             <a:pPr lvl="1"/>
             <a:r>
-              <a:rPr lang="fr-FR" smtClean="0"/>
+              <a:rPr lang="fr-FR"/>
               <a:t>Deuxième niveau</a:t>
             </a:r>
           </a:p>
           <a:p>
             <a:pPr lvl="2"/>
             <a:r>
-              <a:rPr lang="fr-FR" smtClean="0"/>
+              <a:rPr lang="fr-FR"/>
               <a:t>Troisième niveau</a:t>
             </a:r>
           </a:p>
           <a:p>
             <a:pPr lvl="3"/>
             <a:r>
-              <a:rPr lang="fr-FR" smtClean="0"/>
+              <a:rPr lang="fr-FR"/>
               <a:t>Quatrième niveau</a:t>
             </a:r>
           </a:p>
           <a:p>
             <a:pPr lvl="4"/>
             <a:r>
-              <a:rPr lang="fr-FR" smtClean="0"/>
+              <a:rPr lang="fr-FR"/>
               <a:t>Cinquième niveau</a:t>
             </a:r>
             <a:endParaRPr lang="fr-BE"/>
@@ -1265,35 +1282,35 @@
           <a:p>
             <a:pPr lvl="0"/>
             <a:r>
-              <a:rPr lang="fr-FR" smtClean="0"/>
+              <a:rPr lang="fr-FR"/>
               <a:t>Cliquez pour modifier les styles du texte du masque</a:t>
             </a:r>
           </a:p>
           <a:p>
             <a:pPr lvl="1"/>
             <a:r>
-              <a:rPr lang="fr-FR" smtClean="0"/>
+              <a:rPr lang="fr-FR"/>
               <a:t>Deuxième niveau</a:t>
             </a:r>
           </a:p>
           <a:p>
             <a:pPr lvl="2"/>
             <a:r>
-              <a:rPr lang="fr-FR" smtClean="0"/>
+              <a:rPr lang="fr-FR"/>
               <a:t>Troisième niveau</a:t>
             </a:r>
           </a:p>
           <a:p>
             <a:pPr lvl="3"/>
             <a:r>
-              <a:rPr lang="fr-FR" smtClean="0"/>
+              <a:rPr lang="fr-FR"/>
               <a:t>Quatrième niveau</a:t>
             </a:r>
           </a:p>
           <a:p>
             <a:pPr lvl="4"/>
             <a:r>
-              <a:rPr lang="fr-FR" smtClean="0"/>
+              <a:rPr lang="fr-FR"/>
               <a:t>Cinquième niveau</a:t>
             </a:r>
             <a:endParaRPr lang="fr-BE"/>
@@ -1317,7 +1334,7 @@
           <a:p>
             <a:fld id="{AA309A6D-C09C-4548-B29A-6CF363A7E532}" type="datetimeFigureOut">
               <a:rPr lang="fr-FR" smtClean="0"/>
-              <a:t>05/09/2016</a:t>
+              <a:t>14/12/2022</a:t>
             </a:fld>
             <a:endParaRPr lang="fr-BE"/>
           </a:p>
@@ -1410,7 +1427,7 @@
           </a:lstStyle>
           <a:p>
             <a:r>
-              <a:rPr lang="fr-FR" smtClean="0"/>
+              <a:rPr lang="fr-FR"/>
               <a:t>Cliquez pour modifier le style du titre</a:t>
             </a:r>
             <a:endParaRPr lang="fr-BE"/>
@@ -1476,7 +1493,7 @@
           <a:p>
             <a:pPr lvl="0"/>
             <a:r>
-              <a:rPr lang="fr-FR" smtClean="0"/>
+              <a:rPr lang="fr-FR"/>
               <a:t>Cliquez pour modifier les styles du texte du masque</a:t>
             </a:r>
           </a:p>
@@ -1532,35 +1549,35 @@
           <a:p>
             <a:pPr lvl="0"/>
             <a:r>
-              <a:rPr lang="fr-FR" smtClean="0"/>
+              <a:rPr lang="fr-FR"/>
               <a:t>Cliquez pour modifier les styles du texte du masque</a:t>
             </a:r>
           </a:p>
           <a:p>
             <a:pPr lvl="1"/>
             <a:r>
-              <a:rPr lang="fr-FR" smtClean="0"/>
+              <a:rPr lang="fr-FR"/>
               <a:t>Deuxième niveau</a:t>
             </a:r>
           </a:p>
           <a:p>
             <a:pPr lvl="2"/>
             <a:r>
-              <a:rPr lang="fr-FR" smtClean="0"/>
+              <a:rPr lang="fr-FR"/>
               <a:t>Troisième niveau</a:t>
             </a:r>
           </a:p>
           <a:p>
             <a:pPr lvl="3"/>
             <a:r>
-              <a:rPr lang="fr-FR" smtClean="0"/>
+              <a:rPr lang="fr-FR"/>
               <a:t>Quatrième niveau</a:t>
             </a:r>
           </a:p>
           <a:p>
             <a:pPr lvl="4"/>
             <a:r>
-              <a:rPr lang="fr-FR" smtClean="0"/>
+              <a:rPr lang="fr-FR"/>
               <a:t>Cinquième niveau</a:t>
             </a:r>
             <a:endParaRPr lang="fr-BE"/>
@@ -1626,7 +1643,7 @@
           <a:p>
             <a:pPr lvl="0"/>
             <a:r>
-              <a:rPr lang="fr-FR" smtClean="0"/>
+              <a:rPr lang="fr-FR"/>
               <a:t>Cliquez pour modifier les styles du texte du masque</a:t>
             </a:r>
           </a:p>
@@ -1682,35 +1699,35 @@
           <a:p>
             <a:pPr lvl="0"/>
             <a:r>
-              <a:rPr lang="fr-FR" smtClean="0"/>
+              <a:rPr lang="fr-FR"/>
               <a:t>Cliquez pour modifier les styles du texte du masque</a:t>
             </a:r>
           </a:p>
           <a:p>
             <a:pPr lvl="1"/>
             <a:r>
-              <a:rPr lang="fr-FR" smtClean="0"/>
+              <a:rPr lang="fr-FR"/>
               <a:t>Deuxième niveau</a:t>
             </a:r>
           </a:p>
           <a:p>
             <a:pPr lvl="2"/>
             <a:r>
-              <a:rPr lang="fr-FR" smtClean="0"/>
+              <a:rPr lang="fr-FR"/>
               <a:t>Troisième niveau</a:t>
             </a:r>
           </a:p>
           <a:p>
             <a:pPr lvl="3"/>
             <a:r>
-              <a:rPr lang="fr-FR" smtClean="0"/>
+              <a:rPr lang="fr-FR"/>
               <a:t>Quatrième niveau</a:t>
             </a:r>
           </a:p>
           <a:p>
             <a:pPr lvl="4"/>
             <a:r>
-              <a:rPr lang="fr-FR" smtClean="0"/>
+              <a:rPr lang="fr-FR"/>
               <a:t>Cinquième niveau</a:t>
             </a:r>
             <a:endParaRPr lang="fr-BE"/>
@@ -1734,7 +1751,7 @@
           <a:p>
             <a:fld id="{AA309A6D-C09C-4548-B29A-6CF363A7E532}" type="datetimeFigureOut">
               <a:rPr lang="fr-FR" smtClean="0"/>
-              <a:t>05/09/2016</a:t>
+              <a:t>14/12/2022</a:t>
             </a:fld>
             <a:endParaRPr lang="fr-BE"/>
           </a:p>
@@ -1823,7 +1840,7 @@
           <a:lstStyle/>
           <a:p>
             <a:r>
-              <a:rPr lang="fr-FR" smtClean="0"/>
+              <a:rPr lang="fr-FR"/>
               <a:t>Cliquez pour modifier le style du titre</a:t>
             </a:r>
             <a:endParaRPr lang="fr-BE"/>
@@ -1847,7 +1864,7 @@
           <a:p>
             <a:fld id="{AA309A6D-C09C-4548-B29A-6CF363A7E532}" type="datetimeFigureOut">
               <a:rPr lang="fr-FR" smtClean="0"/>
-              <a:t>05/09/2016</a:t>
+              <a:t>14/12/2022</a:t>
             </a:fld>
             <a:endParaRPr lang="fr-BE"/>
           </a:p>
@@ -1937,7 +1954,7 @@
           <a:p>
             <a:fld id="{AA309A6D-C09C-4548-B29A-6CF363A7E532}" type="datetimeFigureOut">
               <a:rPr lang="fr-FR" smtClean="0"/>
-              <a:t>05/09/2016</a:t>
+              <a:t>14/12/2022</a:t>
             </a:fld>
             <a:endParaRPr lang="fr-BE"/>
           </a:p>
@@ -2035,7 +2052,7 @@
           </a:lstStyle>
           <a:p>
             <a:r>
-              <a:rPr lang="fr-FR" smtClean="0"/>
+              <a:rPr lang="fr-FR"/>
               <a:t>Cliquez pour modifier le style du titre</a:t>
             </a:r>
             <a:endParaRPr lang="fr-BE"/>
@@ -2092,35 +2109,35 @@
           <a:p>
             <a:pPr lvl="0"/>
             <a:r>
-              <a:rPr lang="fr-FR" smtClean="0"/>
+              <a:rPr lang="fr-FR"/>
               <a:t>Cliquez pour modifier les styles du texte du masque</a:t>
             </a:r>
           </a:p>
           <a:p>
             <a:pPr lvl="1"/>
             <a:r>
-              <a:rPr lang="fr-FR" smtClean="0"/>
+              <a:rPr lang="fr-FR"/>
               <a:t>Deuxième niveau</a:t>
             </a:r>
           </a:p>
           <a:p>
             <a:pPr lvl="2"/>
             <a:r>
-              <a:rPr lang="fr-FR" smtClean="0"/>
+              <a:rPr lang="fr-FR"/>
               <a:t>Troisième niveau</a:t>
             </a:r>
           </a:p>
           <a:p>
             <a:pPr lvl="3"/>
             <a:r>
-              <a:rPr lang="fr-FR" smtClean="0"/>
+              <a:rPr lang="fr-FR"/>
               <a:t>Quatrième niveau</a:t>
             </a:r>
           </a:p>
           <a:p>
             <a:pPr lvl="4"/>
             <a:r>
-              <a:rPr lang="fr-FR" smtClean="0"/>
+              <a:rPr lang="fr-FR"/>
               <a:t>Cinquième niveau</a:t>
             </a:r>
             <a:endParaRPr lang="fr-BE"/>
@@ -2186,7 +2203,7 @@
           <a:p>
             <a:pPr lvl="0"/>
             <a:r>
-              <a:rPr lang="fr-FR" smtClean="0"/>
+              <a:rPr lang="fr-FR"/>
               <a:t>Cliquez pour modifier les styles du texte du masque</a:t>
             </a:r>
           </a:p>
@@ -2209,7 +2226,7 @@
           <a:p>
             <a:fld id="{AA309A6D-C09C-4548-B29A-6CF363A7E532}" type="datetimeFigureOut">
               <a:rPr lang="fr-FR" smtClean="0"/>
-              <a:t>05/09/2016</a:t>
+              <a:t>14/12/2022</a:t>
             </a:fld>
             <a:endParaRPr lang="fr-BE"/>
           </a:p>
@@ -2307,7 +2324,7 @@
           </a:lstStyle>
           <a:p>
             <a:r>
-              <a:rPr lang="fr-FR" smtClean="0"/>
+              <a:rPr lang="fr-FR"/>
               <a:t>Cliquez pour modifier le style du titre</a:t>
             </a:r>
             <a:endParaRPr lang="fr-BE"/>
@@ -2434,7 +2451,7 @@
           <a:p>
             <a:pPr lvl="0"/>
             <a:r>
-              <a:rPr lang="fr-FR" smtClean="0"/>
+              <a:rPr lang="fr-FR"/>
               <a:t>Cliquez pour modifier les styles du texte du masque</a:t>
             </a:r>
           </a:p>
@@ -2457,7 +2474,7 @@
           <a:p>
             <a:fld id="{AA309A6D-C09C-4548-B29A-6CF363A7E532}" type="datetimeFigureOut">
               <a:rPr lang="fr-FR" smtClean="0"/>
-              <a:t>05/09/2016</a:t>
+              <a:t>14/12/2022</a:t>
             </a:fld>
             <a:endParaRPr lang="fr-BE"/>
           </a:p>
@@ -2561,7 +2578,7 @@
           <a:lstStyle/>
           <a:p>
             <a:r>
-              <a:rPr lang="fr-FR" smtClean="0"/>
+              <a:rPr lang="fr-FR"/>
               <a:t>Cliquez pour modifier le style du titre</a:t>
             </a:r>
             <a:endParaRPr lang="fr-BE"/>
@@ -2595,35 +2612,35 @@
           <a:p>
             <a:pPr lvl="0"/>
             <a:r>
-              <a:rPr lang="fr-FR" smtClean="0"/>
+              <a:rPr lang="fr-FR"/>
               <a:t>Cliquez pour modifier les styles du texte du masque</a:t>
             </a:r>
           </a:p>
           <a:p>
             <a:pPr lvl="1"/>
             <a:r>
-              <a:rPr lang="fr-FR" smtClean="0"/>
+              <a:rPr lang="fr-FR"/>
               <a:t>Deuxième niveau</a:t>
             </a:r>
           </a:p>
           <a:p>
             <a:pPr lvl="2"/>
             <a:r>
-              <a:rPr lang="fr-FR" smtClean="0"/>
+              <a:rPr lang="fr-FR"/>
               <a:t>Troisième niveau</a:t>
             </a:r>
           </a:p>
           <a:p>
             <a:pPr lvl="3"/>
             <a:r>
-              <a:rPr lang="fr-FR" smtClean="0"/>
+              <a:rPr lang="fr-FR"/>
               <a:t>Quatrième niveau</a:t>
             </a:r>
           </a:p>
           <a:p>
             <a:pPr lvl="4"/>
             <a:r>
-              <a:rPr lang="fr-FR" smtClean="0"/>
+              <a:rPr lang="fr-FR"/>
               <a:t>Cinquième niveau</a:t>
             </a:r>
             <a:endParaRPr lang="fr-BE"/>
@@ -2665,7 +2682,7 @@
           <a:p>
             <a:fld id="{AA309A6D-C09C-4548-B29A-6CF363A7E532}" type="datetimeFigureOut">
               <a:rPr lang="fr-FR" smtClean="0"/>
-              <a:t>05/09/2016</a:t>
+              <a:t>14/12/2022</a:t>
             </a:fld>
             <a:endParaRPr lang="fr-BE"/>
           </a:p>
@@ -3346,10 +3363,9 @@
           <a:lstStyle/>
           <a:p>
             <a:r>
-              <a:rPr lang="fr-FR" sz="1200" dirty="0" smtClean="0"/>
+              <a:rPr lang="fr-FR" sz="1200" dirty="0"/>
               <a:t>Activation/désactivation du mode de bercement</a:t>
             </a:r>
-            <a:endParaRPr lang="fr-FR" sz="1200" dirty="0"/>
           </a:p>
         </p:txBody>
       </p:sp>
@@ -3695,10 +3711,9 @@
           <a:lstStyle/>
           <a:p>
             <a:r>
-              <a:rPr lang="fr-FR" sz="1200" dirty="0" smtClean="0"/>
+              <a:rPr lang="fr-FR" sz="1200" dirty="0"/>
               <a:t>Choix du mode</a:t>
             </a:r>
-            <a:endParaRPr lang="fr-FR" sz="1200" dirty="0"/>
           </a:p>
         </p:txBody>
       </p:sp>
@@ -3837,10 +3852,9 @@
           <a:lstStyle/>
           <a:p>
             <a:r>
-              <a:rPr lang="fr-FR" sz="1200" dirty="0" smtClean="0"/>
+              <a:rPr lang="fr-FR" sz="1200" dirty="0"/>
               <a:t>Choix de la vitesse</a:t>
             </a:r>
-            <a:endParaRPr lang="fr-FR" sz="1200" dirty="0"/>
           </a:p>
         </p:txBody>
       </p:sp>
@@ -4120,16 +4134,15 @@
           <a:lstStyle/>
           <a:p>
             <a:r>
-              <a:rPr lang="fr-FR" sz="1200" dirty="0" smtClean="0"/>
+              <a:rPr lang="fr-FR" sz="1200" dirty="0"/>
               <a:t>Activation/désactivation </a:t>
             </a:r>
           </a:p>
           <a:p>
             <a:r>
-              <a:rPr lang="fr-FR" sz="1200" dirty="0" smtClean="0"/>
+              <a:rPr lang="fr-FR" sz="1200" dirty="0"/>
               <a:t>du son</a:t>
             </a:r>
-            <a:endParaRPr lang="fr-FR" sz="1200" dirty="0"/>
           </a:p>
         </p:txBody>
       </p:sp>
@@ -4475,10 +4488,9 @@
           <a:lstStyle/>
           <a:p>
             <a:r>
-              <a:rPr lang="fr-FR" sz="1200" dirty="0" smtClean="0"/>
+              <a:rPr lang="fr-FR" sz="1200" dirty="0"/>
               <a:t>Choix du mode sonore</a:t>
             </a:r>
-            <a:endParaRPr lang="fr-FR" sz="1200" dirty="0"/>
           </a:p>
         </p:txBody>
       </p:sp>
@@ -4617,10 +4629,9 @@
           <a:lstStyle/>
           <a:p>
             <a:r>
-              <a:rPr lang="fr-FR" sz="1200" dirty="0" smtClean="0"/>
+              <a:rPr lang="fr-FR" sz="1200" dirty="0"/>
               <a:t>Choix de l’intensité sonore</a:t>
             </a:r>
-            <a:endParaRPr lang="fr-FR" sz="1200" dirty="0"/>
           </a:p>
         </p:txBody>
       </p:sp>
@@ -4751,6 +4762,5819 @@
     <p:extLst>
       <p:ext uri="{BB962C8B-B14F-4D97-AF65-F5344CB8AC3E}">
         <p14:creationId xmlns:p14="http://schemas.microsoft.com/office/powerpoint/2010/main" val="1365278214"/>
+      </p:ext>
+    </p:extLst>
+  </p:cSld>
+  <p:clrMapOvr>
+    <a:masterClrMapping/>
+  </p:clrMapOvr>
+</p:sld>
+</file>
+
+<file path=ppt/slides/slide2.xml><?xml version="1.0" encoding="utf-8"?>
+<p:sld xmlns:a="http://schemas.openxmlformats.org/drawingml/2006/main" xmlns:r="http://schemas.openxmlformats.org/officeDocument/2006/relationships" xmlns:p="http://schemas.openxmlformats.org/presentationml/2006/main">
+  <p:cSld>
+    <p:spTree>
+      <p:nvGrpSpPr>
+        <p:cNvPr id="1" name=""/>
+        <p:cNvGrpSpPr/>
+        <p:nvPr/>
+      </p:nvGrpSpPr>
+      <p:grpSpPr>
+        <a:xfrm>
+          <a:off x="0" y="0"/>
+          <a:ext cx="0" cy="0"/>
+          <a:chOff x="0" y="0"/>
+          <a:chExt cx="0" cy="0"/>
+        </a:xfrm>
+      </p:grpSpPr>
+      <p:cxnSp>
+        <p:nvCxnSpPr>
+          <p:cNvPr id="134" name="Connecteur droit 133">
+            <a:extLst>
+              <a:ext uri="{FF2B5EF4-FFF2-40B4-BE49-F238E27FC236}">
+                <a16:creationId xmlns:a16="http://schemas.microsoft.com/office/drawing/2014/main" id="{D9F49366-EDB2-051D-8411-F40D984B92D5}"/>
+              </a:ext>
+            </a:extLst>
+          </p:cNvPr>
+          <p:cNvCxnSpPr>
+            <a:cxnSpLocks/>
+          </p:cNvCxnSpPr>
+          <p:nvPr/>
+        </p:nvCxnSpPr>
+        <p:spPr>
+          <a:xfrm flipH="1">
+            <a:off x="6283683" y="5877270"/>
+            <a:ext cx="720000" cy="0"/>
+          </a:xfrm>
+          <a:prstGeom prst="line">
+            <a:avLst/>
+          </a:prstGeom>
+          <a:solidFill>
+            <a:schemeClr val="bg1"/>
+          </a:solidFill>
+          <a:ln w="12700">
+            <a:solidFill>
+              <a:schemeClr val="tx1"/>
+            </a:solidFill>
+            <a:prstDash val="lgDashDot"/>
+          </a:ln>
+        </p:spPr>
+        <p:style>
+          <a:lnRef idx="2">
+            <a:schemeClr val="accent1">
+              <a:shade val="50000"/>
+            </a:schemeClr>
+          </a:lnRef>
+          <a:fillRef idx="1">
+            <a:schemeClr val="accent1"/>
+          </a:fillRef>
+          <a:effectRef idx="0">
+            <a:schemeClr val="accent1"/>
+          </a:effectRef>
+          <a:fontRef idx="minor">
+            <a:schemeClr val="lt1"/>
+          </a:fontRef>
+        </p:style>
+      </p:cxnSp>
+      <p:cxnSp>
+        <p:nvCxnSpPr>
+          <p:cNvPr id="121" name="Connecteur droit 120">
+            <a:extLst>
+              <a:ext uri="{FF2B5EF4-FFF2-40B4-BE49-F238E27FC236}">
+                <a16:creationId xmlns:a16="http://schemas.microsoft.com/office/drawing/2014/main" id="{82C536BE-3D86-3812-CE43-1A8C87538E4F}"/>
+              </a:ext>
+            </a:extLst>
+          </p:cNvPr>
+          <p:cNvCxnSpPr>
+            <a:cxnSpLocks/>
+          </p:cNvCxnSpPr>
+          <p:nvPr/>
+        </p:nvCxnSpPr>
+        <p:spPr>
+          <a:xfrm flipV="1">
+            <a:off x="6804248" y="5811393"/>
+            <a:ext cx="0" cy="131755"/>
+          </a:xfrm>
+          <a:prstGeom prst="line">
+            <a:avLst/>
+          </a:prstGeom>
+          <a:solidFill>
+            <a:schemeClr val="bg1"/>
+          </a:solidFill>
+          <a:ln w="28575">
+            <a:solidFill>
+              <a:srgbClr val="00B0F0"/>
+            </a:solidFill>
+          </a:ln>
+        </p:spPr>
+        <p:style>
+          <a:lnRef idx="2">
+            <a:schemeClr val="accent1">
+              <a:shade val="50000"/>
+            </a:schemeClr>
+          </a:lnRef>
+          <a:fillRef idx="1">
+            <a:schemeClr val="accent1"/>
+          </a:fillRef>
+          <a:effectRef idx="0">
+            <a:schemeClr val="accent1"/>
+          </a:effectRef>
+          <a:fontRef idx="minor">
+            <a:schemeClr val="lt1"/>
+          </a:fontRef>
+        </p:style>
+      </p:cxnSp>
+      <p:grpSp>
+        <p:nvGrpSpPr>
+          <p:cNvPr id="62" name="Groupe 61">
+            <a:extLst>
+              <a:ext uri="{FF2B5EF4-FFF2-40B4-BE49-F238E27FC236}">
+                <a16:creationId xmlns:a16="http://schemas.microsoft.com/office/drawing/2014/main" id="{5A75F36F-F4BE-EEB2-362F-E0B20ADC1A59}"/>
+              </a:ext>
+            </a:extLst>
+          </p:cNvPr>
+          <p:cNvGrpSpPr/>
+          <p:nvPr/>
+        </p:nvGrpSpPr>
+        <p:grpSpPr>
+          <a:xfrm>
+            <a:off x="4844792" y="5141952"/>
+            <a:ext cx="900000" cy="900000"/>
+            <a:chOff x="4626649" y="5013176"/>
+            <a:chExt cx="900000" cy="900000"/>
+          </a:xfrm>
+        </p:grpSpPr>
+        <p:sp>
+          <p:nvSpPr>
+            <p:cNvPr id="29" name="Ellipse 28">
+              <a:extLst>
+                <a:ext uri="{FF2B5EF4-FFF2-40B4-BE49-F238E27FC236}">
+                  <a16:creationId xmlns:a16="http://schemas.microsoft.com/office/drawing/2014/main" id="{38D84271-9897-925E-2DD9-0E4FEB4097BB}"/>
+                </a:ext>
+              </a:extLst>
+            </p:cNvPr>
+            <p:cNvSpPr/>
+            <p:nvPr/>
+          </p:nvSpPr>
+          <p:spPr>
+            <a:xfrm>
+              <a:off x="4626649" y="5013176"/>
+              <a:ext cx="900000" cy="900000"/>
+            </a:xfrm>
+            <a:prstGeom prst="ellipse">
+              <a:avLst/>
+            </a:prstGeom>
+            <a:solidFill>
+              <a:schemeClr val="bg1"/>
+            </a:solidFill>
+            <a:ln w="28575">
+              <a:solidFill>
+                <a:srgbClr val="00B050"/>
+              </a:solidFill>
+            </a:ln>
+          </p:spPr>
+          <p:style>
+            <a:lnRef idx="2">
+              <a:schemeClr val="accent1">
+                <a:shade val="50000"/>
+              </a:schemeClr>
+            </a:lnRef>
+            <a:fillRef idx="1">
+              <a:schemeClr val="accent1"/>
+            </a:fillRef>
+            <a:effectRef idx="0">
+              <a:schemeClr val="accent1"/>
+            </a:effectRef>
+            <a:fontRef idx="minor">
+              <a:schemeClr val="lt1"/>
+            </a:fontRef>
+          </p:style>
+          <p:txBody>
+            <a:bodyPr rtlCol="0" anchor="ctr"/>
+            <a:lstStyle/>
+            <a:p>
+              <a:pPr algn="ctr"/>
+              <a:endParaRPr lang="fr-FR" dirty="0"/>
+            </a:p>
+          </p:txBody>
+        </p:sp>
+        <p:sp>
+          <p:nvSpPr>
+            <p:cNvPr id="59" name="Ellipse 58">
+              <a:extLst>
+                <a:ext uri="{FF2B5EF4-FFF2-40B4-BE49-F238E27FC236}">
+                  <a16:creationId xmlns:a16="http://schemas.microsoft.com/office/drawing/2014/main" id="{564F10AD-DE28-0DE9-5BAC-6D909FFF6411}"/>
+                </a:ext>
+              </a:extLst>
+            </p:cNvPr>
+            <p:cNvSpPr/>
+            <p:nvPr/>
+          </p:nvSpPr>
+          <p:spPr>
+            <a:xfrm>
+              <a:off x="4986649" y="5373176"/>
+              <a:ext cx="180000" cy="180000"/>
+            </a:xfrm>
+            <a:prstGeom prst="ellipse">
+              <a:avLst/>
+            </a:prstGeom>
+            <a:solidFill>
+              <a:schemeClr val="bg1"/>
+            </a:solidFill>
+            <a:ln w="28575">
+              <a:solidFill>
+                <a:srgbClr val="00B050"/>
+              </a:solidFill>
+            </a:ln>
+          </p:spPr>
+          <p:style>
+            <a:lnRef idx="2">
+              <a:schemeClr val="accent1">
+                <a:shade val="50000"/>
+              </a:schemeClr>
+            </a:lnRef>
+            <a:fillRef idx="1">
+              <a:schemeClr val="accent1"/>
+            </a:fillRef>
+            <a:effectRef idx="0">
+              <a:schemeClr val="accent1"/>
+            </a:effectRef>
+            <a:fontRef idx="minor">
+              <a:schemeClr val="lt1"/>
+            </a:fontRef>
+          </p:style>
+          <p:txBody>
+            <a:bodyPr rtlCol="0" anchor="ctr"/>
+            <a:lstStyle/>
+            <a:p>
+              <a:pPr algn="ctr"/>
+              <a:endParaRPr lang="fr-FR" dirty="0"/>
+            </a:p>
+          </p:txBody>
+        </p:sp>
+      </p:grpSp>
+      <p:cxnSp>
+        <p:nvCxnSpPr>
+          <p:cNvPr id="70" name="Connecteur droit 69">
+            <a:extLst>
+              <a:ext uri="{FF2B5EF4-FFF2-40B4-BE49-F238E27FC236}">
+                <a16:creationId xmlns:a16="http://schemas.microsoft.com/office/drawing/2014/main" id="{5EFA0972-878E-84C9-6C65-CFA143FFB05B}"/>
+              </a:ext>
+            </a:extLst>
+          </p:cNvPr>
+          <p:cNvCxnSpPr>
+            <a:cxnSpLocks/>
+            <a:stCxn id="61" idx="4"/>
+            <a:endCxn id="68" idx="0"/>
+          </p:cNvCxnSpPr>
+          <p:nvPr/>
+        </p:nvCxnSpPr>
+        <p:spPr>
+          <a:xfrm flipV="1">
+            <a:off x="5110789" y="4608304"/>
+            <a:ext cx="181699" cy="878408"/>
+          </a:xfrm>
+          <a:prstGeom prst="line">
+            <a:avLst/>
+          </a:prstGeom>
+          <a:solidFill>
+            <a:schemeClr val="bg1"/>
+          </a:solidFill>
+          <a:ln w="28575">
+            <a:solidFill>
+              <a:srgbClr val="0070C0"/>
+            </a:solidFill>
+          </a:ln>
+        </p:spPr>
+        <p:style>
+          <a:lnRef idx="2">
+            <a:schemeClr val="accent1">
+              <a:shade val="50000"/>
+            </a:schemeClr>
+          </a:lnRef>
+          <a:fillRef idx="1">
+            <a:schemeClr val="accent1"/>
+          </a:fillRef>
+          <a:effectRef idx="0">
+            <a:schemeClr val="accent1"/>
+          </a:effectRef>
+          <a:fontRef idx="minor">
+            <a:schemeClr val="lt1"/>
+          </a:fontRef>
+        </p:style>
+      </p:cxnSp>
+      <p:pic>
+        <p:nvPicPr>
+          <p:cNvPr id="5" name="Image 4">
+            <a:extLst>
+              <a:ext uri="{FF2B5EF4-FFF2-40B4-BE49-F238E27FC236}">
+                <a16:creationId xmlns:a16="http://schemas.microsoft.com/office/drawing/2014/main" id="{98C942EA-16AA-2C23-EB68-665D6D1DA896}"/>
+              </a:ext>
+            </a:extLst>
+          </p:cNvPr>
+          <p:cNvPicPr>
+            <a:picLocks noChangeAspect="1"/>
+          </p:cNvPicPr>
+          <p:nvPr/>
+        </p:nvPicPr>
+        <p:blipFill>
+          <a:blip r:embed="rId2"/>
+          <a:stretch>
+            <a:fillRect/>
+          </a:stretch>
+        </p:blipFill>
+        <p:spPr>
+          <a:xfrm>
+            <a:off x="649604" y="2229814"/>
+            <a:ext cx="3384376" cy="2125342"/>
+          </a:xfrm>
+          <a:prstGeom prst="rect">
+            <a:avLst/>
+          </a:prstGeom>
+        </p:spPr>
+      </p:pic>
+      <p:grpSp>
+        <p:nvGrpSpPr>
+          <p:cNvPr id="6" name="Groupe 5">
+            <a:extLst>
+              <a:ext uri="{FF2B5EF4-FFF2-40B4-BE49-F238E27FC236}">
+                <a16:creationId xmlns:a16="http://schemas.microsoft.com/office/drawing/2014/main" id="{F00CD316-FDCF-23FA-DBA0-05CA5BF2F656}"/>
+              </a:ext>
+            </a:extLst>
+          </p:cNvPr>
+          <p:cNvGrpSpPr/>
+          <p:nvPr/>
+        </p:nvGrpSpPr>
+        <p:grpSpPr>
+          <a:xfrm>
+            <a:off x="7236296" y="116632"/>
+            <a:ext cx="2813785" cy="2859959"/>
+            <a:chOff x="-180530" y="281011"/>
+            <a:chExt cx="2813785" cy="2859959"/>
+          </a:xfrm>
+        </p:grpSpPr>
+        <p:grpSp>
+          <p:nvGrpSpPr>
+            <p:cNvPr id="7" name="Groupe 6">
+              <a:extLst>
+                <a:ext uri="{FF2B5EF4-FFF2-40B4-BE49-F238E27FC236}">
+                  <a16:creationId xmlns:a16="http://schemas.microsoft.com/office/drawing/2014/main" id="{2162088C-1952-58A0-432F-63E53F5E9284}"/>
+                </a:ext>
+              </a:extLst>
+            </p:cNvPr>
+            <p:cNvGrpSpPr/>
+            <p:nvPr/>
+          </p:nvGrpSpPr>
+          <p:grpSpPr>
+            <a:xfrm rot="20700000">
+              <a:off x="780713" y="386845"/>
+              <a:ext cx="1440160" cy="1440160"/>
+              <a:chOff x="971600" y="548680"/>
+              <a:chExt cx="1440160" cy="1440160"/>
+            </a:xfrm>
+          </p:grpSpPr>
+          <p:cxnSp>
+            <p:nvCxnSpPr>
+              <p:cNvPr id="21" name="Connecteur droit 20">
+                <a:extLst>
+                  <a:ext uri="{FF2B5EF4-FFF2-40B4-BE49-F238E27FC236}">
+                    <a16:creationId xmlns:a16="http://schemas.microsoft.com/office/drawing/2014/main" id="{1001A4C3-2101-8A3A-C9B5-E074BFE77C58}"/>
+                  </a:ext>
+                </a:extLst>
+              </p:cNvPr>
+              <p:cNvCxnSpPr/>
+              <p:nvPr/>
+            </p:nvCxnSpPr>
+            <p:spPr>
+              <a:xfrm flipV="1">
+                <a:off x="971600" y="548680"/>
+                <a:ext cx="0" cy="1440160"/>
+              </a:xfrm>
+              <a:prstGeom prst="line">
+                <a:avLst/>
+              </a:prstGeom>
+              <a:ln w="19050">
+                <a:solidFill>
+                  <a:srgbClr val="00B050"/>
+                </a:solidFill>
+                <a:tailEnd type="stealth" w="med" len="lg"/>
+              </a:ln>
+            </p:spPr>
+            <p:style>
+              <a:lnRef idx="1">
+                <a:schemeClr val="accent1"/>
+              </a:lnRef>
+              <a:fillRef idx="0">
+                <a:schemeClr val="accent1"/>
+              </a:fillRef>
+              <a:effectRef idx="0">
+                <a:schemeClr val="accent1"/>
+              </a:effectRef>
+              <a:fontRef idx="minor">
+                <a:schemeClr val="tx1"/>
+              </a:fontRef>
+            </p:style>
+          </p:cxnSp>
+          <p:cxnSp>
+            <p:nvCxnSpPr>
+              <p:cNvPr id="22" name="Connecteur droit 21">
+                <a:extLst>
+                  <a:ext uri="{FF2B5EF4-FFF2-40B4-BE49-F238E27FC236}">
+                    <a16:creationId xmlns:a16="http://schemas.microsoft.com/office/drawing/2014/main" id="{8B8BC936-BC7C-F700-C80E-4E136BAFFF59}"/>
+                  </a:ext>
+                </a:extLst>
+              </p:cNvPr>
+              <p:cNvCxnSpPr>
+                <a:cxnSpLocks/>
+              </p:cNvCxnSpPr>
+              <p:nvPr/>
+            </p:nvCxnSpPr>
+            <p:spPr>
+              <a:xfrm rot="5400000" flipV="1">
+                <a:off x="1691680" y="1268760"/>
+                <a:ext cx="0" cy="1440160"/>
+              </a:xfrm>
+              <a:prstGeom prst="line">
+                <a:avLst/>
+              </a:prstGeom>
+              <a:ln w="19050">
+                <a:solidFill>
+                  <a:srgbClr val="00B050"/>
+                </a:solidFill>
+                <a:tailEnd type="stealth" w="med" len="lg"/>
+              </a:ln>
+            </p:spPr>
+            <p:style>
+              <a:lnRef idx="1">
+                <a:schemeClr val="accent1"/>
+              </a:lnRef>
+              <a:fillRef idx="0">
+                <a:schemeClr val="accent1"/>
+              </a:fillRef>
+              <a:effectRef idx="0">
+                <a:schemeClr val="accent1"/>
+              </a:effectRef>
+              <a:fontRef idx="minor">
+                <a:schemeClr val="tx1"/>
+              </a:fontRef>
+            </p:style>
+          </p:cxnSp>
+        </p:grpSp>
+        <p:grpSp>
+          <p:nvGrpSpPr>
+            <p:cNvPr id="8" name="Groupe 7">
+              <a:extLst>
+                <a:ext uri="{FF2B5EF4-FFF2-40B4-BE49-F238E27FC236}">
+                  <a16:creationId xmlns:a16="http://schemas.microsoft.com/office/drawing/2014/main" id="{5DFB0CD9-D394-4425-7D24-E2F171166886}"/>
+                </a:ext>
+              </a:extLst>
+            </p:cNvPr>
+            <p:cNvGrpSpPr/>
+            <p:nvPr/>
+          </p:nvGrpSpPr>
+          <p:grpSpPr>
+            <a:xfrm>
+              <a:off x="971600" y="548680"/>
+              <a:ext cx="1440160" cy="1440160"/>
+              <a:chOff x="971600" y="548680"/>
+              <a:chExt cx="1440160" cy="1440160"/>
+            </a:xfrm>
+          </p:grpSpPr>
+          <p:cxnSp>
+            <p:nvCxnSpPr>
+              <p:cNvPr id="19" name="Connecteur droit 18">
+                <a:extLst>
+                  <a:ext uri="{FF2B5EF4-FFF2-40B4-BE49-F238E27FC236}">
+                    <a16:creationId xmlns:a16="http://schemas.microsoft.com/office/drawing/2014/main" id="{51C18C25-F64C-4954-C041-9103193D649F}"/>
+                  </a:ext>
+                </a:extLst>
+              </p:cNvPr>
+              <p:cNvCxnSpPr/>
+              <p:nvPr/>
+            </p:nvCxnSpPr>
+            <p:spPr>
+              <a:xfrm flipV="1">
+                <a:off x="971600" y="548680"/>
+                <a:ext cx="0" cy="1440160"/>
+              </a:xfrm>
+              <a:prstGeom prst="line">
+                <a:avLst/>
+              </a:prstGeom>
+              <a:ln w="19050">
+                <a:solidFill>
+                  <a:schemeClr val="tx1"/>
+                </a:solidFill>
+                <a:tailEnd type="stealth" w="med" len="lg"/>
+              </a:ln>
+            </p:spPr>
+            <p:style>
+              <a:lnRef idx="1">
+                <a:schemeClr val="accent1"/>
+              </a:lnRef>
+              <a:fillRef idx="0">
+                <a:schemeClr val="accent1"/>
+              </a:fillRef>
+              <a:effectRef idx="0">
+                <a:schemeClr val="accent1"/>
+              </a:effectRef>
+              <a:fontRef idx="minor">
+                <a:schemeClr val="tx1"/>
+              </a:fontRef>
+            </p:style>
+          </p:cxnSp>
+          <p:cxnSp>
+            <p:nvCxnSpPr>
+              <p:cNvPr id="20" name="Connecteur droit 19">
+                <a:extLst>
+                  <a:ext uri="{FF2B5EF4-FFF2-40B4-BE49-F238E27FC236}">
+                    <a16:creationId xmlns:a16="http://schemas.microsoft.com/office/drawing/2014/main" id="{3A396FC0-87C4-D675-3DD3-A5795713BA9F}"/>
+                  </a:ext>
+                </a:extLst>
+              </p:cNvPr>
+              <p:cNvCxnSpPr>
+                <a:cxnSpLocks/>
+              </p:cNvCxnSpPr>
+              <p:nvPr/>
+            </p:nvCxnSpPr>
+            <p:spPr>
+              <a:xfrm rot="5400000" flipV="1">
+                <a:off x="1691680" y="1268760"/>
+                <a:ext cx="0" cy="1440160"/>
+              </a:xfrm>
+              <a:prstGeom prst="line">
+                <a:avLst/>
+              </a:prstGeom>
+              <a:ln w="19050">
+                <a:solidFill>
+                  <a:schemeClr val="tx1"/>
+                </a:solidFill>
+                <a:tailEnd type="stealth" w="med" len="lg"/>
+              </a:ln>
+            </p:spPr>
+            <p:style>
+              <a:lnRef idx="1">
+                <a:schemeClr val="accent1"/>
+              </a:lnRef>
+              <a:fillRef idx="0">
+                <a:schemeClr val="accent1"/>
+              </a:fillRef>
+              <a:effectRef idx="0">
+                <a:schemeClr val="accent1"/>
+              </a:effectRef>
+              <a:fontRef idx="minor">
+                <a:schemeClr val="tx1"/>
+              </a:fontRef>
+            </p:style>
+          </p:cxnSp>
+        </p:grpSp>
+        <p:sp>
+          <p:nvSpPr>
+            <p:cNvPr id="9" name="Ellipse 8">
+              <a:extLst>
+                <a:ext uri="{FF2B5EF4-FFF2-40B4-BE49-F238E27FC236}">
+                  <a16:creationId xmlns:a16="http://schemas.microsoft.com/office/drawing/2014/main" id="{8ACD59F4-67D7-4F91-B951-341B13246509}"/>
+                </a:ext>
+              </a:extLst>
+            </p:cNvPr>
+            <p:cNvSpPr/>
+            <p:nvPr/>
+          </p:nvSpPr>
+          <p:spPr>
+            <a:xfrm>
+              <a:off x="873610" y="1869528"/>
+              <a:ext cx="216000" cy="216000"/>
+            </a:xfrm>
+            <a:prstGeom prst="ellipse">
+              <a:avLst/>
+            </a:prstGeom>
+            <a:solidFill>
+              <a:schemeClr val="bg1"/>
+            </a:solidFill>
+            <a:ln w="19050">
+              <a:solidFill>
+                <a:schemeClr val="tx1"/>
+              </a:solidFill>
+            </a:ln>
+          </p:spPr>
+          <p:style>
+            <a:lnRef idx="2">
+              <a:schemeClr val="accent1">
+                <a:shade val="50000"/>
+              </a:schemeClr>
+            </a:lnRef>
+            <a:fillRef idx="1">
+              <a:schemeClr val="accent1"/>
+            </a:fillRef>
+            <a:effectRef idx="0">
+              <a:schemeClr val="accent1"/>
+            </a:effectRef>
+            <a:fontRef idx="minor">
+              <a:schemeClr val="lt1"/>
+            </a:fontRef>
+          </p:style>
+          <p:txBody>
+            <a:bodyPr rtlCol="0" anchor="ctr"/>
+            <a:lstStyle/>
+            <a:p>
+              <a:pPr algn="ctr"/>
+              <a:endParaRPr lang="fr-FR"/>
+            </a:p>
+          </p:txBody>
+        </p:sp>
+        <p:sp>
+          <p:nvSpPr>
+            <p:cNvPr id="10" name="Ellipse 9">
+              <a:extLst>
+                <a:ext uri="{FF2B5EF4-FFF2-40B4-BE49-F238E27FC236}">
+                  <a16:creationId xmlns:a16="http://schemas.microsoft.com/office/drawing/2014/main" id="{E6099581-6C74-0DF9-98F5-BB4F47FF2199}"/>
+                </a:ext>
+              </a:extLst>
+            </p:cNvPr>
+            <p:cNvSpPr/>
+            <p:nvPr/>
+          </p:nvSpPr>
+          <p:spPr>
+            <a:xfrm>
+              <a:off x="945610" y="1941528"/>
+              <a:ext cx="72000" cy="72000"/>
+            </a:xfrm>
+            <a:prstGeom prst="ellipse">
+              <a:avLst/>
+            </a:prstGeom>
+            <a:solidFill>
+              <a:schemeClr val="tx1"/>
+            </a:solidFill>
+            <a:ln w="19050">
+              <a:solidFill>
+                <a:schemeClr val="tx1"/>
+              </a:solidFill>
+            </a:ln>
+          </p:spPr>
+          <p:style>
+            <a:lnRef idx="2">
+              <a:schemeClr val="accent1">
+                <a:shade val="50000"/>
+              </a:schemeClr>
+            </a:lnRef>
+            <a:fillRef idx="1">
+              <a:schemeClr val="accent1"/>
+            </a:fillRef>
+            <a:effectRef idx="0">
+              <a:schemeClr val="accent1"/>
+            </a:effectRef>
+            <a:fontRef idx="minor">
+              <a:schemeClr val="lt1"/>
+            </a:fontRef>
+          </p:style>
+          <p:txBody>
+            <a:bodyPr rtlCol="0" anchor="ctr"/>
+            <a:lstStyle/>
+            <a:p>
+              <a:pPr algn="ctr"/>
+              <a:endParaRPr lang="fr-FR"/>
+            </a:p>
+          </p:txBody>
+        </p:sp>
+        <p:sp>
+          <p:nvSpPr>
+            <p:cNvPr id="11" name="Arc 10">
+              <a:extLst>
+                <a:ext uri="{FF2B5EF4-FFF2-40B4-BE49-F238E27FC236}">
+                  <a16:creationId xmlns:a16="http://schemas.microsoft.com/office/drawing/2014/main" id="{50FD46EB-D3B1-9DB5-1F72-10FF5F23CD93}"/>
+                </a:ext>
+              </a:extLst>
+            </p:cNvPr>
+            <p:cNvSpPr/>
+            <p:nvPr/>
+          </p:nvSpPr>
+          <p:spPr>
+            <a:xfrm>
+              <a:off x="-180530" y="836712"/>
+              <a:ext cx="2304258" cy="2304258"/>
+            </a:xfrm>
+            <a:prstGeom prst="arc">
+              <a:avLst>
+                <a:gd name="adj1" fmla="val 20716967"/>
+                <a:gd name="adj2" fmla="val 0"/>
+              </a:avLst>
+            </a:prstGeom>
+            <a:ln>
+              <a:solidFill>
+                <a:srgbClr val="00B050"/>
+              </a:solidFill>
+              <a:headEnd type="stealth" w="med" len="lg"/>
+            </a:ln>
+          </p:spPr>
+          <p:style>
+            <a:lnRef idx="1">
+              <a:schemeClr val="accent1"/>
+            </a:lnRef>
+            <a:fillRef idx="0">
+              <a:schemeClr val="accent1"/>
+            </a:fillRef>
+            <a:effectRef idx="0">
+              <a:schemeClr val="accent1"/>
+            </a:effectRef>
+            <a:fontRef idx="minor">
+              <a:schemeClr val="tx1"/>
+            </a:fontRef>
+          </p:style>
+          <p:txBody>
+            <a:bodyPr rtlCol="0" anchor="ctr"/>
+            <a:lstStyle/>
+            <a:p>
+              <a:pPr algn="ctr"/>
+              <a:endParaRPr lang="fr-FR"/>
+            </a:p>
+          </p:txBody>
+        </p:sp>
+        <mc:AlternateContent xmlns:mc="http://schemas.openxmlformats.org/markup-compatibility/2006" xmlns:a14="http://schemas.microsoft.com/office/drawing/2010/main">
+          <mc:Choice Requires="a14">
+            <p:sp>
+              <p:nvSpPr>
+                <p:cNvPr id="12" name="ZoneTexte 11">
+                  <a:extLst>
+                    <a:ext uri="{FF2B5EF4-FFF2-40B4-BE49-F238E27FC236}">
+                      <a16:creationId xmlns:a16="http://schemas.microsoft.com/office/drawing/2014/main" id="{A49EC317-F532-4FFC-D6B9-CD487E1453FE}"/>
+                    </a:ext>
+                  </a:extLst>
+                </p:cNvPr>
+                <p:cNvSpPr txBox="1"/>
+                <p:nvPr/>
+              </p:nvSpPr>
+              <p:spPr>
+                <a:xfrm>
+                  <a:off x="2425954" y="1865728"/>
+                  <a:ext cx="207301" cy="274434"/>
+                </a:xfrm>
+                <a:prstGeom prst="rect">
+                  <a:avLst/>
+                </a:prstGeom>
+                <a:noFill/>
+              </p:spPr>
+              <p:txBody>
+                <a:bodyPr wrap="none" lIns="0" tIns="0" rIns="0" bIns="0" rtlCol="0">
+                  <a:spAutoFit/>
+                </a:bodyPr>
+                <a:lstStyle/>
+                <a:p>
+                  <a:pPr/>
+                  <a14:m>
+                    <m:oMathPara xmlns:m="http://schemas.openxmlformats.org/officeDocument/2006/math">
+                      <m:oMathParaPr>
+                        <m:jc m:val="centerGroup"/>
+                      </m:oMathParaPr>
+                      <m:oMath xmlns:m="http://schemas.openxmlformats.org/officeDocument/2006/math">
+                        <m:acc>
+                          <m:accPr>
+                            <m:chr m:val="⃗"/>
+                            <m:ctrlPr>
+                              <a:rPr lang="fr-FR" sz="1600" i="1" smtClean="0">
+                                <a:latin typeface="Cambria Math" panose="02040503050406030204" pitchFamily="18" charset="0"/>
+                              </a:rPr>
+                            </m:ctrlPr>
+                          </m:accPr>
+                          <m:e>
+                            <m:sSub>
+                              <m:sSubPr>
+                                <m:ctrlPr>
+                                  <a:rPr lang="fr-FR" sz="1600" b="0" i="1" smtClean="0">
+                                    <a:latin typeface="Cambria Math" panose="02040503050406030204" pitchFamily="18" charset="0"/>
+                                  </a:rPr>
+                                </m:ctrlPr>
+                              </m:sSubPr>
+                              <m:e>
+                                <m:r>
+                                  <a:rPr lang="fr-FR" sz="1600" b="0" i="1" smtClean="0">
+                                    <a:latin typeface="Cambria Math" panose="02040503050406030204" pitchFamily="18" charset="0"/>
+                                  </a:rPr>
+                                  <m:t>𝑖</m:t>
+                                </m:r>
+                              </m:e>
+                              <m:sub>
+                                <m:r>
+                                  <a:rPr lang="fr-FR" sz="1600" b="0" i="1" smtClean="0">
+                                    <a:latin typeface="Cambria Math" panose="02040503050406030204" pitchFamily="18" charset="0"/>
+                                  </a:rPr>
+                                  <m:t>0</m:t>
+                                </m:r>
+                              </m:sub>
+                            </m:sSub>
+                          </m:e>
+                        </m:acc>
+                      </m:oMath>
+                    </m:oMathPara>
+                  </a14:m>
+                  <a:endParaRPr lang="fr-FR" sz="1600" dirty="0"/>
+                </a:p>
+              </p:txBody>
+            </p:sp>
+          </mc:Choice>
+          <mc:Fallback xmlns="">
+            <p:sp>
+              <p:nvSpPr>
+                <p:cNvPr id="40" name="ZoneTexte 39">
+                  <a:extLst>
+                    <a:ext uri="{FF2B5EF4-FFF2-40B4-BE49-F238E27FC236}">
+                      <a16:creationId xmlns:a16="http://schemas.microsoft.com/office/drawing/2014/main" id="{45ECFCEA-5AF5-469A-A88B-40970D71B7E7}"/>
+                    </a:ext>
+                  </a:extLst>
+                </p:cNvPr>
+                <p:cNvSpPr txBox="1">
+                  <a:spLocks noRot="1" noChangeAspect="1" noMove="1" noResize="1" noEditPoints="1" noAdjustHandles="1" noChangeArrowheads="1" noChangeShapeType="1" noTextEdit="1"/>
+                </p:cNvSpPr>
+                <p:nvPr/>
+              </p:nvSpPr>
+              <p:spPr>
+                <a:xfrm>
+                  <a:off x="2425954" y="1865728"/>
+                  <a:ext cx="207301" cy="274434"/>
+                </a:xfrm>
+                <a:prstGeom prst="rect">
+                  <a:avLst/>
+                </a:prstGeom>
+                <a:blipFill>
+                  <a:blip r:embed="rId3"/>
+                  <a:stretch>
+                    <a:fillRect l="-20588" r="-5882" b="-13333"/>
+                  </a:stretch>
+                </a:blipFill>
+              </p:spPr>
+              <p:txBody>
+                <a:bodyPr/>
+                <a:lstStyle/>
+                <a:p>
+                  <a:r>
+                    <a:rPr lang="fr-FR">
+                      <a:noFill/>
+                    </a:rPr>
+                    <a:t> </a:t>
+                  </a:r>
+                </a:p>
+              </p:txBody>
+            </p:sp>
+          </mc:Fallback>
+        </mc:AlternateContent>
+        <mc:AlternateContent xmlns:mc="http://schemas.openxmlformats.org/markup-compatibility/2006" xmlns:a14="http://schemas.microsoft.com/office/drawing/2010/main">
+          <mc:Choice Requires="a14">
+            <p:sp>
+              <p:nvSpPr>
+                <p:cNvPr id="13" name="ZoneTexte 12">
+                  <a:extLst>
+                    <a:ext uri="{FF2B5EF4-FFF2-40B4-BE49-F238E27FC236}">
+                      <a16:creationId xmlns:a16="http://schemas.microsoft.com/office/drawing/2014/main" id="{F8CA2272-F8CC-9C08-E3E7-75FDB16A2207}"/>
+                    </a:ext>
+                  </a:extLst>
+                </p:cNvPr>
+                <p:cNvSpPr txBox="1"/>
+                <p:nvPr/>
+              </p:nvSpPr>
+              <p:spPr>
+                <a:xfrm>
+                  <a:off x="890538" y="281011"/>
+                  <a:ext cx="208327" cy="274434"/>
+                </a:xfrm>
+                <a:prstGeom prst="rect">
+                  <a:avLst/>
+                </a:prstGeom>
+                <a:noFill/>
+              </p:spPr>
+              <p:txBody>
+                <a:bodyPr wrap="none" lIns="0" tIns="0" rIns="0" bIns="0" rtlCol="0">
+                  <a:spAutoFit/>
+                </a:bodyPr>
+                <a:lstStyle/>
+                <a:p>
+                  <a:pPr/>
+                  <a14:m>
+                    <m:oMathPara xmlns:m="http://schemas.openxmlformats.org/officeDocument/2006/math">
+                      <m:oMathParaPr>
+                        <m:jc m:val="centerGroup"/>
+                      </m:oMathParaPr>
+                      <m:oMath xmlns:m="http://schemas.openxmlformats.org/officeDocument/2006/math">
+                        <m:acc>
+                          <m:accPr>
+                            <m:chr m:val="⃗"/>
+                            <m:ctrlPr>
+                              <a:rPr lang="fr-FR" sz="1600" i="1" smtClean="0">
+                                <a:latin typeface="Cambria Math" panose="02040503050406030204" pitchFamily="18" charset="0"/>
+                              </a:rPr>
+                            </m:ctrlPr>
+                          </m:accPr>
+                          <m:e>
+                            <m:sSub>
+                              <m:sSubPr>
+                                <m:ctrlPr>
+                                  <a:rPr lang="fr-FR" sz="1600" b="0" i="1" smtClean="0">
+                                    <a:latin typeface="Cambria Math" panose="02040503050406030204" pitchFamily="18" charset="0"/>
+                                  </a:rPr>
+                                </m:ctrlPr>
+                              </m:sSubPr>
+                              <m:e>
+                                <m:r>
+                                  <a:rPr lang="fr-FR" sz="1600" b="0" i="1" smtClean="0">
+                                    <a:latin typeface="Cambria Math" panose="02040503050406030204" pitchFamily="18" charset="0"/>
+                                  </a:rPr>
+                                  <m:t>𝑗</m:t>
+                                </m:r>
+                              </m:e>
+                              <m:sub>
+                                <m:r>
+                                  <a:rPr lang="fr-FR" sz="1600" b="0" i="1" smtClean="0">
+                                    <a:latin typeface="Cambria Math" panose="02040503050406030204" pitchFamily="18" charset="0"/>
+                                  </a:rPr>
+                                  <m:t>0</m:t>
+                                </m:r>
+                              </m:sub>
+                            </m:sSub>
+                          </m:e>
+                        </m:acc>
+                      </m:oMath>
+                    </m:oMathPara>
+                  </a14:m>
+                  <a:endParaRPr lang="fr-FR" sz="1600" dirty="0"/>
+                </a:p>
+              </p:txBody>
+            </p:sp>
+          </mc:Choice>
+          <mc:Fallback xmlns="">
+            <p:sp>
+              <p:nvSpPr>
+                <p:cNvPr id="41" name="ZoneTexte 40">
+                  <a:extLst>
+                    <a:ext uri="{FF2B5EF4-FFF2-40B4-BE49-F238E27FC236}">
+                      <a16:creationId xmlns:a16="http://schemas.microsoft.com/office/drawing/2014/main" id="{0DDCABDF-5E8A-4E12-98A9-4BE7033D238B}"/>
+                    </a:ext>
+                  </a:extLst>
+                </p:cNvPr>
+                <p:cNvSpPr txBox="1">
+                  <a:spLocks noRot="1" noChangeAspect="1" noMove="1" noResize="1" noEditPoints="1" noAdjustHandles="1" noChangeArrowheads="1" noChangeShapeType="1" noTextEdit="1"/>
+                </p:cNvSpPr>
+                <p:nvPr/>
+              </p:nvSpPr>
+              <p:spPr>
+                <a:xfrm>
+                  <a:off x="890538" y="281011"/>
+                  <a:ext cx="208327" cy="274434"/>
+                </a:xfrm>
+                <a:prstGeom prst="rect">
+                  <a:avLst/>
+                </a:prstGeom>
+                <a:blipFill>
+                  <a:blip r:embed="rId4"/>
+                  <a:stretch>
+                    <a:fillRect l="-32353" r="-8824" b="-28889"/>
+                  </a:stretch>
+                </a:blipFill>
+              </p:spPr>
+              <p:txBody>
+                <a:bodyPr/>
+                <a:lstStyle/>
+                <a:p>
+                  <a:r>
+                    <a:rPr lang="fr-FR">
+                      <a:noFill/>
+                    </a:rPr>
+                    <a:t> </a:t>
+                  </a:r>
+                </a:p>
+              </p:txBody>
+            </p:sp>
+          </mc:Fallback>
+        </mc:AlternateContent>
+        <mc:AlternateContent xmlns:mc="http://schemas.openxmlformats.org/markup-compatibility/2006" xmlns:a14="http://schemas.microsoft.com/office/drawing/2010/main">
+          <mc:Choice Requires="a14">
+            <p:sp>
+              <p:nvSpPr>
+                <p:cNvPr id="14" name="ZoneTexte 13">
+                  <a:extLst>
+                    <a:ext uri="{FF2B5EF4-FFF2-40B4-BE49-F238E27FC236}">
+                      <a16:creationId xmlns:a16="http://schemas.microsoft.com/office/drawing/2014/main" id="{CC796160-8969-0A02-D6BE-11585FB10978}"/>
+                    </a:ext>
+                  </a:extLst>
+                </p:cNvPr>
+                <p:cNvSpPr txBox="1"/>
+                <p:nvPr/>
+              </p:nvSpPr>
+              <p:spPr>
+                <a:xfrm>
+                  <a:off x="890538" y="2182216"/>
+                  <a:ext cx="255390" cy="282641"/>
+                </a:xfrm>
+                <a:prstGeom prst="rect">
+                  <a:avLst/>
+                </a:prstGeom>
+                <a:noFill/>
+              </p:spPr>
+              <p:txBody>
+                <a:bodyPr wrap="none" lIns="0" tIns="0" rIns="0" bIns="0" rtlCol="0">
+                  <a:spAutoFit/>
+                </a:bodyPr>
+                <a:lstStyle/>
+                <a:p>
+                  <a:pPr/>
+                  <a14:m>
+                    <m:oMathPara xmlns:m="http://schemas.openxmlformats.org/officeDocument/2006/math">
+                      <m:oMathParaPr>
+                        <m:jc m:val="centerGroup"/>
+                      </m:oMathParaPr>
+                      <m:oMath xmlns:m="http://schemas.openxmlformats.org/officeDocument/2006/math">
+                        <m:acc>
+                          <m:accPr>
+                            <m:chr m:val="⃗"/>
+                            <m:ctrlPr>
+                              <a:rPr lang="fr-FR" sz="1600" i="1" smtClean="0">
+                                <a:latin typeface="Cambria Math" panose="02040503050406030204" pitchFamily="18" charset="0"/>
+                              </a:rPr>
+                            </m:ctrlPr>
+                          </m:accPr>
+                          <m:e>
+                            <m:sSub>
+                              <m:sSubPr>
+                                <m:ctrlPr>
+                                  <a:rPr lang="fr-FR" sz="1600" b="0" i="1" smtClean="0">
+                                    <a:latin typeface="Cambria Math" panose="02040503050406030204" pitchFamily="18" charset="0"/>
+                                  </a:rPr>
+                                </m:ctrlPr>
+                              </m:sSubPr>
+                              <m:e>
+                                <m:r>
+                                  <a:rPr lang="fr-FR" sz="1600" b="0" i="1" smtClean="0">
+                                    <a:latin typeface="Cambria Math" panose="02040503050406030204" pitchFamily="18" charset="0"/>
+                                  </a:rPr>
+                                  <m:t>𝑘</m:t>
+                                </m:r>
+                              </m:e>
+                              <m:sub>
+                                <m:r>
+                                  <a:rPr lang="fr-FR" sz="1600" b="0" i="1" smtClean="0">
+                                    <a:latin typeface="Cambria Math" panose="02040503050406030204" pitchFamily="18" charset="0"/>
+                                  </a:rPr>
+                                  <m:t>0</m:t>
+                                </m:r>
+                              </m:sub>
+                            </m:sSub>
+                          </m:e>
+                        </m:acc>
+                      </m:oMath>
+                    </m:oMathPara>
+                  </a14:m>
+                  <a:endParaRPr lang="fr-FR" sz="1600" dirty="0"/>
+                </a:p>
+              </p:txBody>
+            </p:sp>
+          </mc:Choice>
+          <mc:Fallback xmlns="">
+            <p:sp>
+              <p:nvSpPr>
+                <p:cNvPr id="42" name="ZoneTexte 41">
+                  <a:extLst>
+                    <a:ext uri="{FF2B5EF4-FFF2-40B4-BE49-F238E27FC236}">
+                      <a16:creationId xmlns:a16="http://schemas.microsoft.com/office/drawing/2014/main" id="{3B3AC19B-BE7E-40AC-A608-0B12FC96BA06}"/>
+                    </a:ext>
+                  </a:extLst>
+                </p:cNvPr>
+                <p:cNvSpPr txBox="1">
+                  <a:spLocks noRot="1" noChangeAspect="1" noMove="1" noResize="1" noEditPoints="1" noAdjustHandles="1" noChangeArrowheads="1" noChangeShapeType="1" noTextEdit="1"/>
+                </p:cNvSpPr>
+                <p:nvPr/>
+              </p:nvSpPr>
+              <p:spPr>
+                <a:xfrm>
+                  <a:off x="890538" y="2182216"/>
+                  <a:ext cx="255390" cy="282641"/>
+                </a:xfrm>
+                <a:prstGeom prst="rect">
+                  <a:avLst/>
+                </a:prstGeom>
+                <a:blipFill>
+                  <a:blip r:embed="rId5"/>
+                  <a:stretch>
+                    <a:fillRect l="-19048" r="-4762" b="-10638"/>
+                  </a:stretch>
+                </a:blipFill>
+              </p:spPr>
+              <p:txBody>
+                <a:bodyPr/>
+                <a:lstStyle/>
+                <a:p>
+                  <a:r>
+                    <a:rPr lang="fr-FR">
+                      <a:noFill/>
+                    </a:rPr>
+                    <a:t> </a:t>
+                  </a:r>
+                </a:p>
+              </p:txBody>
+            </p:sp>
+          </mc:Fallback>
+        </mc:AlternateContent>
+        <mc:AlternateContent xmlns:mc="http://schemas.openxmlformats.org/markup-compatibility/2006" xmlns:a14="http://schemas.microsoft.com/office/drawing/2010/main">
+          <mc:Choice Requires="a14">
+            <p:sp>
+              <p:nvSpPr>
+                <p:cNvPr id="15" name="ZoneTexte 14">
+                  <a:extLst>
+                    <a:ext uri="{FF2B5EF4-FFF2-40B4-BE49-F238E27FC236}">
+                      <a16:creationId xmlns:a16="http://schemas.microsoft.com/office/drawing/2014/main" id="{F639B019-8913-FE95-4B40-4DE8377F5A1A}"/>
+                    </a:ext>
+                  </a:extLst>
+                </p:cNvPr>
+                <p:cNvSpPr txBox="1"/>
+                <p:nvPr/>
+              </p:nvSpPr>
+              <p:spPr>
+                <a:xfrm>
+                  <a:off x="2146267" y="1740548"/>
+                  <a:ext cx="126317" cy="184666"/>
+                </a:xfrm>
+                <a:prstGeom prst="rect">
+                  <a:avLst/>
+                </a:prstGeom>
+                <a:noFill/>
+              </p:spPr>
+              <p:txBody>
+                <a:bodyPr wrap="none" lIns="0" tIns="0" rIns="0" bIns="0" rtlCol="0">
+                  <a:spAutoFit/>
+                </a:bodyPr>
+                <a:lstStyle/>
+                <a:p>
+                  <a:pPr/>
+                  <a14:m>
+                    <m:oMathPara xmlns:m="http://schemas.openxmlformats.org/officeDocument/2006/math">
+                      <m:oMathParaPr>
+                        <m:jc m:val="centerGroup"/>
+                      </m:oMathParaPr>
+                      <m:oMath xmlns:m="http://schemas.openxmlformats.org/officeDocument/2006/math">
+                        <m:r>
+                          <a:rPr lang="fr-FR" sz="1200" i="1">
+                            <a:latin typeface="Cambria Math" panose="02040503050406030204" pitchFamily="18" charset="0"/>
+                          </a:rPr>
+                          <m:t>𝜃</m:t>
+                        </m:r>
+                      </m:oMath>
+                    </m:oMathPara>
+                  </a14:m>
+                  <a:endParaRPr lang="fr-FR" sz="1200" dirty="0"/>
+                </a:p>
+              </p:txBody>
+            </p:sp>
+          </mc:Choice>
+          <mc:Fallback xmlns="">
+            <p:sp>
+              <p:nvSpPr>
+                <p:cNvPr id="43" name="ZoneTexte 42">
+                  <a:extLst>
+                    <a:ext uri="{FF2B5EF4-FFF2-40B4-BE49-F238E27FC236}">
+                      <a16:creationId xmlns:a16="http://schemas.microsoft.com/office/drawing/2014/main" id="{27F0E1F7-3DC2-40B3-AF77-9D5551F4AD14}"/>
+                    </a:ext>
+                  </a:extLst>
+                </p:cNvPr>
+                <p:cNvSpPr txBox="1">
+                  <a:spLocks noRot="1" noChangeAspect="1" noMove="1" noResize="1" noEditPoints="1" noAdjustHandles="1" noChangeArrowheads="1" noChangeShapeType="1" noTextEdit="1"/>
+                </p:cNvSpPr>
+                <p:nvPr/>
+              </p:nvSpPr>
+              <p:spPr>
+                <a:xfrm>
+                  <a:off x="2146267" y="1740548"/>
+                  <a:ext cx="126317" cy="184666"/>
+                </a:xfrm>
+                <a:prstGeom prst="rect">
+                  <a:avLst/>
+                </a:prstGeom>
+                <a:blipFill>
+                  <a:blip r:embed="rId6"/>
+                  <a:stretch>
+                    <a:fillRect l="-28571" r="-23810" b="-6667"/>
+                  </a:stretch>
+                </a:blipFill>
+              </p:spPr>
+              <p:txBody>
+                <a:bodyPr/>
+                <a:lstStyle/>
+                <a:p>
+                  <a:r>
+                    <a:rPr lang="fr-FR">
+                      <a:noFill/>
+                    </a:rPr>
+                    <a:t> </a:t>
+                  </a:r>
+                </a:p>
+              </p:txBody>
+            </p:sp>
+          </mc:Fallback>
+        </mc:AlternateContent>
+        <mc:AlternateContent xmlns:mc="http://schemas.openxmlformats.org/markup-compatibility/2006" xmlns:a14="http://schemas.microsoft.com/office/drawing/2010/main">
+          <mc:Choice Requires="a14">
+            <p:sp>
+              <p:nvSpPr>
+                <p:cNvPr id="16" name="ZoneTexte 15">
+                  <a:extLst>
+                    <a:ext uri="{FF2B5EF4-FFF2-40B4-BE49-F238E27FC236}">
+                      <a16:creationId xmlns:a16="http://schemas.microsoft.com/office/drawing/2014/main" id="{724AA8C3-D1D7-E0DA-34C6-60EA2825A01F}"/>
+                    </a:ext>
+                  </a:extLst>
+                </p:cNvPr>
+                <p:cNvSpPr txBox="1"/>
+                <p:nvPr/>
+              </p:nvSpPr>
+              <p:spPr>
+                <a:xfrm>
+                  <a:off x="2417192" y="1458251"/>
+                  <a:ext cx="202555" cy="274434"/>
+                </a:xfrm>
+                <a:prstGeom prst="rect">
+                  <a:avLst/>
+                </a:prstGeom>
+                <a:noFill/>
+              </p:spPr>
+              <p:txBody>
+                <a:bodyPr wrap="none" lIns="0" tIns="0" rIns="0" bIns="0" rtlCol="0">
+                  <a:spAutoFit/>
+                </a:bodyPr>
+                <a:lstStyle/>
+                <a:p>
+                  <a:pPr/>
+                  <a14:m>
+                    <m:oMathPara xmlns:m="http://schemas.openxmlformats.org/officeDocument/2006/math">
+                      <m:oMathParaPr>
+                        <m:jc m:val="centerGroup"/>
+                      </m:oMathParaPr>
+                      <m:oMath xmlns:m="http://schemas.openxmlformats.org/officeDocument/2006/math">
+                        <m:acc>
+                          <m:accPr>
+                            <m:chr m:val="⃗"/>
+                            <m:ctrlPr>
+                              <a:rPr lang="fr-FR" sz="1600" i="1" smtClean="0">
+                                <a:latin typeface="Cambria Math" panose="02040503050406030204" pitchFamily="18" charset="0"/>
+                              </a:rPr>
+                            </m:ctrlPr>
+                          </m:accPr>
+                          <m:e>
+                            <m:sSub>
+                              <m:sSubPr>
+                                <m:ctrlPr>
+                                  <a:rPr lang="fr-FR" sz="1600" i="1">
+                                    <a:latin typeface="Cambria Math" panose="02040503050406030204" pitchFamily="18" charset="0"/>
+                                  </a:rPr>
+                                </m:ctrlPr>
+                              </m:sSubPr>
+                              <m:e>
+                                <m:r>
+                                  <a:rPr lang="fr-FR" sz="1600" b="0" i="1" smtClean="0">
+                                    <a:latin typeface="Cambria Math" panose="02040503050406030204" pitchFamily="18" charset="0"/>
+                                  </a:rPr>
+                                  <m:t>𝑖</m:t>
+                                </m:r>
+                              </m:e>
+                              <m:sub>
+                                <m:r>
+                                  <a:rPr lang="fr-FR" sz="1600" i="1">
+                                    <a:latin typeface="Cambria Math" panose="02040503050406030204" pitchFamily="18" charset="0"/>
+                                  </a:rPr>
+                                  <m:t>1</m:t>
+                                </m:r>
+                              </m:sub>
+                            </m:sSub>
+                          </m:e>
+                        </m:acc>
+                      </m:oMath>
+                    </m:oMathPara>
+                  </a14:m>
+                  <a:endParaRPr lang="fr-FR" sz="1600" dirty="0"/>
+                </a:p>
+              </p:txBody>
+            </p:sp>
+          </mc:Choice>
+          <mc:Fallback xmlns="">
+            <p:sp>
+              <p:nvSpPr>
+                <p:cNvPr id="44" name="ZoneTexte 43">
+                  <a:extLst>
+                    <a:ext uri="{FF2B5EF4-FFF2-40B4-BE49-F238E27FC236}">
+                      <a16:creationId xmlns:a16="http://schemas.microsoft.com/office/drawing/2014/main" id="{46DD3A41-DF69-4121-91DF-106A95337A75}"/>
+                    </a:ext>
+                  </a:extLst>
+                </p:cNvPr>
+                <p:cNvSpPr txBox="1">
+                  <a:spLocks noRot="1" noChangeAspect="1" noMove="1" noResize="1" noEditPoints="1" noAdjustHandles="1" noChangeArrowheads="1" noChangeShapeType="1" noTextEdit="1"/>
+                </p:cNvSpPr>
+                <p:nvPr/>
+              </p:nvSpPr>
+              <p:spPr>
+                <a:xfrm>
+                  <a:off x="2417192" y="1458251"/>
+                  <a:ext cx="202555" cy="274434"/>
+                </a:xfrm>
+                <a:prstGeom prst="rect">
+                  <a:avLst/>
+                </a:prstGeom>
+                <a:blipFill>
+                  <a:blip r:embed="rId7"/>
+                  <a:stretch>
+                    <a:fillRect l="-24242" r="-6061" b="-13333"/>
+                  </a:stretch>
+                </a:blipFill>
+              </p:spPr>
+              <p:txBody>
+                <a:bodyPr/>
+                <a:lstStyle/>
+                <a:p>
+                  <a:r>
+                    <a:rPr lang="fr-FR">
+                      <a:noFill/>
+                    </a:rPr>
+                    <a:t> </a:t>
+                  </a:r>
+                </a:p>
+              </p:txBody>
+            </p:sp>
+          </mc:Fallback>
+        </mc:AlternateContent>
+        <mc:AlternateContent xmlns:mc="http://schemas.openxmlformats.org/markup-compatibility/2006" xmlns:a14="http://schemas.microsoft.com/office/drawing/2010/main">
+          <mc:Choice Requires="a14">
+            <p:sp>
+              <p:nvSpPr>
+                <p:cNvPr id="17" name="ZoneTexte 16">
+                  <a:extLst>
+                    <a:ext uri="{FF2B5EF4-FFF2-40B4-BE49-F238E27FC236}">
+                      <a16:creationId xmlns:a16="http://schemas.microsoft.com/office/drawing/2014/main" id="{406C7C9B-8C4B-4BAC-CC30-8F4C1956B510}"/>
+                    </a:ext>
+                  </a:extLst>
+                </p:cNvPr>
+                <p:cNvSpPr txBox="1"/>
+                <p:nvPr/>
+              </p:nvSpPr>
+              <p:spPr>
+                <a:xfrm>
+                  <a:off x="536516" y="281011"/>
+                  <a:ext cx="203581" cy="274434"/>
+                </a:xfrm>
+                <a:prstGeom prst="rect">
+                  <a:avLst/>
+                </a:prstGeom>
+                <a:noFill/>
+              </p:spPr>
+              <p:txBody>
+                <a:bodyPr wrap="none" lIns="0" tIns="0" rIns="0" bIns="0" rtlCol="0">
+                  <a:spAutoFit/>
+                </a:bodyPr>
+                <a:lstStyle/>
+                <a:p>
+                  <a:pPr/>
+                  <a14:m>
+                    <m:oMathPara xmlns:m="http://schemas.openxmlformats.org/officeDocument/2006/math">
+                      <m:oMathParaPr>
+                        <m:jc m:val="centerGroup"/>
+                      </m:oMathParaPr>
+                      <m:oMath xmlns:m="http://schemas.openxmlformats.org/officeDocument/2006/math">
+                        <m:acc>
+                          <m:accPr>
+                            <m:chr m:val="⃗"/>
+                            <m:ctrlPr>
+                              <a:rPr lang="fr-FR" sz="1600" i="1" smtClean="0">
+                                <a:latin typeface="Cambria Math" panose="02040503050406030204" pitchFamily="18" charset="0"/>
+                              </a:rPr>
+                            </m:ctrlPr>
+                          </m:accPr>
+                          <m:e>
+                            <m:sSub>
+                              <m:sSubPr>
+                                <m:ctrlPr>
+                                  <a:rPr lang="fr-FR" sz="1600" i="1">
+                                    <a:latin typeface="Cambria Math" panose="02040503050406030204" pitchFamily="18" charset="0"/>
+                                  </a:rPr>
+                                </m:ctrlPr>
+                              </m:sSubPr>
+                              <m:e>
+                                <m:r>
+                                  <a:rPr lang="fr-FR" sz="1600" b="0" i="1" smtClean="0">
+                                    <a:latin typeface="Cambria Math" panose="02040503050406030204" pitchFamily="18" charset="0"/>
+                                  </a:rPr>
+                                  <m:t>𝑗</m:t>
+                                </m:r>
+                              </m:e>
+                              <m:sub>
+                                <m:r>
+                                  <a:rPr lang="fr-FR" sz="1600" i="1">
+                                    <a:latin typeface="Cambria Math" panose="02040503050406030204" pitchFamily="18" charset="0"/>
+                                  </a:rPr>
+                                  <m:t>1</m:t>
+                                </m:r>
+                              </m:sub>
+                            </m:sSub>
+                          </m:e>
+                        </m:acc>
+                      </m:oMath>
+                    </m:oMathPara>
+                  </a14:m>
+                  <a:endParaRPr lang="fr-FR" sz="1600" dirty="0"/>
+                </a:p>
+              </p:txBody>
+            </p:sp>
+          </mc:Choice>
+          <mc:Fallback xmlns="">
+            <p:sp>
+              <p:nvSpPr>
+                <p:cNvPr id="45" name="ZoneTexte 44">
+                  <a:extLst>
+                    <a:ext uri="{FF2B5EF4-FFF2-40B4-BE49-F238E27FC236}">
+                      <a16:creationId xmlns:a16="http://schemas.microsoft.com/office/drawing/2014/main" id="{F2944E64-8185-4462-866B-DAEE99C25C7B}"/>
+                    </a:ext>
+                  </a:extLst>
+                </p:cNvPr>
+                <p:cNvSpPr txBox="1">
+                  <a:spLocks noRot="1" noChangeAspect="1" noMove="1" noResize="1" noEditPoints="1" noAdjustHandles="1" noChangeArrowheads="1" noChangeShapeType="1" noTextEdit="1"/>
+                </p:cNvSpPr>
+                <p:nvPr/>
+              </p:nvSpPr>
+              <p:spPr>
+                <a:xfrm>
+                  <a:off x="536516" y="281011"/>
+                  <a:ext cx="203581" cy="274434"/>
+                </a:xfrm>
+                <a:prstGeom prst="rect">
+                  <a:avLst/>
+                </a:prstGeom>
+                <a:blipFill>
+                  <a:blip r:embed="rId8"/>
+                  <a:stretch>
+                    <a:fillRect l="-32353" r="-5882" b="-28889"/>
+                  </a:stretch>
+                </a:blipFill>
+              </p:spPr>
+              <p:txBody>
+                <a:bodyPr/>
+                <a:lstStyle/>
+                <a:p>
+                  <a:r>
+                    <a:rPr lang="fr-FR">
+                      <a:noFill/>
+                    </a:rPr>
+                    <a:t> </a:t>
+                  </a:r>
+                </a:p>
+              </p:txBody>
+            </p:sp>
+          </mc:Fallback>
+        </mc:AlternateContent>
+        <p:sp>
+          <p:nvSpPr>
+            <p:cNvPr id="18" name="ZoneTexte 17">
+              <a:extLst>
+                <a:ext uri="{FF2B5EF4-FFF2-40B4-BE49-F238E27FC236}">
+                  <a16:creationId xmlns:a16="http://schemas.microsoft.com/office/drawing/2014/main" id="{5D0AEF2C-B09E-CFF7-8333-12FE41C426F5}"/>
+                </a:ext>
+              </a:extLst>
+            </p:cNvPr>
+            <p:cNvSpPr txBox="1"/>
+            <p:nvPr/>
+          </p:nvSpPr>
+          <p:spPr>
+            <a:xfrm>
+              <a:off x="1870700" y="1453663"/>
+              <a:ext cx="65" cy="184666"/>
+            </a:xfrm>
+            <a:prstGeom prst="rect">
+              <a:avLst/>
+            </a:prstGeom>
+            <a:noFill/>
+          </p:spPr>
+          <p:txBody>
+            <a:bodyPr wrap="none" lIns="0" tIns="0" rIns="0" bIns="0" rtlCol="0">
+              <a:spAutoFit/>
+            </a:bodyPr>
+            <a:lstStyle/>
+            <a:p>
+              <a:endParaRPr lang="fr-FR" sz="1200" dirty="0"/>
+            </a:p>
+          </p:txBody>
+        </p:sp>
+      </p:grpSp>
+      <p:cxnSp>
+        <p:nvCxnSpPr>
+          <p:cNvPr id="24" name="Connecteur droit 23">
+            <a:extLst>
+              <a:ext uri="{FF2B5EF4-FFF2-40B4-BE49-F238E27FC236}">
+                <a16:creationId xmlns:a16="http://schemas.microsoft.com/office/drawing/2014/main" id="{573C714D-8486-7790-7006-DD08E43EBA11}"/>
+              </a:ext>
+            </a:extLst>
+          </p:cNvPr>
+          <p:cNvCxnSpPr>
+            <a:cxnSpLocks/>
+            <a:stCxn id="38" idx="7"/>
+          </p:cNvCxnSpPr>
+          <p:nvPr/>
+        </p:nvCxnSpPr>
+        <p:spPr>
+          <a:xfrm flipV="1">
+            <a:off x="5581996" y="628638"/>
+            <a:ext cx="1034474" cy="1129959"/>
+          </a:xfrm>
+          <a:prstGeom prst="line">
+            <a:avLst/>
+          </a:prstGeom>
+          <a:ln w="12700">
+            <a:solidFill>
+              <a:srgbClr val="00B050"/>
+            </a:solidFill>
+            <a:tailEnd type="stealth" w="med" len="lg"/>
+          </a:ln>
+        </p:spPr>
+        <p:style>
+          <a:lnRef idx="1">
+            <a:schemeClr val="accent1"/>
+          </a:lnRef>
+          <a:fillRef idx="0">
+            <a:schemeClr val="accent1"/>
+          </a:fillRef>
+          <a:effectRef idx="0">
+            <a:schemeClr val="accent1"/>
+          </a:effectRef>
+          <a:fontRef idx="minor">
+            <a:schemeClr val="tx1"/>
+          </a:fontRef>
+        </p:style>
+      </p:cxnSp>
+      <mc:AlternateContent xmlns:mc="http://schemas.openxmlformats.org/markup-compatibility/2006">
+        <mc:Choice xmlns:a14="http://schemas.microsoft.com/office/drawing/2010/main" Requires="a14">
+          <p:sp>
+            <p:nvSpPr>
+              <p:cNvPr id="30" name="ZoneTexte 29">
+                <a:extLst>
+                  <a:ext uri="{FF2B5EF4-FFF2-40B4-BE49-F238E27FC236}">
+                    <a16:creationId xmlns:a16="http://schemas.microsoft.com/office/drawing/2014/main" id="{266ECE5A-199E-4EFF-12C6-EA4A8A783FA9}"/>
+                  </a:ext>
+                </a:extLst>
+              </p:cNvPr>
+              <p:cNvSpPr txBox="1"/>
+              <p:nvPr/>
+            </p:nvSpPr>
+            <p:spPr>
+              <a:xfrm>
+                <a:off x="5286175" y="1749360"/>
+                <a:ext cx="134524" cy="184666"/>
+              </a:xfrm>
+              <a:prstGeom prst="rect">
+                <a:avLst/>
+              </a:prstGeom>
+              <a:noFill/>
+            </p:spPr>
+            <p:txBody>
+              <a:bodyPr wrap="none" lIns="0" tIns="0" rIns="0" bIns="0" rtlCol="0">
+                <a:spAutoFit/>
+              </a:bodyPr>
+              <a:lstStyle/>
+              <a:p>
+                <a:pPr/>
+                <a14:m>
+                  <m:oMathPara xmlns:m="http://schemas.openxmlformats.org/officeDocument/2006/math">
+                    <m:oMathParaPr>
+                      <m:jc m:val="centerGroup"/>
+                    </m:oMathParaPr>
+                    <m:oMath xmlns:m="http://schemas.openxmlformats.org/officeDocument/2006/math">
+                      <m:r>
+                        <a:rPr lang="fr-FR" sz="1200" i="1">
+                          <a:latin typeface="Cambria Math" panose="02040503050406030204" pitchFamily="18" charset="0"/>
+                        </a:rPr>
+                        <m:t>𝐴</m:t>
+                      </m:r>
+                    </m:oMath>
+                  </m:oMathPara>
+                </a14:m>
+                <a:endParaRPr lang="fr-FR" sz="1200" dirty="0"/>
+              </a:p>
+            </p:txBody>
+          </p:sp>
+        </mc:Choice>
+        <mc:Fallback>
+          <p:sp>
+            <p:nvSpPr>
+              <p:cNvPr id="30" name="ZoneTexte 29">
+                <a:extLst>
+                  <a:ext uri="{FF2B5EF4-FFF2-40B4-BE49-F238E27FC236}">
+                    <a16:creationId xmlns:a16="http://schemas.microsoft.com/office/drawing/2014/main" id="{266ECE5A-199E-4EFF-12C6-EA4A8A783FA9}"/>
+                  </a:ext>
+                </a:extLst>
+              </p:cNvPr>
+              <p:cNvSpPr txBox="1">
+                <a:spLocks noRot="1" noChangeAspect="1" noMove="1" noResize="1" noEditPoints="1" noAdjustHandles="1" noChangeArrowheads="1" noChangeShapeType="1" noTextEdit="1"/>
+              </p:cNvSpPr>
+              <p:nvPr/>
+            </p:nvSpPr>
+            <p:spPr>
+              <a:xfrm>
+                <a:off x="5286175" y="1749360"/>
+                <a:ext cx="134524" cy="184666"/>
+              </a:xfrm>
+              <a:prstGeom prst="rect">
+                <a:avLst/>
+              </a:prstGeom>
+              <a:blipFill>
+                <a:blip r:embed="rId9"/>
+                <a:stretch>
+                  <a:fillRect l="-27273" r="-27273" b="-6667"/>
+                </a:stretch>
+              </a:blipFill>
+            </p:spPr>
+            <p:txBody>
+              <a:bodyPr/>
+              <a:lstStyle/>
+              <a:p>
+                <a:r>
+                  <a:rPr lang="fr-FR">
+                    <a:noFill/>
+                  </a:rPr>
+                  <a:t> </a:t>
+                </a:r>
+              </a:p>
+            </p:txBody>
+          </p:sp>
+        </mc:Fallback>
+      </mc:AlternateContent>
+      <mc:AlternateContent xmlns:mc="http://schemas.openxmlformats.org/markup-compatibility/2006">
+        <mc:Choice xmlns:a14="http://schemas.microsoft.com/office/drawing/2010/main" Requires="a14">
+          <p:sp>
+            <p:nvSpPr>
+              <p:cNvPr id="31" name="ZoneTexte 30">
+                <a:extLst>
+                  <a:ext uri="{FF2B5EF4-FFF2-40B4-BE49-F238E27FC236}">
+                    <a16:creationId xmlns:a16="http://schemas.microsoft.com/office/drawing/2014/main" id="{FFC692B7-86F5-02DE-2205-00B880019805}"/>
+                  </a:ext>
+                </a:extLst>
+              </p:cNvPr>
+              <p:cNvSpPr txBox="1"/>
+              <p:nvPr/>
+            </p:nvSpPr>
+            <p:spPr>
+              <a:xfrm>
+                <a:off x="6185836" y="623615"/>
+                <a:ext cx="97847" cy="184666"/>
+              </a:xfrm>
+              <a:prstGeom prst="rect">
+                <a:avLst/>
+              </a:prstGeom>
+              <a:noFill/>
+            </p:spPr>
+            <p:txBody>
+              <a:bodyPr wrap="none" lIns="0" tIns="0" rIns="0" bIns="0" rtlCol="0">
+                <a:spAutoFit/>
+              </a:bodyPr>
+              <a:lstStyle/>
+              <a:p>
+                <a:pPr/>
+                <a14:m>
+                  <m:oMathPara xmlns:m="http://schemas.openxmlformats.org/officeDocument/2006/math">
+                    <m:oMathParaPr>
+                      <m:jc m:val="centerGroup"/>
+                    </m:oMathParaPr>
+                    <m:oMath xmlns:m="http://schemas.openxmlformats.org/officeDocument/2006/math">
+                      <m:r>
+                        <a:rPr lang="fr-FR" sz="1200" b="0" i="1" smtClean="0">
+                          <a:latin typeface="Cambria Math" panose="02040503050406030204" pitchFamily="18" charset="0"/>
+                        </a:rPr>
+                        <m:t>𝐼</m:t>
+                      </m:r>
+                    </m:oMath>
+                  </m:oMathPara>
+                </a14:m>
+                <a:endParaRPr lang="fr-FR" sz="1200" dirty="0"/>
+              </a:p>
+            </p:txBody>
+          </p:sp>
+        </mc:Choice>
+        <mc:Fallback>
+          <p:sp>
+            <p:nvSpPr>
+              <p:cNvPr id="31" name="ZoneTexte 30">
+                <a:extLst>
+                  <a:ext uri="{FF2B5EF4-FFF2-40B4-BE49-F238E27FC236}">
+                    <a16:creationId xmlns:a16="http://schemas.microsoft.com/office/drawing/2014/main" id="{FFC692B7-86F5-02DE-2205-00B880019805}"/>
+                  </a:ext>
+                </a:extLst>
+              </p:cNvPr>
+              <p:cNvSpPr txBox="1">
+                <a:spLocks noRot="1" noChangeAspect="1" noMove="1" noResize="1" noEditPoints="1" noAdjustHandles="1" noChangeArrowheads="1" noChangeShapeType="1" noTextEdit="1"/>
+              </p:cNvSpPr>
+              <p:nvPr/>
+            </p:nvSpPr>
+            <p:spPr>
+              <a:xfrm>
+                <a:off x="6185836" y="623615"/>
+                <a:ext cx="97847" cy="184666"/>
+              </a:xfrm>
+              <a:prstGeom prst="rect">
+                <a:avLst/>
+              </a:prstGeom>
+              <a:blipFill>
+                <a:blip r:embed="rId10"/>
+                <a:stretch>
+                  <a:fillRect l="-37500" r="-31250" b="-3226"/>
+                </a:stretch>
+              </a:blipFill>
+            </p:spPr>
+            <p:txBody>
+              <a:bodyPr/>
+              <a:lstStyle/>
+              <a:p>
+                <a:r>
+                  <a:rPr lang="fr-FR">
+                    <a:noFill/>
+                  </a:rPr>
+                  <a:t> </a:t>
+                </a:r>
+              </a:p>
+            </p:txBody>
+          </p:sp>
+        </mc:Fallback>
+      </mc:AlternateContent>
+      <p:grpSp>
+        <p:nvGrpSpPr>
+          <p:cNvPr id="78" name="Groupe 77">
+            <a:extLst>
+              <a:ext uri="{FF2B5EF4-FFF2-40B4-BE49-F238E27FC236}">
+                <a16:creationId xmlns:a16="http://schemas.microsoft.com/office/drawing/2014/main" id="{3CCB17CB-1F5B-3534-BA29-E855FA72F564}"/>
+              </a:ext>
+            </a:extLst>
+          </p:cNvPr>
+          <p:cNvGrpSpPr/>
+          <p:nvPr/>
+        </p:nvGrpSpPr>
+        <p:grpSpPr>
+          <a:xfrm>
+            <a:off x="5073889" y="5682849"/>
+            <a:ext cx="432048" cy="471851"/>
+            <a:chOff x="5608356" y="3587641"/>
+            <a:chExt cx="432048" cy="471851"/>
+          </a:xfrm>
+        </p:grpSpPr>
+        <p:sp>
+          <p:nvSpPr>
+            <p:cNvPr id="25" name="Forme libre : forme 24">
+              <a:extLst>
+                <a:ext uri="{FF2B5EF4-FFF2-40B4-BE49-F238E27FC236}">
+                  <a16:creationId xmlns:a16="http://schemas.microsoft.com/office/drawing/2014/main" id="{C9FFBFD6-26B5-4E48-8FFC-545712F7FB0B}"/>
+                </a:ext>
+              </a:extLst>
+            </p:cNvPr>
+            <p:cNvSpPr/>
+            <p:nvPr/>
+          </p:nvSpPr>
+          <p:spPr>
+            <a:xfrm>
+              <a:off x="5624949" y="3729746"/>
+              <a:ext cx="415449" cy="145926"/>
+            </a:xfrm>
+            <a:custGeom>
+              <a:avLst/>
+              <a:gdLst>
+                <a:gd name="connsiteX0" fmla="*/ 0 w 400050"/>
+                <a:gd name="connsiteY0" fmla="*/ 6350 h 134622"/>
+                <a:gd name="connsiteX1" fmla="*/ 63500 w 400050"/>
+                <a:gd name="connsiteY1" fmla="*/ 114300 h 134622"/>
+                <a:gd name="connsiteX2" fmla="*/ 203200 w 400050"/>
+                <a:gd name="connsiteY2" fmla="*/ 69850 h 134622"/>
+                <a:gd name="connsiteX3" fmla="*/ 304800 w 400050"/>
+                <a:gd name="connsiteY3" fmla="*/ 133350 h 134622"/>
+                <a:gd name="connsiteX4" fmla="*/ 400050 w 400050"/>
+                <a:gd name="connsiteY4" fmla="*/ 0 h 134622"/>
+              </a:gdLst>
+              <a:ahLst/>
+              <a:cxnLst>
+                <a:cxn ang="0">
+                  <a:pos x="connsiteX0" y="connsiteY0"/>
+                </a:cxn>
+                <a:cxn ang="0">
+                  <a:pos x="connsiteX1" y="connsiteY1"/>
+                </a:cxn>
+                <a:cxn ang="0">
+                  <a:pos x="connsiteX2" y="connsiteY2"/>
+                </a:cxn>
+                <a:cxn ang="0">
+                  <a:pos x="connsiteX3" y="connsiteY3"/>
+                </a:cxn>
+                <a:cxn ang="0">
+                  <a:pos x="connsiteX4" y="connsiteY4"/>
+                </a:cxn>
+              </a:cxnLst>
+              <a:rect l="l" t="t" r="r" b="b"/>
+              <a:pathLst>
+                <a:path w="400050" h="134622">
+                  <a:moveTo>
+                    <a:pt x="0" y="6350"/>
+                  </a:moveTo>
+                  <a:cubicBezTo>
+                    <a:pt x="14816" y="55033"/>
+                    <a:pt x="29633" y="103717"/>
+                    <a:pt x="63500" y="114300"/>
+                  </a:cubicBezTo>
+                  <a:cubicBezTo>
+                    <a:pt x="97367" y="124883"/>
+                    <a:pt x="162983" y="66675"/>
+                    <a:pt x="203200" y="69850"/>
+                  </a:cubicBezTo>
+                  <a:cubicBezTo>
+                    <a:pt x="243417" y="73025"/>
+                    <a:pt x="271992" y="144992"/>
+                    <a:pt x="304800" y="133350"/>
+                  </a:cubicBezTo>
+                  <a:cubicBezTo>
+                    <a:pt x="337608" y="121708"/>
+                    <a:pt x="368829" y="60854"/>
+                    <a:pt x="400050" y="0"/>
+                  </a:cubicBezTo>
+                </a:path>
+              </a:pathLst>
+            </a:custGeom>
+            <a:solidFill>
+              <a:schemeClr val="bg1">
+                <a:lumMod val="85000"/>
+              </a:schemeClr>
+            </a:solidFill>
+            <a:ln w="19050">
+              <a:solidFill>
+                <a:schemeClr val="tx1"/>
+              </a:solidFill>
+            </a:ln>
+          </p:spPr>
+          <p:style>
+            <a:lnRef idx="2">
+              <a:schemeClr val="accent1">
+                <a:shade val="50000"/>
+              </a:schemeClr>
+            </a:lnRef>
+            <a:fillRef idx="1">
+              <a:schemeClr val="accent1"/>
+            </a:fillRef>
+            <a:effectRef idx="0">
+              <a:schemeClr val="accent1"/>
+            </a:effectRef>
+            <a:fontRef idx="minor">
+              <a:schemeClr val="lt1"/>
+            </a:fontRef>
+          </p:style>
+          <p:txBody>
+            <a:bodyPr rtlCol="0" anchor="ctr"/>
+            <a:lstStyle/>
+            <a:p>
+              <a:pPr algn="ctr"/>
+              <a:endParaRPr lang="fr-FR"/>
+            </a:p>
+          </p:txBody>
+        </p:sp>
+        <p:cxnSp>
+          <p:nvCxnSpPr>
+            <p:cNvPr id="26" name="Connecteur droit 25">
+              <a:extLst>
+                <a:ext uri="{FF2B5EF4-FFF2-40B4-BE49-F238E27FC236}">
+                  <a16:creationId xmlns:a16="http://schemas.microsoft.com/office/drawing/2014/main" id="{051FE31D-32FA-307F-5003-322061BEA61B}"/>
+                </a:ext>
+              </a:extLst>
+            </p:cNvPr>
+            <p:cNvCxnSpPr>
+              <a:cxnSpLocks/>
+            </p:cNvCxnSpPr>
+            <p:nvPr/>
+          </p:nvCxnSpPr>
+          <p:spPr>
+            <a:xfrm>
+              <a:off x="5824380" y="3587641"/>
+              <a:ext cx="0" cy="142105"/>
+            </a:xfrm>
+            <a:prstGeom prst="line">
+              <a:avLst/>
+            </a:prstGeom>
+            <a:noFill/>
+            <a:ln w="28575">
+              <a:solidFill>
+                <a:schemeClr val="tx1"/>
+              </a:solidFill>
+            </a:ln>
+          </p:spPr>
+          <p:style>
+            <a:lnRef idx="2">
+              <a:schemeClr val="accent1">
+                <a:shade val="50000"/>
+              </a:schemeClr>
+            </a:lnRef>
+            <a:fillRef idx="1">
+              <a:schemeClr val="accent1"/>
+            </a:fillRef>
+            <a:effectRef idx="0">
+              <a:schemeClr val="accent1"/>
+            </a:effectRef>
+            <a:fontRef idx="minor">
+              <a:schemeClr val="lt1"/>
+            </a:fontRef>
+          </p:style>
+        </p:cxnSp>
+        <p:cxnSp>
+          <p:nvCxnSpPr>
+            <p:cNvPr id="27" name="Connecteur droit 26">
+              <a:extLst>
+                <a:ext uri="{FF2B5EF4-FFF2-40B4-BE49-F238E27FC236}">
+                  <a16:creationId xmlns:a16="http://schemas.microsoft.com/office/drawing/2014/main" id="{C75C9EDE-E2F8-470D-465D-71293DBEB389}"/>
+                </a:ext>
+              </a:extLst>
+            </p:cNvPr>
+            <p:cNvCxnSpPr>
+              <a:cxnSpLocks/>
+            </p:cNvCxnSpPr>
+            <p:nvPr/>
+          </p:nvCxnSpPr>
+          <p:spPr>
+            <a:xfrm flipH="1">
+              <a:off x="5608356" y="3733566"/>
+              <a:ext cx="432048" cy="0"/>
+            </a:xfrm>
+            <a:prstGeom prst="line">
+              <a:avLst/>
+            </a:prstGeom>
+            <a:noFill/>
+            <a:ln w="28575">
+              <a:solidFill>
+                <a:schemeClr val="tx1"/>
+              </a:solidFill>
+            </a:ln>
+          </p:spPr>
+          <p:style>
+            <a:lnRef idx="2">
+              <a:schemeClr val="accent1">
+                <a:shade val="50000"/>
+              </a:schemeClr>
+            </a:lnRef>
+            <a:fillRef idx="1">
+              <a:schemeClr val="accent1"/>
+            </a:fillRef>
+            <a:effectRef idx="0">
+              <a:schemeClr val="accent1"/>
+            </a:effectRef>
+            <a:fontRef idx="minor">
+              <a:schemeClr val="lt1"/>
+            </a:fontRef>
+          </p:style>
+        </p:cxnSp>
+        <p:sp>
+          <p:nvSpPr>
+            <p:cNvPr id="32" name="Ellipse 31">
+              <a:extLst>
+                <a:ext uri="{FF2B5EF4-FFF2-40B4-BE49-F238E27FC236}">
+                  <a16:creationId xmlns:a16="http://schemas.microsoft.com/office/drawing/2014/main" id="{A2DA1BCA-11EE-540B-D036-8B9C1FDF432C}"/>
+                </a:ext>
+              </a:extLst>
+            </p:cNvPr>
+            <p:cNvSpPr/>
+            <p:nvPr/>
+          </p:nvSpPr>
+          <p:spPr>
+            <a:xfrm>
+              <a:off x="5727757" y="3879492"/>
+              <a:ext cx="180000" cy="180000"/>
+            </a:xfrm>
+            <a:prstGeom prst="ellipse">
+              <a:avLst/>
+            </a:prstGeom>
+            <a:solidFill>
+              <a:schemeClr val="bg1"/>
+            </a:solidFill>
+            <a:ln w="19050">
+              <a:solidFill>
+                <a:schemeClr val="tx1"/>
+              </a:solidFill>
+            </a:ln>
+          </p:spPr>
+          <p:style>
+            <a:lnRef idx="2">
+              <a:schemeClr val="accent1">
+                <a:shade val="50000"/>
+              </a:schemeClr>
+            </a:lnRef>
+            <a:fillRef idx="1">
+              <a:schemeClr val="accent1"/>
+            </a:fillRef>
+            <a:effectRef idx="0">
+              <a:schemeClr val="accent1"/>
+            </a:effectRef>
+            <a:fontRef idx="minor">
+              <a:schemeClr val="lt1"/>
+            </a:fontRef>
+          </p:style>
+          <p:txBody>
+            <a:bodyPr rtlCol="0" anchor="ctr"/>
+            <a:lstStyle/>
+            <a:p>
+              <a:pPr algn="ctr"/>
+              <a:r>
+                <a:rPr lang="fr-FR" sz="1050" b="1" dirty="0">
+                  <a:solidFill>
+                    <a:schemeClr val="tx1"/>
+                  </a:solidFill>
+                </a:rPr>
+                <a:t>0</a:t>
+              </a:r>
+              <a:endParaRPr lang="fr-FR" sz="1400" b="1" dirty="0">
+                <a:solidFill>
+                  <a:schemeClr val="tx1"/>
+                </a:solidFill>
+              </a:endParaRPr>
+            </a:p>
+          </p:txBody>
+        </p:sp>
+      </p:grpSp>
+      <p:sp>
+        <p:nvSpPr>
+          <p:cNvPr id="33" name="Ellipse 32">
+            <a:extLst>
+              <a:ext uri="{FF2B5EF4-FFF2-40B4-BE49-F238E27FC236}">
+                <a16:creationId xmlns:a16="http://schemas.microsoft.com/office/drawing/2014/main" id="{AF05686E-4BE5-6294-1256-17579EA0ECDF}"/>
+              </a:ext>
+            </a:extLst>
+          </p:cNvPr>
+          <p:cNvSpPr/>
+          <p:nvPr/>
+        </p:nvSpPr>
+        <p:spPr>
+          <a:xfrm>
+            <a:off x="5714438" y="1210951"/>
+            <a:ext cx="180000" cy="180000"/>
+          </a:xfrm>
+          <a:prstGeom prst="ellipse">
+            <a:avLst/>
+          </a:prstGeom>
+          <a:noFill/>
+          <a:ln w="19050">
+            <a:solidFill>
+              <a:srgbClr val="00B050"/>
+            </a:solidFill>
+          </a:ln>
+        </p:spPr>
+        <p:style>
+          <a:lnRef idx="2">
+            <a:schemeClr val="accent1">
+              <a:shade val="50000"/>
+            </a:schemeClr>
+          </a:lnRef>
+          <a:fillRef idx="1">
+            <a:schemeClr val="accent1"/>
+          </a:fillRef>
+          <a:effectRef idx="0">
+            <a:schemeClr val="accent1"/>
+          </a:effectRef>
+          <a:fontRef idx="minor">
+            <a:schemeClr val="lt1"/>
+          </a:fontRef>
+        </p:style>
+        <p:txBody>
+          <a:bodyPr rtlCol="0" anchor="ctr"/>
+          <a:lstStyle/>
+          <a:p>
+            <a:pPr algn="ctr"/>
+            <a:r>
+              <a:rPr lang="fr-FR" sz="1050" b="1" dirty="0">
+                <a:solidFill>
+                  <a:srgbClr val="00B050"/>
+                </a:solidFill>
+              </a:rPr>
+              <a:t>1</a:t>
+            </a:r>
+            <a:endParaRPr lang="fr-FR" sz="1400" b="1" dirty="0">
+              <a:solidFill>
+                <a:srgbClr val="00B050"/>
+              </a:solidFill>
+            </a:endParaRPr>
+          </a:p>
+        </p:txBody>
+      </p:sp>
+      <p:grpSp>
+        <p:nvGrpSpPr>
+          <p:cNvPr id="34" name="Groupe 33">
+            <a:extLst>
+              <a:ext uri="{FF2B5EF4-FFF2-40B4-BE49-F238E27FC236}">
+                <a16:creationId xmlns:a16="http://schemas.microsoft.com/office/drawing/2014/main" id="{3FC5861C-684E-EA48-9CE6-7646D48BAD8D}"/>
+              </a:ext>
+            </a:extLst>
+          </p:cNvPr>
+          <p:cNvGrpSpPr/>
+          <p:nvPr/>
+        </p:nvGrpSpPr>
+        <p:grpSpPr>
+          <a:xfrm>
+            <a:off x="5514680" y="-754755"/>
+            <a:ext cx="1440160" cy="2582721"/>
+            <a:chOff x="971600" y="-593881"/>
+            <a:chExt cx="1440160" cy="2582721"/>
+          </a:xfrm>
+        </p:grpSpPr>
+        <p:cxnSp>
+          <p:nvCxnSpPr>
+            <p:cNvPr id="39" name="Connecteur droit 38">
+              <a:extLst>
+                <a:ext uri="{FF2B5EF4-FFF2-40B4-BE49-F238E27FC236}">
+                  <a16:creationId xmlns:a16="http://schemas.microsoft.com/office/drawing/2014/main" id="{1653FB9B-3B7F-7062-28A0-D13040675770}"/>
+                </a:ext>
+              </a:extLst>
+            </p:cNvPr>
+            <p:cNvCxnSpPr>
+              <a:cxnSpLocks/>
+            </p:cNvCxnSpPr>
+            <p:nvPr/>
+          </p:nvCxnSpPr>
+          <p:spPr>
+            <a:xfrm flipV="1">
+              <a:off x="971600" y="-593881"/>
+              <a:ext cx="0" cy="2582721"/>
+            </a:xfrm>
+            <a:prstGeom prst="line">
+              <a:avLst/>
+            </a:prstGeom>
+            <a:ln w="12700">
+              <a:solidFill>
+                <a:schemeClr val="tx1"/>
+              </a:solidFill>
+              <a:tailEnd type="stealth" w="med" len="lg"/>
+            </a:ln>
+          </p:spPr>
+          <p:style>
+            <a:lnRef idx="1">
+              <a:schemeClr val="accent1"/>
+            </a:lnRef>
+            <a:fillRef idx="0">
+              <a:schemeClr val="accent1"/>
+            </a:fillRef>
+            <a:effectRef idx="0">
+              <a:schemeClr val="accent1"/>
+            </a:effectRef>
+            <a:fontRef idx="minor">
+              <a:schemeClr val="tx1"/>
+            </a:fontRef>
+          </p:style>
+        </p:cxnSp>
+        <p:cxnSp>
+          <p:nvCxnSpPr>
+            <p:cNvPr id="40" name="Connecteur droit 39">
+              <a:extLst>
+                <a:ext uri="{FF2B5EF4-FFF2-40B4-BE49-F238E27FC236}">
+                  <a16:creationId xmlns:a16="http://schemas.microsoft.com/office/drawing/2014/main" id="{0BEE9E8F-AA96-17E2-4F5A-07D1BB2FA007}"/>
+                </a:ext>
+              </a:extLst>
+            </p:cNvPr>
+            <p:cNvCxnSpPr>
+              <a:cxnSpLocks/>
+            </p:cNvCxnSpPr>
+            <p:nvPr/>
+          </p:nvCxnSpPr>
+          <p:spPr>
+            <a:xfrm rot="5400000" flipV="1">
+              <a:off x="1691680" y="1268760"/>
+              <a:ext cx="0" cy="1440160"/>
+            </a:xfrm>
+            <a:prstGeom prst="line">
+              <a:avLst/>
+            </a:prstGeom>
+            <a:ln w="12700">
+              <a:solidFill>
+                <a:schemeClr val="tx1"/>
+              </a:solidFill>
+              <a:tailEnd type="stealth" w="med" len="lg"/>
+            </a:ln>
+          </p:spPr>
+          <p:style>
+            <a:lnRef idx="1">
+              <a:schemeClr val="accent1"/>
+            </a:lnRef>
+            <a:fillRef idx="0">
+              <a:schemeClr val="accent1"/>
+            </a:fillRef>
+            <a:effectRef idx="0">
+              <a:schemeClr val="accent1"/>
+            </a:effectRef>
+            <a:fontRef idx="minor">
+              <a:schemeClr val="tx1"/>
+            </a:fontRef>
+          </p:style>
+        </p:cxnSp>
+      </p:grpSp>
+      <mc:AlternateContent xmlns:mc="http://schemas.openxmlformats.org/markup-compatibility/2006">
+        <mc:Choice xmlns:a14="http://schemas.microsoft.com/office/drawing/2010/main" Requires="a14">
+          <p:sp>
+            <p:nvSpPr>
+              <p:cNvPr id="35" name="ZoneTexte 34">
+                <a:extLst>
+                  <a:ext uri="{FF2B5EF4-FFF2-40B4-BE49-F238E27FC236}">
+                    <a16:creationId xmlns:a16="http://schemas.microsoft.com/office/drawing/2014/main" id="{E76BB5FD-0ABB-5620-BCD5-FAFF45CBA28F}"/>
+                  </a:ext>
+                </a:extLst>
+              </p:cNvPr>
+              <p:cNvSpPr txBox="1"/>
+              <p:nvPr/>
+            </p:nvSpPr>
+            <p:spPr>
+              <a:xfrm>
+                <a:off x="6969034" y="1704854"/>
+                <a:ext cx="207300" cy="274434"/>
+              </a:xfrm>
+              <a:prstGeom prst="rect">
+                <a:avLst/>
+              </a:prstGeom>
+              <a:noFill/>
+            </p:spPr>
+            <p:txBody>
+              <a:bodyPr wrap="none" lIns="0" tIns="0" rIns="0" bIns="0" rtlCol="0">
+                <a:spAutoFit/>
+              </a:bodyPr>
+              <a:lstStyle/>
+              <a:p>
+                <a:pPr/>
+                <a14:m>
+                  <m:oMathPara xmlns:m="http://schemas.openxmlformats.org/officeDocument/2006/math">
+                    <m:oMathParaPr>
+                      <m:jc m:val="centerGroup"/>
+                    </m:oMathParaPr>
+                    <m:oMath xmlns:m="http://schemas.openxmlformats.org/officeDocument/2006/math">
+                      <m:acc>
+                        <m:accPr>
+                          <m:chr m:val="⃗"/>
+                          <m:ctrlPr>
+                            <a:rPr lang="fr-FR" sz="1600" i="1" smtClean="0">
+                              <a:latin typeface="Cambria Math" panose="02040503050406030204" pitchFamily="18" charset="0"/>
+                            </a:rPr>
+                          </m:ctrlPr>
+                        </m:accPr>
+                        <m:e>
+                          <m:sSub>
+                            <m:sSubPr>
+                              <m:ctrlPr>
+                                <a:rPr lang="fr-FR" sz="1600" b="0" i="1" smtClean="0">
+                                  <a:latin typeface="Cambria Math" panose="02040503050406030204" pitchFamily="18" charset="0"/>
+                                </a:rPr>
+                              </m:ctrlPr>
+                            </m:sSubPr>
+                            <m:e>
+                              <m:r>
+                                <a:rPr lang="fr-FR" sz="1600" b="0" i="1" smtClean="0">
+                                  <a:latin typeface="Cambria Math" panose="02040503050406030204" pitchFamily="18" charset="0"/>
+                                </a:rPr>
+                                <m:t>𝑖</m:t>
+                              </m:r>
+                            </m:e>
+                            <m:sub>
+                              <m:r>
+                                <a:rPr lang="fr-FR" sz="1600" b="0" i="1" smtClean="0">
+                                  <a:latin typeface="Cambria Math" panose="02040503050406030204" pitchFamily="18" charset="0"/>
+                                </a:rPr>
+                                <m:t>0</m:t>
+                              </m:r>
+                            </m:sub>
+                          </m:sSub>
+                        </m:e>
+                      </m:acc>
+                    </m:oMath>
+                  </m:oMathPara>
+                </a14:m>
+                <a:endParaRPr lang="fr-FR" sz="1600" dirty="0"/>
+              </a:p>
+            </p:txBody>
+          </p:sp>
+        </mc:Choice>
+        <mc:Fallback>
+          <p:sp>
+            <p:nvSpPr>
+              <p:cNvPr id="35" name="ZoneTexte 34">
+                <a:extLst>
+                  <a:ext uri="{FF2B5EF4-FFF2-40B4-BE49-F238E27FC236}">
+                    <a16:creationId xmlns:a16="http://schemas.microsoft.com/office/drawing/2014/main" id="{E76BB5FD-0ABB-5620-BCD5-FAFF45CBA28F}"/>
+                  </a:ext>
+                </a:extLst>
+              </p:cNvPr>
+              <p:cNvSpPr txBox="1">
+                <a:spLocks noRot="1" noChangeAspect="1" noMove="1" noResize="1" noEditPoints="1" noAdjustHandles="1" noChangeArrowheads="1" noChangeShapeType="1" noTextEdit="1"/>
+              </p:cNvSpPr>
+              <p:nvPr/>
+            </p:nvSpPr>
+            <p:spPr>
+              <a:xfrm>
+                <a:off x="6969034" y="1704854"/>
+                <a:ext cx="207300" cy="274434"/>
+              </a:xfrm>
+              <a:prstGeom prst="rect">
+                <a:avLst/>
+              </a:prstGeom>
+              <a:blipFill>
+                <a:blip r:embed="rId11"/>
+                <a:stretch>
+                  <a:fillRect l="-20588" r="-5882" b="-13333"/>
+                </a:stretch>
+              </a:blipFill>
+            </p:spPr>
+            <p:txBody>
+              <a:bodyPr/>
+              <a:lstStyle/>
+              <a:p>
+                <a:r>
+                  <a:rPr lang="fr-FR">
+                    <a:noFill/>
+                  </a:rPr>
+                  <a:t> </a:t>
+                </a:r>
+              </a:p>
+            </p:txBody>
+          </p:sp>
+        </mc:Fallback>
+      </mc:AlternateContent>
+      <mc:AlternateContent xmlns:mc="http://schemas.openxmlformats.org/markup-compatibility/2006">
+        <mc:Choice xmlns:a14="http://schemas.microsoft.com/office/drawing/2010/main" Requires="a14">
+          <p:sp>
+            <p:nvSpPr>
+              <p:cNvPr id="36" name="ZoneTexte 35">
+                <a:extLst>
+                  <a:ext uri="{FF2B5EF4-FFF2-40B4-BE49-F238E27FC236}">
+                    <a16:creationId xmlns:a16="http://schemas.microsoft.com/office/drawing/2014/main" id="{2A1DDEE1-DE46-5B39-A1BC-A7004C9377F1}"/>
+                  </a:ext>
+                </a:extLst>
+              </p:cNvPr>
+              <p:cNvSpPr txBox="1"/>
+              <p:nvPr/>
+            </p:nvSpPr>
+            <p:spPr>
+              <a:xfrm>
+                <a:off x="5242116" y="-940870"/>
+                <a:ext cx="229402" cy="274434"/>
+              </a:xfrm>
+              <a:prstGeom prst="rect">
+                <a:avLst/>
+              </a:prstGeom>
+              <a:noFill/>
+            </p:spPr>
+            <p:txBody>
+              <a:bodyPr wrap="square" lIns="0" tIns="0" rIns="0" bIns="0" rtlCol="0">
+                <a:spAutoFit/>
+              </a:bodyPr>
+              <a:lstStyle/>
+              <a:p>
+                <a:pPr/>
+                <a14:m>
+                  <m:oMathPara xmlns:m="http://schemas.openxmlformats.org/officeDocument/2006/math">
+                    <m:oMathParaPr>
+                      <m:jc m:val="centerGroup"/>
+                    </m:oMathParaPr>
+                    <m:oMath xmlns:m="http://schemas.openxmlformats.org/officeDocument/2006/math">
+                      <m:acc>
+                        <m:accPr>
+                          <m:chr m:val="⃗"/>
+                          <m:ctrlPr>
+                            <a:rPr lang="fr-FR" sz="1600" i="1" smtClean="0">
+                              <a:latin typeface="Cambria Math" panose="02040503050406030204" pitchFamily="18" charset="0"/>
+                            </a:rPr>
+                          </m:ctrlPr>
+                        </m:accPr>
+                        <m:e>
+                          <m:sSub>
+                            <m:sSubPr>
+                              <m:ctrlPr>
+                                <a:rPr lang="fr-FR" sz="1600" b="0" i="1" smtClean="0">
+                                  <a:latin typeface="Cambria Math" panose="02040503050406030204" pitchFamily="18" charset="0"/>
+                                </a:rPr>
+                              </m:ctrlPr>
+                            </m:sSubPr>
+                            <m:e>
+                              <m:r>
+                                <a:rPr lang="fr-FR" sz="1600" b="0" i="1" smtClean="0">
+                                  <a:latin typeface="Cambria Math" panose="02040503050406030204" pitchFamily="18" charset="0"/>
+                                </a:rPr>
+                                <m:t>𝑗</m:t>
+                              </m:r>
+                            </m:e>
+                            <m:sub>
+                              <m:r>
+                                <a:rPr lang="fr-FR" sz="1600" b="0" i="1" smtClean="0">
+                                  <a:latin typeface="Cambria Math" panose="02040503050406030204" pitchFamily="18" charset="0"/>
+                                </a:rPr>
+                                <m:t>0</m:t>
+                              </m:r>
+                            </m:sub>
+                          </m:sSub>
+                        </m:e>
+                      </m:acc>
+                    </m:oMath>
+                  </m:oMathPara>
+                </a14:m>
+                <a:endParaRPr lang="fr-FR" sz="1600" dirty="0"/>
+              </a:p>
+            </p:txBody>
+          </p:sp>
+        </mc:Choice>
+        <mc:Fallback>
+          <p:sp>
+            <p:nvSpPr>
+              <p:cNvPr id="36" name="ZoneTexte 35">
+                <a:extLst>
+                  <a:ext uri="{FF2B5EF4-FFF2-40B4-BE49-F238E27FC236}">
+                    <a16:creationId xmlns:a16="http://schemas.microsoft.com/office/drawing/2014/main" id="{2A1DDEE1-DE46-5B39-A1BC-A7004C9377F1}"/>
+                  </a:ext>
+                </a:extLst>
+              </p:cNvPr>
+              <p:cNvSpPr txBox="1">
+                <a:spLocks noRot="1" noChangeAspect="1" noMove="1" noResize="1" noEditPoints="1" noAdjustHandles="1" noChangeArrowheads="1" noChangeShapeType="1" noTextEdit="1"/>
+              </p:cNvSpPr>
+              <p:nvPr/>
+            </p:nvSpPr>
+            <p:spPr>
+              <a:xfrm>
+                <a:off x="5242116" y="-940870"/>
+                <a:ext cx="229402" cy="274434"/>
+              </a:xfrm>
+              <a:prstGeom prst="rect">
+                <a:avLst/>
+              </a:prstGeom>
+              <a:blipFill>
+                <a:blip r:embed="rId12"/>
+                <a:stretch>
+                  <a:fillRect l="-23684" r="-2632" b="-28889"/>
+                </a:stretch>
+              </a:blipFill>
+            </p:spPr>
+            <p:txBody>
+              <a:bodyPr/>
+              <a:lstStyle/>
+              <a:p>
+                <a:r>
+                  <a:rPr lang="fr-FR">
+                    <a:noFill/>
+                  </a:rPr>
+                  <a:t> </a:t>
+                </a:r>
+              </a:p>
+            </p:txBody>
+          </p:sp>
+        </mc:Fallback>
+      </mc:AlternateContent>
+      <mc:AlternateContent xmlns:mc="http://schemas.openxmlformats.org/markup-compatibility/2006">
+        <mc:Choice xmlns:a14="http://schemas.microsoft.com/office/drawing/2010/main" Requires="a14">
+          <p:sp>
+            <p:nvSpPr>
+              <p:cNvPr id="37" name="ZoneTexte 36">
+                <a:extLst>
+                  <a:ext uri="{FF2B5EF4-FFF2-40B4-BE49-F238E27FC236}">
+                    <a16:creationId xmlns:a16="http://schemas.microsoft.com/office/drawing/2014/main" id="{48D749B6-AD23-E5FE-A3DE-4A68D45E2341}"/>
+                  </a:ext>
+                </a:extLst>
+              </p:cNvPr>
+              <p:cNvSpPr txBox="1"/>
+              <p:nvPr/>
+            </p:nvSpPr>
+            <p:spPr>
+              <a:xfrm>
+                <a:off x="6551781" y="733496"/>
+                <a:ext cx="202555" cy="274434"/>
+              </a:xfrm>
+              <a:prstGeom prst="rect">
+                <a:avLst/>
+              </a:prstGeom>
+              <a:noFill/>
+            </p:spPr>
+            <p:txBody>
+              <a:bodyPr wrap="none" lIns="0" tIns="0" rIns="0" bIns="0" rtlCol="0">
+                <a:spAutoFit/>
+              </a:bodyPr>
+              <a:lstStyle/>
+              <a:p>
+                <a:pPr/>
+                <a14:m>
+                  <m:oMathPara xmlns:m="http://schemas.openxmlformats.org/officeDocument/2006/math">
+                    <m:oMathParaPr>
+                      <m:jc m:val="centerGroup"/>
+                    </m:oMathParaPr>
+                    <m:oMath xmlns:m="http://schemas.openxmlformats.org/officeDocument/2006/math">
+                      <m:acc>
+                        <m:accPr>
+                          <m:chr m:val="⃗"/>
+                          <m:ctrlPr>
+                            <a:rPr lang="fr-FR" sz="1600" i="1" smtClean="0">
+                              <a:latin typeface="Cambria Math" panose="02040503050406030204" pitchFamily="18" charset="0"/>
+                            </a:rPr>
+                          </m:ctrlPr>
+                        </m:accPr>
+                        <m:e>
+                          <m:sSub>
+                            <m:sSubPr>
+                              <m:ctrlPr>
+                                <a:rPr lang="fr-FR" sz="1600" i="1">
+                                  <a:latin typeface="Cambria Math" panose="02040503050406030204" pitchFamily="18" charset="0"/>
+                                </a:rPr>
+                              </m:ctrlPr>
+                            </m:sSubPr>
+                            <m:e>
+                              <m:r>
+                                <a:rPr lang="fr-FR" sz="1600" b="0" i="1" smtClean="0">
+                                  <a:latin typeface="Cambria Math" panose="02040503050406030204" pitchFamily="18" charset="0"/>
+                                </a:rPr>
+                                <m:t>𝑖</m:t>
+                              </m:r>
+                            </m:e>
+                            <m:sub>
+                              <m:r>
+                                <a:rPr lang="fr-FR" sz="1600" i="1">
+                                  <a:latin typeface="Cambria Math" panose="02040503050406030204" pitchFamily="18" charset="0"/>
+                                </a:rPr>
+                                <m:t>1</m:t>
+                              </m:r>
+                            </m:sub>
+                          </m:sSub>
+                        </m:e>
+                      </m:acc>
+                    </m:oMath>
+                  </m:oMathPara>
+                </a14:m>
+                <a:endParaRPr lang="fr-FR" sz="1600" dirty="0"/>
+              </a:p>
+            </p:txBody>
+          </p:sp>
+        </mc:Choice>
+        <mc:Fallback>
+          <p:sp>
+            <p:nvSpPr>
+              <p:cNvPr id="37" name="ZoneTexte 36">
+                <a:extLst>
+                  <a:ext uri="{FF2B5EF4-FFF2-40B4-BE49-F238E27FC236}">
+                    <a16:creationId xmlns:a16="http://schemas.microsoft.com/office/drawing/2014/main" id="{48D749B6-AD23-E5FE-A3DE-4A68D45E2341}"/>
+                  </a:ext>
+                </a:extLst>
+              </p:cNvPr>
+              <p:cNvSpPr txBox="1">
+                <a:spLocks noRot="1" noChangeAspect="1" noMove="1" noResize="1" noEditPoints="1" noAdjustHandles="1" noChangeArrowheads="1" noChangeShapeType="1" noTextEdit="1"/>
+              </p:cNvSpPr>
+              <p:nvPr/>
+            </p:nvSpPr>
+            <p:spPr>
+              <a:xfrm>
+                <a:off x="6551781" y="733496"/>
+                <a:ext cx="202555" cy="274434"/>
+              </a:xfrm>
+              <a:prstGeom prst="rect">
+                <a:avLst/>
+              </a:prstGeom>
+              <a:blipFill>
+                <a:blip r:embed="rId13"/>
+                <a:stretch>
+                  <a:fillRect l="-24242" r="-6061" b="-13333"/>
+                </a:stretch>
+              </a:blipFill>
+            </p:spPr>
+            <p:txBody>
+              <a:bodyPr/>
+              <a:lstStyle/>
+              <a:p>
+                <a:r>
+                  <a:rPr lang="fr-FR">
+                    <a:noFill/>
+                  </a:rPr>
+                  <a:t> </a:t>
+                </a:r>
+              </a:p>
+            </p:txBody>
+          </p:sp>
+        </mc:Fallback>
+      </mc:AlternateContent>
+      <p:sp>
+        <p:nvSpPr>
+          <p:cNvPr id="38" name="Ellipse 37">
+            <a:extLst>
+              <a:ext uri="{FF2B5EF4-FFF2-40B4-BE49-F238E27FC236}">
+                <a16:creationId xmlns:a16="http://schemas.microsoft.com/office/drawing/2014/main" id="{3312DF7B-A048-D9D5-F7D5-AD06794DC127}"/>
+              </a:ext>
+            </a:extLst>
+          </p:cNvPr>
+          <p:cNvSpPr/>
+          <p:nvPr/>
+        </p:nvSpPr>
+        <p:spPr>
+          <a:xfrm>
+            <a:off x="5428356" y="1732237"/>
+            <a:ext cx="180000" cy="180000"/>
+          </a:xfrm>
+          <a:prstGeom prst="ellipse">
+            <a:avLst/>
+          </a:prstGeom>
+          <a:solidFill>
+            <a:schemeClr val="bg1"/>
+          </a:solidFill>
+          <a:ln w="28575">
+            <a:solidFill>
+              <a:schemeClr val="tx1"/>
+            </a:solidFill>
+          </a:ln>
+        </p:spPr>
+        <p:style>
+          <a:lnRef idx="2">
+            <a:schemeClr val="accent1">
+              <a:shade val="50000"/>
+            </a:schemeClr>
+          </a:lnRef>
+          <a:fillRef idx="1">
+            <a:schemeClr val="accent1"/>
+          </a:fillRef>
+          <a:effectRef idx="0">
+            <a:schemeClr val="accent1"/>
+          </a:effectRef>
+          <a:fontRef idx="minor">
+            <a:schemeClr val="lt1"/>
+          </a:fontRef>
+        </p:style>
+        <p:txBody>
+          <a:bodyPr rtlCol="0" anchor="ctr"/>
+          <a:lstStyle/>
+          <a:p>
+            <a:pPr algn="ctr"/>
+            <a:endParaRPr lang="fr-FR"/>
+          </a:p>
+        </p:txBody>
+      </p:sp>
+      <p:cxnSp>
+        <p:nvCxnSpPr>
+          <p:cNvPr id="50" name="Connecteur droit 49">
+            <a:extLst>
+              <a:ext uri="{FF2B5EF4-FFF2-40B4-BE49-F238E27FC236}">
+                <a16:creationId xmlns:a16="http://schemas.microsoft.com/office/drawing/2014/main" id="{FABF3018-08DB-639E-5507-29AE1F6F141B}"/>
+              </a:ext>
+            </a:extLst>
+          </p:cNvPr>
+          <p:cNvCxnSpPr>
+            <a:cxnSpLocks/>
+          </p:cNvCxnSpPr>
+          <p:nvPr/>
+        </p:nvCxnSpPr>
+        <p:spPr>
+          <a:xfrm>
+            <a:off x="5099827" y="847491"/>
+            <a:ext cx="1267444" cy="0"/>
+          </a:xfrm>
+          <a:prstGeom prst="line">
+            <a:avLst/>
+          </a:prstGeom>
+          <a:solidFill>
+            <a:srgbClr val="00B050"/>
+          </a:solidFill>
+          <a:ln w="28575">
+            <a:solidFill>
+              <a:srgbClr val="FF0000"/>
+            </a:solidFill>
+          </a:ln>
+        </p:spPr>
+        <p:style>
+          <a:lnRef idx="2">
+            <a:schemeClr val="accent1">
+              <a:shade val="50000"/>
+            </a:schemeClr>
+          </a:lnRef>
+          <a:fillRef idx="1">
+            <a:schemeClr val="accent1"/>
+          </a:fillRef>
+          <a:effectRef idx="0">
+            <a:schemeClr val="accent1"/>
+          </a:effectRef>
+          <a:fontRef idx="minor">
+            <a:schemeClr val="lt1"/>
+          </a:fontRef>
+        </p:style>
+      </p:cxnSp>
+      <mc:AlternateContent xmlns:mc="http://schemas.openxmlformats.org/markup-compatibility/2006">
+        <mc:Choice xmlns:a14="http://schemas.microsoft.com/office/drawing/2010/main" Requires="a14">
+          <p:sp>
+            <p:nvSpPr>
+              <p:cNvPr id="51" name="ZoneTexte 50">
+                <a:extLst>
+                  <a:ext uri="{FF2B5EF4-FFF2-40B4-BE49-F238E27FC236}">
+                    <a16:creationId xmlns:a16="http://schemas.microsoft.com/office/drawing/2014/main" id="{7016E51E-4D52-36C2-CD46-5A51AB24E7BD}"/>
+                  </a:ext>
+                </a:extLst>
+              </p:cNvPr>
+              <p:cNvSpPr txBox="1"/>
+              <p:nvPr/>
+            </p:nvSpPr>
+            <p:spPr>
+              <a:xfrm>
+                <a:off x="5653074" y="-227710"/>
+                <a:ext cx="145553" cy="184666"/>
+              </a:xfrm>
+              <a:prstGeom prst="rect">
+                <a:avLst/>
+              </a:prstGeom>
+              <a:noFill/>
+            </p:spPr>
+            <p:txBody>
+              <a:bodyPr wrap="none" lIns="0" tIns="0" rIns="0" bIns="0" rtlCol="0">
+                <a:spAutoFit/>
+              </a:bodyPr>
+              <a:lstStyle/>
+              <a:p>
+                <a:pPr/>
+                <a14:m>
+                  <m:oMathPara xmlns:m="http://schemas.openxmlformats.org/officeDocument/2006/math">
+                    <m:oMathParaPr>
+                      <m:jc m:val="centerGroup"/>
+                    </m:oMathParaPr>
+                    <m:oMath xmlns:m="http://schemas.openxmlformats.org/officeDocument/2006/math">
+                      <m:r>
+                        <a:rPr lang="fr-FR" sz="1200" b="0" i="1" smtClean="0">
+                          <a:latin typeface="Cambria Math" panose="02040503050406030204" pitchFamily="18" charset="0"/>
+                        </a:rPr>
+                        <m:t>𝐷</m:t>
+                      </m:r>
+                    </m:oMath>
+                  </m:oMathPara>
+                </a14:m>
+                <a:endParaRPr lang="fr-FR" sz="1200" dirty="0"/>
+              </a:p>
+            </p:txBody>
+          </p:sp>
+        </mc:Choice>
+        <mc:Fallback>
+          <p:sp>
+            <p:nvSpPr>
+              <p:cNvPr id="51" name="ZoneTexte 50">
+                <a:extLst>
+                  <a:ext uri="{FF2B5EF4-FFF2-40B4-BE49-F238E27FC236}">
+                    <a16:creationId xmlns:a16="http://schemas.microsoft.com/office/drawing/2014/main" id="{7016E51E-4D52-36C2-CD46-5A51AB24E7BD}"/>
+                  </a:ext>
+                </a:extLst>
+              </p:cNvPr>
+              <p:cNvSpPr txBox="1">
+                <a:spLocks noRot="1" noChangeAspect="1" noMove="1" noResize="1" noEditPoints="1" noAdjustHandles="1" noChangeArrowheads="1" noChangeShapeType="1" noTextEdit="1"/>
+              </p:cNvSpPr>
+              <p:nvPr/>
+            </p:nvSpPr>
+            <p:spPr>
+              <a:xfrm>
+                <a:off x="5653074" y="-227710"/>
+                <a:ext cx="145553" cy="184666"/>
+              </a:xfrm>
+              <a:prstGeom prst="rect">
+                <a:avLst/>
+              </a:prstGeom>
+              <a:blipFill>
+                <a:blip r:embed="rId14"/>
+                <a:stretch>
+                  <a:fillRect l="-25000" r="-20833" b="-6667"/>
+                </a:stretch>
+              </a:blipFill>
+            </p:spPr>
+            <p:txBody>
+              <a:bodyPr/>
+              <a:lstStyle/>
+              <a:p>
+                <a:r>
+                  <a:rPr lang="fr-FR">
+                    <a:noFill/>
+                  </a:rPr>
+                  <a:t> </a:t>
+                </a:r>
+              </a:p>
+            </p:txBody>
+          </p:sp>
+        </mc:Fallback>
+      </mc:AlternateContent>
+      <mc:AlternateContent xmlns:mc="http://schemas.openxmlformats.org/markup-compatibility/2006">
+        <mc:Choice xmlns:a14="http://schemas.microsoft.com/office/drawing/2010/main" Requires="a14">
+          <p:sp>
+            <p:nvSpPr>
+              <p:cNvPr id="52" name="ZoneTexte 51">
+                <a:extLst>
+                  <a:ext uri="{FF2B5EF4-FFF2-40B4-BE49-F238E27FC236}">
+                    <a16:creationId xmlns:a16="http://schemas.microsoft.com/office/drawing/2014/main" id="{6736567C-24C2-9A53-380E-7E5443D4A628}"/>
+                  </a:ext>
+                </a:extLst>
+              </p:cNvPr>
+              <p:cNvSpPr txBox="1"/>
+              <p:nvPr/>
+            </p:nvSpPr>
+            <p:spPr>
+              <a:xfrm>
+                <a:off x="6407194" y="980867"/>
+                <a:ext cx="140358" cy="184666"/>
+              </a:xfrm>
+              <a:prstGeom prst="rect">
+                <a:avLst/>
+              </a:prstGeom>
+              <a:noFill/>
+            </p:spPr>
+            <p:txBody>
+              <a:bodyPr wrap="none" lIns="0" tIns="0" rIns="0" bIns="0" rtlCol="0">
+                <a:spAutoFit/>
+              </a:bodyPr>
+              <a:lstStyle/>
+              <a:p>
+                <a:pPr/>
+                <a14:m>
+                  <m:oMathPara xmlns:m="http://schemas.openxmlformats.org/officeDocument/2006/math">
+                    <m:oMathParaPr>
+                      <m:jc m:val="centerGroup"/>
+                    </m:oMathParaPr>
+                    <m:oMath xmlns:m="http://schemas.openxmlformats.org/officeDocument/2006/math">
+                      <m:r>
+                        <a:rPr lang="fr-FR" sz="1200" b="0" i="1" smtClean="0">
+                          <a:latin typeface="Cambria Math" panose="02040503050406030204" pitchFamily="18" charset="0"/>
+                        </a:rPr>
+                        <m:t>𝐵</m:t>
+                      </m:r>
+                    </m:oMath>
+                  </m:oMathPara>
+                </a14:m>
+                <a:endParaRPr lang="fr-FR" sz="1200" dirty="0"/>
+              </a:p>
+            </p:txBody>
+          </p:sp>
+        </mc:Choice>
+        <mc:Fallback>
+          <p:sp>
+            <p:nvSpPr>
+              <p:cNvPr id="52" name="ZoneTexte 51">
+                <a:extLst>
+                  <a:ext uri="{FF2B5EF4-FFF2-40B4-BE49-F238E27FC236}">
+                    <a16:creationId xmlns:a16="http://schemas.microsoft.com/office/drawing/2014/main" id="{6736567C-24C2-9A53-380E-7E5443D4A628}"/>
+                  </a:ext>
+                </a:extLst>
+              </p:cNvPr>
+              <p:cNvSpPr txBox="1">
+                <a:spLocks noRot="1" noChangeAspect="1" noMove="1" noResize="1" noEditPoints="1" noAdjustHandles="1" noChangeArrowheads="1" noChangeShapeType="1" noTextEdit="1"/>
+              </p:cNvSpPr>
+              <p:nvPr/>
+            </p:nvSpPr>
+            <p:spPr>
+              <a:xfrm>
+                <a:off x="6407194" y="980867"/>
+                <a:ext cx="140358" cy="184666"/>
+              </a:xfrm>
+              <a:prstGeom prst="rect">
+                <a:avLst/>
+              </a:prstGeom>
+              <a:blipFill>
+                <a:blip r:embed="rId15"/>
+                <a:stretch>
+                  <a:fillRect l="-26087" r="-21739" b="-6667"/>
+                </a:stretch>
+              </a:blipFill>
+            </p:spPr>
+            <p:txBody>
+              <a:bodyPr/>
+              <a:lstStyle/>
+              <a:p>
+                <a:r>
+                  <a:rPr lang="fr-FR">
+                    <a:noFill/>
+                  </a:rPr>
+                  <a:t> </a:t>
+                </a:r>
+              </a:p>
+            </p:txBody>
+          </p:sp>
+        </mc:Fallback>
+      </mc:AlternateContent>
+      <p:grpSp>
+        <p:nvGrpSpPr>
+          <p:cNvPr id="53" name="Groupe 52">
+            <a:extLst>
+              <a:ext uri="{FF2B5EF4-FFF2-40B4-BE49-F238E27FC236}">
+                <a16:creationId xmlns:a16="http://schemas.microsoft.com/office/drawing/2014/main" id="{EB065B91-D857-4F8A-21F5-92F6F4454710}"/>
+              </a:ext>
+            </a:extLst>
+          </p:cNvPr>
+          <p:cNvGrpSpPr/>
+          <p:nvPr/>
+        </p:nvGrpSpPr>
+        <p:grpSpPr>
+          <a:xfrm>
+            <a:off x="6198760" y="1015116"/>
+            <a:ext cx="72000" cy="72000"/>
+            <a:chOff x="4533487" y="2450024"/>
+            <a:chExt cx="144000" cy="144000"/>
+          </a:xfrm>
+        </p:grpSpPr>
+        <p:cxnSp>
+          <p:nvCxnSpPr>
+            <p:cNvPr id="54" name="Connecteur droit 53">
+              <a:extLst>
+                <a:ext uri="{FF2B5EF4-FFF2-40B4-BE49-F238E27FC236}">
+                  <a16:creationId xmlns:a16="http://schemas.microsoft.com/office/drawing/2014/main" id="{082A1266-D744-0FE0-5C93-C99A6E175BFF}"/>
+                </a:ext>
+              </a:extLst>
+            </p:cNvPr>
+            <p:cNvCxnSpPr>
+              <a:cxnSpLocks/>
+            </p:cNvCxnSpPr>
+            <p:nvPr/>
+          </p:nvCxnSpPr>
+          <p:spPr>
+            <a:xfrm flipV="1">
+              <a:off x="4533487" y="2450024"/>
+              <a:ext cx="144000" cy="144000"/>
+            </a:xfrm>
+            <a:prstGeom prst="line">
+              <a:avLst/>
+            </a:prstGeom>
+            <a:solidFill>
+              <a:srgbClr val="00B050"/>
+            </a:solidFill>
+            <a:ln w="12700">
+              <a:solidFill>
+                <a:srgbClr val="00B050"/>
+              </a:solidFill>
+            </a:ln>
+          </p:spPr>
+          <p:style>
+            <a:lnRef idx="2">
+              <a:schemeClr val="accent1">
+                <a:shade val="50000"/>
+              </a:schemeClr>
+            </a:lnRef>
+            <a:fillRef idx="1">
+              <a:schemeClr val="accent1"/>
+            </a:fillRef>
+            <a:effectRef idx="0">
+              <a:schemeClr val="accent1"/>
+            </a:effectRef>
+            <a:fontRef idx="minor">
+              <a:schemeClr val="lt1"/>
+            </a:fontRef>
+          </p:style>
+        </p:cxnSp>
+        <p:cxnSp>
+          <p:nvCxnSpPr>
+            <p:cNvPr id="55" name="Connecteur droit 54">
+              <a:extLst>
+                <a:ext uri="{FF2B5EF4-FFF2-40B4-BE49-F238E27FC236}">
+                  <a16:creationId xmlns:a16="http://schemas.microsoft.com/office/drawing/2014/main" id="{ACCD4BCC-0F25-8E38-CE46-032B87582184}"/>
+                </a:ext>
+              </a:extLst>
+            </p:cNvPr>
+            <p:cNvCxnSpPr>
+              <a:cxnSpLocks/>
+            </p:cNvCxnSpPr>
+            <p:nvPr/>
+          </p:nvCxnSpPr>
+          <p:spPr>
+            <a:xfrm flipH="1" flipV="1">
+              <a:off x="4533487" y="2450024"/>
+              <a:ext cx="144000" cy="144000"/>
+            </a:xfrm>
+            <a:prstGeom prst="line">
+              <a:avLst/>
+            </a:prstGeom>
+            <a:solidFill>
+              <a:srgbClr val="00B050"/>
+            </a:solidFill>
+            <a:ln w="12700">
+              <a:solidFill>
+                <a:srgbClr val="00B050"/>
+              </a:solidFill>
+            </a:ln>
+          </p:spPr>
+          <p:style>
+            <a:lnRef idx="2">
+              <a:schemeClr val="accent1">
+                <a:shade val="50000"/>
+              </a:schemeClr>
+            </a:lnRef>
+            <a:fillRef idx="1">
+              <a:schemeClr val="accent1"/>
+            </a:fillRef>
+            <a:effectRef idx="0">
+              <a:schemeClr val="accent1"/>
+            </a:effectRef>
+            <a:fontRef idx="minor">
+              <a:schemeClr val="lt1"/>
+            </a:fontRef>
+          </p:style>
+        </p:cxnSp>
+      </p:grpSp>
+      <mc:AlternateContent xmlns:mc="http://schemas.openxmlformats.org/markup-compatibility/2006">
+        <mc:Choice xmlns:a14="http://schemas.microsoft.com/office/drawing/2010/main" Requires="a14">
+          <p:sp>
+            <p:nvSpPr>
+              <p:cNvPr id="56" name="ZoneTexte 55">
+                <a:extLst>
+                  <a:ext uri="{FF2B5EF4-FFF2-40B4-BE49-F238E27FC236}">
+                    <a16:creationId xmlns:a16="http://schemas.microsoft.com/office/drawing/2014/main" id="{4D37E01C-5B60-D063-EAE2-F33445A496F1}"/>
+                  </a:ext>
+                </a:extLst>
+              </p:cNvPr>
+              <p:cNvSpPr txBox="1"/>
+              <p:nvPr/>
+            </p:nvSpPr>
+            <p:spPr>
+              <a:xfrm>
+                <a:off x="5541094" y="650908"/>
+                <a:ext cx="133370" cy="184666"/>
+              </a:xfrm>
+              <a:prstGeom prst="rect">
+                <a:avLst/>
+              </a:prstGeom>
+              <a:noFill/>
+            </p:spPr>
+            <p:txBody>
+              <a:bodyPr wrap="none" lIns="0" tIns="0" rIns="0" bIns="0" rtlCol="0">
+                <a:spAutoFit/>
+              </a:bodyPr>
+              <a:lstStyle/>
+              <a:p>
+                <a:pPr/>
+                <a14:m>
+                  <m:oMathPara xmlns:m="http://schemas.openxmlformats.org/officeDocument/2006/math">
+                    <m:oMathParaPr>
+                      <m:jc m:val="centerGroup"/>
+                    </m:oMathParaPr>
+                    <m:oMath xmlns:m="http://schemas.openxmlformats.org/officeDocument/2006/math">
+                      <m:r>
+                        <a:rPr lang="fr-FR" sz="1200" b="0" i="1" smtClean="0">
+                          <a:latin typeface="Cambria Math" panose="02040503050406030204" pitchFamily="18" charset="0"/>
+                        </a:rPr>
+                        <m:t>𝐶</m:t>
+                      </m:r>
+                    </m:oMath>
+                  </m:oMathPara>
+                </a14:m>
+                <a:endParaRPr lang="fr-FR" sz="1200" dirty="0"/>
+              </a:p>
+            </p:txBody>
+          </p:sp>
+        </mc:Choice>
+        <mc:Fallback>
+          <p:sp>
+            <p:nvSpPr>
+              <p:cNvPr id="56" name="ZoneTexte 55">
+                <a:extLst>
+                  <a:ext uri="{FF2B5EF4-FFF2-40B4-BE49-F238E27FC236}">
+                    <a16:creationId xmlns:a16="http://schemas.microsoft.com/office/drawing/2014/main" id="{4D37E01C-5B60-D063-EAE2-F33445A496F1}"/>
+                  </a:ext>
+                </a:extLst>
+              </p:cNvPr>
+              <p:cNvSpPr txBox="1">
+                <a:spLocks noRot="1" noChangeAspect="1" noMove="1" noResize="1" noEditPoints="1" noAdjustHandles="1" noChangeArrowheads="1" noChangeShapeType="1" noTextEdit="1"/>
+              </p:cNvSpPr>
+              <p:nvPr/>
+            </p:nvSpPr>
+            <p:spPr>
+              <a:xfrm>
+                <a:off x="5541094" y="650908"/>
+                <a:ext cx="133370" cy="184666"/>
+              </a:xfrm>
+              <a:prstGeom prst="rect">
+                <a:avLst/>
+              </a:prstGeom>
+              <a:blipFill>
+                <a:blip r:embed="rId16"/>
+                <a:stretch>
+                  <a:fillRect l="-27273" r="-22727" b="-6667"/>
+                </a:stretch>
+              </a:blipFill>
+            </p:spPr>
+            <p:txBody>
+              <a:bodyPr/>
+              <a:lstStyle/>
+              <a:p>
+                <a:r>
+                  <a:rPr lang="fr-FR">
+                    <a:noFill/>
+                  </a:rPr>
+                  <a:t> </a:t>
+                </a:r>
+              </a:p>
+            </p:txBody>
+          </p:sp>
+        </mc:Fallback>
+      </mc:AlternateContent>
+      <p:sp>
+        <p:nvSpPr>
+          <p:cNvPr id="57" name="Ellipse 56">
+            <a:extLst>
+              <a:ext uri="{FF2B5EF4-FFF2-40B4-BE49-F238E27FC236}">
+                <a16:creationId xmlns:a16="http://schemas.microsoft.com/office/drawing/2014/main" id="{C6533176-3AF1-E6D0-4042-D2EDE4A3E6A2}"/>
+              </a:ext>
+            </a:extLst>
+          </p:cNvPr>
+          <p:cNvSpPr/>
+          <p:nvPr/>
+        </p:nvSpPr>
+        <p:spPr>
+          <a:xfrm>
+            <a:off x="5258856" y="232270"/>
+            <a:ext cx="180000" cy="180000"/>
+          </a:xfrm>
+          <a:prstGeom prst="ellipse">
+            <a:avLst/>
+          </a:prstGeom>
+          <a:noFill/>
+          <a:ln w="19050">
+            <a:solidFill>
+              <a:srgbClr val="FF0000"/>
+            </a:solidFill>
+          </a:ln>
+        </p:spPr>
+        <p:style>
+          <a:lnRef idx="2">
+            <a:schemeClr val="accent1">
+              <a:shade val="50000"/>
+            </a:schemeClr>
+          </a:lnRef>
+          <a:fillRef idx="1">
+            <a:schemeClr val="accent1"/>
+          </a:fillRef>
+          <a:effectRef idx="0">
+            <a:schemeClr val="accent1"/>
+          </a:effectRef>
+          <a:fontRef idx="minor">
+            <a:schemeClr val="lt1"/>
+          </a:fontRef>
+        </p:style>
+        <p:txBody>
+          <a:bodyPr rtlCol="0" anchor="ctr"/>
+          <a:lstStyle/>
+          <a:p>
+            <a:pPr algn="ctr"/>
+            <a:r>
+              <a:rPr lang="fr-FR" sz="1050" b="1" dirty="0">
+                <a:solidFill>
+                  <a:srgbClr val="FF0000"/>
+                </a:solidFill>
+              </a:rPr>
+              <a:t>2</a:t>
+            </a:r>
+            <a:endParaRPr lang="fr-FR" sz="1400" b="1" dirty="0">
+              <a:solidFill>
+                <a:srgbClr val="FF0000"/>
+              </a:solidFill>
+            </a:endParaRPr>
+          </a:p>
+        </p:txBody>
+      </p:sp>
+      <p:cxnSp>
+        <p:nvCxnSpPr>
+          <p:cNvPr id="64" name="Connecteur droit 63">
+            <a:extLst>
+              <a:ext uri="{FF2B5EF4-FFF2-40B4-BE49-F238E27FC236}">
+                <a16:creationId xmlns:a16="http://schemas.microsoft.com/office/drawing/2014/main" id="{FF24197F-45FC-1488-6EA1-116145BD261E}"/>
+              </a:ext>
+            </a:extLst>
+          </p:cNvPr>
+          <p:cNvCxnSpPr>
+            <a:stCxn id="59" idx="7"/>
+            <a:endCxn id="29" idx="7"/>
+          </p:cNvCxnSpPr>
+          <p:nvPr/>
+        </p:nvCxnSpPr>
+        <p:spPr>
+          <a:xfrm flipV="1">
+            <a:off x="5358432" y="5273754"/>
+            <a:ext cx="254558" cy="254558"/>
+          </a:xfrm>
+          <a:prstGeom prst="line">
+            <a:avLst/>
+          </a:prstGeom>
+          <a:solidFill>
+            <a:schemeClr val="bg1"/>
+          </a:solidFill>
+          <a:ln w="28575">
+            <a:solidFill>
+              <a:srgbClr val="00B050"/>
+            </a:solidFill>
+          </a:ln>
+        </p:spPr>
+        <p:style>
+          <a:lnRef idx="2">
+            <a:schemeClr val="accent1">
+              <a:shade val="50000"/>
+            </a:schemeClr>
+          </a:lnRef>
+          <a:fillRef idx="1">
+            <a:schemeClr val="accent1"/>
+          </a:fillRef>
+          <a:effectRef idx="0">
+            <a:schemeClr val="accent1"/>
+          </a:effectRef>
+          <a:fontRef idx="minor">
+            <a:schemeClr val="lt1"/>
+          </a:fontRef>
+        </p:style>
+      </p:cxnSp>
+      <p:cxnSp>
+        <p:nvCxnSpPr>
+          <p:cNvPr id="65" name="Connecteur droit 64">
+            <a:extLst>
+              <a:ext uri="{FF2B5EF4-FFF2-40B4-BE49-F238E27FC236}">
+                <a16:creationId xmlns:a16="http://schemas.microsoft.com/office/drawing/2014/main" id="{A66810CD-74D1-EF75-A1E5-224F5D496889}"/>
+              </a:ext>
+            </a:extLst>
+          </p:cNvPr>
+          <p:cNvCxnSpPr>
+            <a:cxnSpLocks/>
+            <a:stCxn id="59" idx="1"/>
+            <a:endCxn id="29" idx="1"/>
+          </p:cNvCxnSpPr>
+          <p:nvPr/>
+        </p:nvCxnSpPr>
+        <p:spPr>
+          <a:xfrm flipH="1" flipV="1">
+            <a:off x="4976594" y="5273754"/>
+            <a:ext cx="254558" cy="254558"/>
+          </a:xfrm>
+          <a:prstGeom prst="line">
+            <a:avLst/>
+          </a:prstGeom>
+          <a:solidFill>
+            <a:schemeClr val="bg1"/>
+          </a:solidFill>
+          <a:ln w="28575">
+            <a:solidFill>
+              <a:srgbClr val="00B050"/>
+            </a:solidFill>
+          </a:ln>
+        </p:spPr>
+        <p:style>
+          <a:lnRef idx="2">
+            <a:schemeClr val="accent1">
+              <a:shade val="50000"/>
+            </a:schemeClr>
+          </a:lnRef>
+          <a:fillRef idx="1">
+            <a:schemeClr val="accent1"/>
+          </a:fillRef>
+          <a:effectRef idx="0">
+            <a:schemeClr val="accent1"/>
+          </a:effectRef>
+          <a:fontRef idx="minor">
+            <a:schemeClr val="lt1"/>
+          </a:fontRef>
+        </p:style>
+      </p:cxnSp>
+      <p:sp>
+        <p:nvSpPr>
+          <p:cNvPr id="61" name="Ellipse 60">
+            <a:extLst>
+              <a:ext uri="{FF2B5EF4-FFF2-40B4-BE49-F238E27FC236}">
+                <a16:creationId xmlns:a16="http://schemas.microsoft.com/office/drawing/2014/main" id="{22090BA9-12F2-6831-F104-5F065623B38E}"/>
+              </a:ext>
+            </a:extLst>
+          </p:cNvPr>
+          <p:cNvSpPr/>
+          <p:nvPr/>
+        </p:nvSpPr>
+        <p:spPr>
+          <a:xfrm>
+            <a:off x="5020789" y="5306712"/>
+            <a:ext cx="180000" cy="180000"/>
+          </a:xfrm>
+          <a:prstGeom prst="ellipse">
+            <a:avLst/>
+          </a:prstGeom>
+          <a:solidFill>
+            <a:schemeClr val="bg1"/>
+          </a:solidFill>
+          <a:ln w="28575">
+            <a:solidFill>
+              <a:srgbClr val="0070C0"/>
+            </a:solidFill>
+          </a:ln>
+        </p:spPr>
+        <p:style>
+          <a:lnRef idx="2">
+            <a:schemeClr val="accent1">
+              <a:shade val="50000"/>
+            </a:schemeClr>
+          </a:lnRef>
+          <a:fillRef idx="1">
+            <a:schemeClr val="accent1"/>
+          </a:fillRef>
+          <a:effectRef idx="0">
+            <a:schemeClr val="accent1"/>
+          </a:effectRef>
+          <a:fontRef idx="minor">
+            <a:schemeClr val="lt1"/>
+          </a:fontRef>
+        </p:style>
+        <p:txBody>
+          <a:bodyPr rtlCol="0" anchor="ctr"/>
+          <a:lstStyle/>
+          <a:p>
+            <a:pPr algn="ctr"/>
+            <a:endParaRPr lang="fr-FR" dirty="0"/>
+          </a:p>
+        </p:txBody>
+      </p:sp>
+      <p:sp>
+        <p:nvSpPr>
+          <p:cNvPr id="68" name="Ellipse 67">
+            <a:extLst>
+              <a:ext uri="{FF2B5EF4-FFF2-40B4-BE49-F238E27FC236}">
+                <a16:creationId xmlns:a16="http://schemas.microsoft.com/office/drawing/2014/main" id="{56C6484E-C34C-C4B7-F45F-A576314A265D}"/>
+              </a:ext>
+            </a:extLst>
+          </p:cNvPr>
+          <p:cNvSpPr/>
+          <p:nvPr/>
+        </p:nvSpPr>
+        <p:spPr>
+          <a:xfrm>
+            <a:off x="5202488" y="4608304"/>
+            <a:ext cx="180000" cy="180000"/>
+          </a:xfrm>
+          <a:prstGeom prst="ellipse">
+            <a:avLst/>
+          </a:prstGeom>
+          <a:solidFill>
+            <a:schemeClr val="bg1"/>
+          </a:solidFill>
+          <a:ln w="28575">
+            <a:solidFill>
+              <a:srgbClr val="0070C0"/>
+            </a:solidFill>
+          </a:ln>
+        </p:spPr>
+        <p:style>
+          <a:lnRef idx="2">
+            <a:schemeClr val="accent1">
+              <a:shade val="50000"/>
+            </a:schemeClr>
+          </a:lnRef>
+          <a:fillRef idx="1">
+            <a:schemeClr val="accent1"/>
+          </a:fillRef>
+          <a:effectRef idx="0">
+            <a:schemeClr val="accent1"/>
+          </a:effectRef>
+          <a:fontRef idx="minor">
+            <a:schemeClr val="lt1"/>
+          </a:fontRef>
+        </p:style>
+        <p:txBody>
+          <a:bodyPr rtlCol="0" anchor="ctr"/>
+          <a:lstStyle/>
+          <a:p>
+            <a:pPr algn="ctr"/>
+            <a:endParaRPr lang="fr-FR" dirty="0"/>
+          </a:p>
+        </p:txBody>
+      </p:sp>
+      <p:cxnSp>
+        <p:nvCxnSpPr>
+          <p:cNvPr id="75" name="Connecteur droit 74">
+            <a:extLst>
+              <a:ext uri="{FF2B5EF4-FFF2-40B4-BE49-F238E27FC236}">
+                <a16:creationId xmlns:a16="http://schemas.microsoft.com/office/drawing/2014/main" id="{39D35625-A8F4-0C21-2574-A377ECDA32D6}"/>
+              </a:ext>
+            </a:extLst>
+          </p:cNvPr>
+          <p:cNvCxnSpPr>
+            <a:cxnSpLocks/>
+          </p:cNvCxnSpPr>
+          <p:nvPr/>
+        </p:nvCxnSpPr>
+        <p:spPr>
+          <a:xfrm>
+            <a:off x="5287645" y="3888304"/>
+            <a:ext cx="0" cy="720000"/>
+          </a:xfrm>
+          <a:prstGeom prst="line">
+            <a:avLst/>
+          </a:prstGeom>
+          <a:solidFill>
+            <a:schemeClr val="bg1"/>
+          </a:solidFill>
+          <a:ln w="28575">
+            <a:solidFill>
+              <a:srgbClr val="C00000"/>
+            </a:solidFill>
+          </a:ln>
+        </p:spPr>
+        <p:style>
+          <a:lnRef idx="2">
+            <a:schemeClr val="accent1">
+              <a:shade val="50000"/>
+            </a:schemeClr>
+          </a:lnRef>
+          <a:fillRef idx="1">
+            <a:schemeClr val="accent1"/>
+          </a:fillRef>
+          <a:effectRef idx="0">
+            <a:schemeClr val="accent1"/>
+          </a:effectRef>
+          <a:fontRef idx="minor">
+            <a:schemeClr val="lt1"/>
+          </a:fontRef>
+        </p:style>
+      </p:cxnSp>
+      <p:grpSp>
+        <p:nvGrpSpPr>
+          <p:cNvPr id="93" name="Groupe 92">
+            <a:extLst>
+              <a:ext uri="{FF2B5EF4-FFF2-40B4-BE49-F238E27FC236}">
+                <a16:creationId xmlns:a16="http://schemas.microsoft.com/office/drawing/2014/main" id="{580F6F37-2549-3F54-B574-E7C7AC79843E}"/>
+              </a:ext>
+            </a:extLst>
+          </p:cNvPr>
+          <p:cNvGrpSpPr/>
+          <p:nvPr/>
+        </p:nvGrpSpPr>
+        <p:grpSpPr>
+          <a:xfrm>
+            <a:off x="5289913" y="5175120"/>
+            <a:ext cx="773858" cy="578781"/>
+            <a:chOff x="5316761" y="5168312"/>
+            <a:chExt cx="773858" cy="578781"/>
+          </a:xfrm>
+        </p:grpSpPr>
+        <p:grpSp>
+          <p:nvGrpSpPr>
+            <p:cNvPr id="81" name="Groupe 80">
+              <a:extLst>
+                <a:ext uri="{FF2B5EF4-FFF2-40B4-BE49-F238E27FC236}">
+                  <a16:creationId xmlns:a16="http://schemas.microsoft.com/office/drawing/2014/main" id="{F21CE18C-6E87-B32D-3704-F9220F4A2545}"/>
+                </a:ext>
+              </a:extLst>
+            </p:cNvPr>
+            <p:cNvGrpSpPr/>
+            <p:nvPr/>
+          </p:nvGrpSpPr>
+          <p:grpSpPr>
+            <a:xfrm>
+              <a:off x="5730619" y="5168312"/>
+              <a:ext cx="360000" cy="360000"/>
+              <a:chOff x="4626649" y="5013176"/>
+              <a:chExt cx="360000" cy="360000"/>
+            </a:xfrm>
+          </p:grpSpPr>
+          <p:sp>
+            <p:nvSpPr>
+              <p:cNvPr id="82" name="Ellipse 81">
+                <a:extLst>
+                  <a:ext uri="{FF2B5EF4-FFF2-40B4-BE49-F238E27FC236}">
+                    <a16:creationId xmlns:a16="http://schemas.microsoft.com/office/drawing/2014/main" id="{C25F496A-A420-C4EE-6D60-E5948D16390F}"/>
+                  </a:ext>
+                </a:extLst>
+              </p:cNvPr>
+              <p:cNvSpPr/>
+              <p:nvPr/>
+            </p:nvSpPr>
+            <p:spPr>
+              <a:xfrm>
+                <a:off x="4626649" y="5013176"/>
+                <a:ext cx="360000" cy="360000"/>
+              </a:xfrm>
+              <a:prstGeom prst="ellipse">
+                <a:avLst/>
+              </a:prstGeom>
+              <a:solidFill>
+                <a:schemeClr val="bg1"/>
+              </a:solidFill>
+              <a:ln w="28575">
+                <a:solidFill>
+                  <a:srgbClr val="7030A0"/>
+                </a:solidFill>
+              </a:ln>
+            </p:spPr>
+            <p:style>
+              <a:lnRef idx="2">
+                <a:schemeClr val="accent1">
+                  <a:shade val="50000"/>
+                </a:schemeClr>
+              </a:lnRef>
+              <a:fillRef idx="1">
+                <a:schemeClr val="accent1"/>
+              </a:fillRef>
+              <a:effectRef idx="0">
+                <a:schemeClr val="accent1"/>
+              </a:effectRef>
+              <a:fontRef idx="minor">
+                <a:schemeClr val="lt1"/>
+              </a:fontRef>
+            </p:style>
+            <p:txBody>
+              <a:bodyPr rtlCol="0" anchor="ctr"/>
+              <a:lstStyle/>
+              <a:p>
+                <a:pPr algn="ctr"/>
+                <a:endParaRPr lang="fr-FR" dirty="0"/>
+              </a:p>
+            </p:txBody>
+          </p:sp>
+          <p:sp>
+            <p:nvSpPr>
+              <p:cNvPr id="83" name="Ellipse 82">
+                <a:extLst>
+                  <a:ext uri="{FF2B5EF4-FFF2-40B4-BE49-F238E27FC236}">
+                    <a16:creationId xmlns:a16="http://schemas.microsoft.com/office/drawing/2014/main" id="{258766A6-40E7-2BCD-1CD7-E469947C753D}"/>
+                  </a:ext>
+                </a:extLst>
+              </p:cNvPr>
+              <p:cNvSpPr/>
+              <p:nvPr/>
+            </p:nvSpPr>
+            <p:spPr>
+              <a:xfrm>
+                <a:off x="4716649" y="5103176"/>
+                <a:ext cx="180000" cy="180000"/>
+              </a:xfrm>
+              <a:prstGeom prst="ellipse">
+                <a:avLst/>
+              </a:prstGeom>
+              <a:solidFill>
+                <a:schemeClr val="bg1"/>
+              </a:solidFill>
+              <a:ln w="28575">
+                <a:solidFill>
+                  <a:srgbClr val="7030A0"/>
+                </a:solidFill>
+              </a:ln>
+            </p:spPr>
+            <p:style>
+              <a:lnRef idx="2">
+                <a:schemeClr val="accent1">
+                  <a:shade val="50000"/>
+                </a:schemeClr>
+              </a:lnRef>
+              <a:fillRef idx="1">
+                <a:schemeClr val="accent1"/>
+              </a:fillRef>
+              <a:effectRef idx="0">
+                <a:schemeClr val="accent1"/>
+              </a:effectRef>
+              <a:fontRef idx="minor">
+                <a:schemeClr val="lt1"/>
+              </a:fontRef>
+            </p:style>
+            <p:txBody>
+              <a:bodyPr rtlCol="0" anchor="ctr"/>
+              <a:lstStyle/>
+              <a:p>
+                <a:pPr algn="ctr"/>
+                <a:endParaRPr lang="fr-FR" dirty="0"/>
+              </a:p>
+            </p:txBody>
+          </p:sp>
+        </p:grpSp>
+        <p:grpSp>
+          <p:nvGrpSpPr>
+            <p:cNvPr id="84" name="Groupe 83">
+              <a:extLst>
+                <a:ext uri="{FF2B5EF4-FFF2-40B4-BE49-F238E27FC236}">
+                  <a16:creationId xmlns:a16="http://schemas.microsoft.com/office/drawing/2014/main" id="{C8BBB72A-DE73-F340-7785-32C84C375481}"/>
+                </a:ext>
+              </a:extLst>
+            </p:cNvPr>
+            <p:cNvGrpSpPr/>
+            <p:nvPr/>
+          </p:nvGrpSpPr>
+          <p:grpSpPr>
+            <a:xfrm>
+              <a:off x="5316761" y="5438312"/>
+              <a:ext cx="594223" cy="308781"/>
+              <a:chOff x="5230157" y="3587641"/>
+              <a:chExt cx="594223" cy="308781"/>
+            </a:xfrm>
+          </p:grpSpPr>
+          <p:cxnSp>
+            <p:nvCxnSpPr>
+              <p:cNvPr id="86" name="Connecteur droit 85">
+                <a:extLst>
+                  <a:ext uri="{FF2B5EF4-FFF2-40B4-BE49-F238E27FC236}">
+                    <a16:creationId xmlns:a16="http://schemas.microsoft.com/office/drawing/2014/main" id="{82939CBE-156A-7889-A662-CCFCA1D17EB3}"/>
+                  </a:ext>
+                </a:extLst>
+              </p:cNvPr>
+              <p:cNvCxnSpPr>
+                <a:cxnSpLocks/>
+              </p:cNvCxnSpPr>
+              <p:nvPr/>
+            </p:nvCxnSpPr>
+            <p:spPr>
+              <a:xfrm flipH="1">
+                <a:off x="5824015" y="3587641"/>
+                <a:ext cx="365" cy="308781"/>
+              </a:xfrm>
+              <a:prstGeom prst="line">
+                <a:avLst/>
+              </a:prstGeom>
+              <a:noFill/>
+              <a:ln w="28575">
+                <a:solidFill>
+                  <a:schemeClr val="tx1"/>
+                </a:solidFill>
+              </a:ln>
+            </p:spPr>
+            <p:style>
+              <a:lnRef idx="2">
+                <a:schemeClr val="accent1">
+                  <a:shade val="50000"/>
+                </a:schemeClr>
+              </a:lnRef>
+              <a:fillRef idx="1">
+                <a:schemeClr val="accent1"/>
+              </a:fillRef>
+              <a:effectRef idx="0">
+                <a:schemeClr val="accent1"/>
+              </a:effectRef>
+              <a:fontRef idx="minor">
+                <a:schemeClr val="lt1"/>
+              </a:fontRef>
+            </p:style>
+          </p:cxnSp>
+          <p:cxnSp>
+            <p:nvCxnSpPr>
+              <p:cNvPr id="87" name="Connecteur droit 86">
+                <a:extLst>
+                  <a:ext uri="{FF2B5EF4-FFF2-40B4-BE49-F238E27FC236}">
+                    <a16:creationId xmlns:a16="http://schemas.microsoft.com/office/drawing/2014/main" id="{6DB2B65B-6909-DE48-5B62-EC617889A870}"/>
+                  </a:ext>
+                </a:extLst>
+              </p:cNvPr>
+              <p:cNvCxnSpPr>
+                <a:cxnSpLocks/>
+              </p:cNvCxnSpPr>
+              <p:nvPr/>
+            </p:nvCxnSpPr>
+            <p:spPr>
+              <a:xfrm flipH="1" flipV="1">
+                <a:off x="5230157" y="3896422"/>
+                <a:ext cx="593858" cy="0"/>
+              </a:xfrm>
+              <a:prstGeom prst="line">
+                <a:avLst/>
+              </a:prstGeom>
+              <a:noFill/>
+              <a:ln w="28575">
+                <a:solidFill>
+                  <a:schemeClr val="tx1"/>
+                </a:solidFill>
+              </a:ln>
+            </p:spPr>
+            <p:style>
+              <a:lnRef idx="2">
+                <a:schemeClr val="accent1">
+                  <a:shade val="50000"/>
+                </a:schemeClr>
+              </a:lnRef>
+              <a:fillRef idx="1">
+                <a:schemeClr val="accent1"/>
+              </a:fillRef>
+              <a:effectRef idx="0">
+                <a:schemeClr val="accent1"/>
+              </a:effectRef>
+              <a:fontRef idx="minor">
+                <a:schemeClr val="lt1"/>
+              </a:fontRef>
+            </p:style>
+          </p:cxnSp>
+        </p:grpSp>
+      </p:grpSp>
+      <p:cxnSp>
+        <p:nvCxnSpPr>
+          <p:cNvPr id="89" name="Connecteur droit 88">
+            <a:extLst>
+              <a:ext uri="{FF2B5EF4-FFF2-40B4-BE49-F238E27FC236}">
+                <a16:creationId xmlns:a16="http://schemas.microsoft.com/office/drawing/2014/main" id="{274AF6E0-F671-A35E-392E-49B6B601B4F4}"/>
+              </a:ext>
+            </a:extLst>
+          </p:cNvPr>
+          <p:cNvCxnSpPr>
+            <a:cxnSpLocks/>
+            <a:stCxn id="82" idx="5"/>
+            <a:endCxn id="83" idx="5"/>
+          </p:cNvCxnSpPr>
+          <p:nvPr/>
+        </p:nvCxnSpPr>
+        <p:spPr>
+          <a:xfrm flipH="1" flipV="1">
+            <a:off x="5947411" y="5418760"/>
+            <a:ext cx="63639" cy="63639"/>
+          </a:xfrm>
+          <a:prstGeom prst="line">
+            <a:avLst/>
+          </a:prstGeom>
+          <a:solidFill>
+            <a:schemeClr val="bg1"/>
+          </a:solidFill>
+          <a:ln w="28575">
+            <a:solidFill>
+              <a:srgbClr val="7030A0"/>
+            </a:solidFill>
+          </a:ln>
+        </p:spPr>
+        <p:style>
+          <a:lnRef idx="2">
+            <a:schemeClr val="accent1">
+              <a:shade val="50000"/>
+            </a:schemeClr>
+          </a:lnRef>
+          <a:fillRef idx="1">
+            <a:schemeClr val="accent1"/>
+          </a:fillRef>
+          <a:effectRef idx="0">
+            <a:schemeClr val="accent1"/>
+          </a:effectRef>
+          <a:fontRef idx="minor">
+            <a:schemeClr val="lt1"/>
+          </a:fontRef>
+        </p:style>
+      </p:cxnSp>
+      <p:grpSp>
+        <p:nvGrpSpPr>
+          <p:cNvPr id="41" name="Groupe 40">
+            <a:extLst>
+              <a:ext uri="{FF2B5EF4-FFF2-40B4-BE49-F238E27FC236}">
+                <a16:creationId xmlns:a16="http://schemas.microsoft.com/office/drawing/2014/main" id="{39E7F896-73CF-EEA6-17B9-AFF0E81441B6}"/>
+              </a:ext>
+            </a:extLst>
+          </p:cNvPr>
+          <p:cNvGrpSpPr/>
+          <p:nvPr/>
+        </p:nvGrpSpPr>
+        <p:grpSpPr>
+          <a:xfrm>
+            <a:off x="4657778" y="3950667"/>
+            <a:ext cx="719636" cy="432048"/>
+            <a:chOff x="204247" y="1842525"/>
+            <a:chExt cx="719636" cy="432048"/>
+          </a:xfrm>
+        </p:grpSpPr>
+        <p:sp>
+          <p:nvSpPr>
+            <p:cNvPr id="42" name="Ellipse 41">
+              <a:extLst>
+                <a:ext uri="{FF2B5EF4-FFF2-40B4-BE49-F238E27FC236}">
+                  <a16:creationId xmlns:a16="http://schemas.microsoft.com/office/drawing/2014/main" id="{DEF518C0-E2CE-7AEE-CD36-5B978DD101D7}"/>
+                </a:ext>
+              </a:extLst>
+            </p:cNvPr>
+            <p:cNvSpPr/>
+            <p:nvPr/>
+          </p:nvSpPr>
+          <p:spPr>
+            <a:xfrm>
+              <a:off x="204247" y="1991610"/>
+              <a:ext cx="180000" cy="180000"/>
+            </a:xfrm>
+            <a:prstGeom prst="ellipse">
+              <a:avLst/>
+            </a:prstGeom>
+            <a:noFill/>
+            <a:ln w="19050">
+              <a:solidFill>
+                <a:schemeClr val="tx1"/>
+              </a:solidFill>
+            </a:ln>
+          </p:spPr>
+          <p:style>
+            <a:lnRef idx="2">
+              <a:schemeClr val="accent1">
+                <a:shade val="50000"/>
+              </a:schemeClr>
+            </a:lnRef>
+            <a:fillRef idx="1">
+              <a:schemeClr val="accent1"/>
+            </a:fillRef>
+            <a:effectRef idx="0">
+              <a:schemeClr val="accent1"/>
+            </a:effectRef>
+            <a:fontRef idx="minor">
+              <a:schemeClr val="lt1"/>
+            </a:fontRef>
+          </p:style>
+          <p:txBody>
+            <a:bodyPr rtlCol="0" anchor="ctr"/>
+            <a:lstStyle/>
+            <a:p>
+              <a:pPr algn="ctr"/>
+              <a:r>
+                <a:rPr lang="fr-FR" sz="1050" b="1" dirty="0">
+                  <a:solidFill>
+                    <a:schemeClr val="tx1"/>
+                  </a:solidFill>
+                </a:rPr>
+                <a:t>0</a:t>
+              </a:r>
+              <a:endParaRPr lang="fr-FR" sz="1400" b="1" dirty="0">
+                <a:solidFill>
+                  <a:schemeClr val="tx1"/>
+                </a:solidFill>
+              </a:endParaRPr>
+            </a:p>
+          </p:txBody>
+        </p:sp>
+        <p:grpSp>
+          <p:nvGrpSpPr>
+            <p:cNvPr id="43" name="Groupe 42">
+              <a:extLst>
+                <a:ext uri="{FF2B5EF4-FFF2-40B4-BE49-F238E27FC236}">
+                  <a16:creationId xmlns:a16="http://schemas.microsoft.com/office/drawing/2014/main" id="{C8CF0BFF-6C86-F6E4-86E1-3973F8FE7078}"/>
+                </a:ext>
+              </a:extLst>
+            </p:cNvPr>
+            <p:cNvGrpSpPr/>
+            <p:nvPr/>
+          </p:nvGrpSpPr>
+          <p:grpSpPr>
+            <a:xfrm rot="5400000">
+              <a:off x="387498" y="1914533"/>
+              <a:ext cx="432048" cy="288031"/>
+              <a:chOff x="2286259" y="3513708"/>
+              <a:chExt cx="432048" cy="288031"/>
+            </a:xfrm>
+          </p:grpSpPr>
+          <p:sp>
+            <p:nvSpPr>
+              <p:cNvPr id="47" name="Forme libre : forme 46">
+                <a:extLst>
+                  <a:ext uri="{FF2B5EF4-FFF2-40B4-BE49-F238E27FC236}">
+                    <a16:creationId xmlns:a16="http://schemas.microsoft.com/office/drawing/2014/main" id="{B8D32C83-6D5B-7C57-F8F5-6C5198FCE9D2}"/>
+                  </a:ext>
+                </a:extLst>
+              </p:cNvPr>
+              <p:cNvSpPr/>
+              <p:nvPr/>
+            </p:nvSpPr>
+            <p:spPr>
+              <a:xfrm>
+                <a:off x="2302852" y="3655813"/>
+                <a:ext cx="415449" cy="145926"/>
+              </a:xfrm>
+              <a:custGeom>
+                <a:avLst/>
+                <a:gdLst>
+                  <a:gd name="connsiteX0" fmla="*/ 0 w 400050"/>
+                  <a:gd name="connsiteY0" fmla="*/ 6350 h 134622"/>
+                  <a:gd name="connsiteX1" fmla="*/ 63500 w 400050"/>
+                  <a:gd name="connsiteY1" fmla="*/ 114300 h 134622"/>
+                  <a:gd name="connsiteX2" fmla="*/ 203200 w 400050"/>
+                  <a:gd name="connsiteY2" fmla="*/ 69850 h 134622"/>
+                  <a:gd name="connsiteX3" fmla="*/ 304800 w 400050"/>
+                  <a:gd name="connsiteY3" fmla="*/ 133350 h 134622"/>
+                  <a:gd name="connsiteX4" fmla="*/ 400050 w 400050"/>
+                  <a:gd name="connsiteY4" fmla="*/ 0 h 134622"/>
+                </a:gdLst>
+                <a:ahLst/>
+                <a:cxnLst>
+                  <a:cxn ang="0">
+                    <a:pos x="connsiteX0" y="connsiteY0"/>
+                  </a:cxn>
+                  <a:cxn ang="0">
+                    <a:pos x="connsiteX1" y="connsiteY1"/>
+                  </a:cxn>
+                  <a:cxn ang="0">
+                    <a:pos x="connsiteX2" y="connsiteY2"/>
+                  </a:cxn>
+                  <a:cxn ang="0">
+                    <a:pos x="connsiteX3" y="connsiteY3"/>
+                  </a:cxn>
+                  <a:cxn ang="0">
+                    <a:pos x="connsiteX4" y="connsiteY4"/>
+                  </a:cxn>
+                </a:cxnLst>
+                <a:rect l="l" t="t" r="r" b="b"/>
+                <a:pathLst>
+                  <a:path w="400050" h="134622">
+                    <a:moveTo>
+                      <a:pt x="0" y="6350"/>
+                    </a:moveTo>
+                    <a:cubicBezTo>
+                      <a:pt x="14816" y="55033"/>
+                      <a:pt x="29633" y="103717"/>
+                      <a:pt x="63500" y="114300"/>
+                    </a:cubicBezTo>
+                    <a:cubicBezTo>
+                      <a:pt x="97367" y="124883"/>
+                      <a:pt x="162983" y="66675"/>
+                      <a:pt x="203200" y="69850"/>
+                    </a:cubicBezTo>
+                    <a:cubicBezTo>
+                      <a:pt x="243417" y="73025"/>
+                      <a:pt x="271992" y="144992"/>
+                      <a:pt x="304800" y="133350"/>
+                    </a:cubicBezTo>
+                    <a:cubicBezTo>
+                      <a:pt x="337608" y="121708"/>
+                      <a:pt x="368829" y="60854"/>
+                      <a:pt x="400050" y="0"/>
+                    </a:cubicBezTo>
+                  </a:path>
+                </a:pathLst>
+              </a:custGeom>
+              <a:solidFill>
+                <a:schemeClr val="bg1">
+                  <a:lumMod val="85000"/>
+                </a:schemeClr>
+              </a:solidFill>
+              <a:ln w="19050">
+                <a:solidFill>
+                  <a:schemeClr val="tx1"/>
+                </a:solidFill>
+              </a:ln>
+            </p:spPr>
+            <p:style>
+              <a:lnRef idx="2">
+                <a:schemeClr val="accent1">
+                  <a:shade val="50000"/>
+                </a:schemeClr>
+              </a:lnRef>
+              <a:fillRef idx="1">
+                <a:schemeClr val="accent1"/>
+              </a:fillRef>
+              <a:effectRef idx="0">
+                <a:schemeClr val="accent1"/>
+              </a:effectRef>
+              <a:fontRef idx="minor">
+                <a:schemeClr val="lt1"/>
+              </a:fontRef>
+            </p:style>
+            <p:txBody>
+              <a:bodyPr rtlCol="0" anchor="ctr"/>
+              <a:lstStyle/>
+              <a:p>
+                <a:pPr algn="ctr"/>
+                <a:endParaRPr lang="fr-FR"/>
+              </a:p>
+            </p:txBody>
+          </p:sp>
+          <p:cxnSp>
+            <p:nvCxnSpPr>
+              <p:cNvPr id="48" name="Connecteur droit 47">
+                <a:extLst>
+                  <a:ext uri="{FF2B5EF4-FFF2-40B4-BE49-F238E27FC236}">
+                    <a16:creationId xmlns:a16="http://schemas.microsoft.com/office/drawing/2014/main" id="{1A222FBA-3DB6-238F-4766-CE0FD4BEE643}"/>
+                  </a:ext>
+                </a:extLst>
+              </p:cNvPr>
+              <p:cNvCxnSpPr>
+                <a:cxnSpLocks/>
+              </p:cNvCxnSpPr>
+              <p:nvPr/>
+            </p:nvCxnSpPr>
+            <p:spPr>
+              <a:xfrm>
+                <a:off x="2502283" y="3513708"/>
+                <a:ext cx="0" cy="142105"/>
+              </a:xfrm>
+              <a:prstGeom prst="line">
+                <a:avLst/>
+              </a:prstGeom>
+              <a:noFill/>
+              <a:ln w="28575">
+                <a:solidFill>
+                  <a:schemeClr val="tx1"/>
+                </a:solidFill>
+              </a:ln>
+            </p:spPr>
+            <p:style>
+              <a:lnRef idx="2">
+                <a:schemeClr val="accent1">
+                  <a:shade val="50000"/>
+                </a:schemeClr>
+              </a:lnRef>
+              <a:fillRef idx="1">
+                <a:schemeClr val="accent1"/>
+              </a:fillRef>
+              <a:effectRef idx="0">
+                <a:schemeClr val="accent1"/>
+              </a:effectRef>
+              <a:fontRef idx="minor">
+                <a:schemeClr val="lt1"/>
+              </a:fontRef>
+            </p:style>
+          </p:cxnSp>
+          <p:cxnSp>
+            <p:nvCxnSpPr>
+              <p:cNvPr id="49" name="Connecteur droit 48">
+                <a:extLst>
+                  <a:ext uri="{FF2B5EF4-FFF2-40B4-BE49-F238E27FC236}">
+                    <a16:creationId xmlns:a16="http://schemas.microsoft.com/office/drawing/2014/main" id="{F9371F03-07D3-7C6D-E507-FA21D66310BB}"/>
+                  </a:ext>
+                </a:extLst>
+              </p:cNvPr>
+              <p:cNvCxnSpPr>
+                <a:cxnSpLocks/>
+              </p:cNvCxnSpPr>
+              <p:nvPr/>
+            </p:nvCxnSpPr>
+            <p:spPr>
+              <a:xfrm flipH="1">
+                <a:off x="2286259" y="3659633"/>
+                <a:ext cx="432048" cy="0"/>
+              </a:xfrm>
+              <a:prstGeom prst="line">
+                <a:avLst/>
+              </a:prstGeom>
+              <a:noFill/>
+              <a:ln w="28575">
+                <a:solidFill>
+                  <a:schemeClr val="tx1"/>
+                </a:solidFill>
+              </a:ln>
+            </p:spPr>
+            <p:style>
+              <a:lnRef idx="2">
+                <a:schemeClr val="accent1">
+                  <a:shade val="50000"/>
+                </a:schemeClr>
+              </a:lnRef>
+              <a:fillRef idx="1">
+                <a:schemeClr val="accent1"/>
+              </a:fillRef>
+              <a:effectRef idx="0">
+                <a:schemeClr val="accent1"/>
+              </a:effectRef>
+              <a:fontRef idx="minor">
+                <a:schemeClr val="lt1"/>
+              </a:fontRef>
+            </p:style>
+          </p:cxnSp>
+        </p:grpSp>
+        <p:sp>
+          <p:nvSpPr>
+            <p:cNvPr id="46" name="Rectangle 45">
+              <a:extLst>
+                <a:ext uri="{FF2B5EF4-FFF2-40B4-BE49-F238E27FC236}">
+                  <a16:creationId xmlns:a16="http://schemas.microsoft.com/office/drawing/2014/main" id="{DBC56295-872C-B4FE-FB8C-618ECE89DE16}"/>
+                </a:ext>
+              </a:extLst>
+            </p:cNvPr>
+            <p:cNvSpPr/>
+            <p:nvPr/>
+          </p:nvSpPr>
+          <p:spPr>
+            <a:xfrm rot="16200000">
+              <a:off x="653883" y="1977014"/>
+              <a:ext cx="360000" cy="180000"/>
+            </a:xfrm>
+            <a:prstGeom prst="rect">
+              <a:avLst/>
+            </a:prstGeom>
+            <a:solidFill>
+              <a:schemeClr val="bg1"/>
+            </a:solidFill>
+            <a:ln w="28575">
+              <a:solidFill>
+                <a:schemeClr val="tx1"/>
+              </a:solidFill>
+            </a:ln>
+          </p:spPr>
+          <p:style>
+            <a:lnRef idx="2">
+              <a:schemeClr val="accent1">
+                <a:shade val="50000"/>
+              </a:schemeClr>
+            </a:lnRef>
+            <a:fillRef idx="1">
+              <a:schemeClr val="accent1"/>
+            </a:fillRef>
+            <a:effectRef idx="0">
+              <a:schemeClr val="accent1"/>
+            </a:effectRef>
+            <a:fontRef idx="minor">
+              <a:schemeClr val="lt1"/>
+            </a:fontRef>
+          </p:style>
+          <p:txBody>
+            <a:bodyPr rtlCol="0" anchor="ctr"/>
+            <a:lstStyle/>
+            <a:p>
+              <a:pPr algn="ctr"/>
+              <a:endParaRPr lang="fr-FR"/>
+            </a:p>
+          </p:txBody>
+        </p:sp>
+      </p:grpSp>
+      <p:sp>
+        <p:nvSpPr>
+          <p:cNvPr id="97" name="Rectangle 96">
+            <a:extLst>
+              <a:ext uri="{FF2B5EF4-FFF2-40B4-BE49-F238E27FC236}">
+                <a16:creationId xmlns:a16="http://schemas.microsoft.com/office/drawing/2014/main" id="{D198EEF5-6107-3871-4C34-C23ED2C7CAF6}"/>
+              </a:ext>
+            </a:extLst>
+          </p:cNvPr>
+          <p:cNvSpPr/>
+          <p:nvPr/>
+        </p:nvSpPr>
+        <p:spPr>
+          <a:xfrm rot="16200000">
+            <a:off x="5985741" y="5265120"/>
+            <a:ext cx="360000" cy="180000"/>
+          </a:xfrm>
+          <a:prstGeom prst="rect">
+            <a:avLst/>
+          </a:prstGeom>
+          <a:solidFill>
+            <a:schemeClr val="bg1"/>
+          </a:solidFill>
+          <a:ln w="28575">
+            <a:solidFill>
+              <a:schemeClr val="accent6">
+                <a:lumMod val="75000"/>
+              </a:schemeClr>
+            </a:solidFill>
+          </a:ln>
+        </p:spPr>
+        <p:style>
+          <a:lnRef idx="2">
+            <a:schemeClr val="accent1">
+              <a:shade val="50000"/>
+            </a:schemeClr>
+          </a:lnRef>
+          <a:fillRef idx="1">
+            <a:schemeClr val="accent1"/>
+          </a:fillRef>
+          <a:effectRef idx="0">
+            <a:schemeClr val="accent1"/>
+          </a:effectRef>
+          <a:fontRef idx="minor">
+            <a:schemeClr val="lt1"/>
+          </a:fontRef>
+        </p:style>
+        <p:txBody>
+          <a:bodyPr rtlCol="0" anchor="ctr"/>
+          <a:lstStyle/>
+          <a:p>
+            <a:pPr algn="ctr"/>
+            <a:endParaRPr lang="fr-FR"/>
+          </a:p>
+        </p:txBody>
+      </p:sp>
+      <p:sp>
+        <p:nvSpPr>
+          <p:cNvPr id="99" name="Signe de multiplication 98">
+            <a:extLst>
+              <a:ext uri="{FF2B5EF4-FFF2-40B4-BE49-F238E27FC236}">
+                <a16:creationId xmlns:a16="http://schemas.microsoft.com/office/drawing/2014/main" id="{B06F8789-826C-CC54-DFF2-1CB569338618}"/>
+              </a:ext>
+            </a:extLst>
+          </p:cNvPr>
+          <p:cNvSpPr/>
+          <p:nvPr/>
+        </p:nvSpPr>
+        <p:spPr>
+          <a:xfrm>
+            <a:off x="6056691" y="5246634"/>
+            <a:ext cx="215998" cy="216970"/>
+          </a:xfrm>
+          <a:prstGeom prst="mathMultiply">
+            <a:avLst>
+              <a:gd name="adj1" fmla="val 11026"/>
+            </a:avLst>
+          </a:prstGeom>
+          <a:solidFill>
+            <a:schemeClr val="accent6">
+              <a:lumMod val="75000"/>
+            </a:schemeClr>
+          </a:solidFill>
+          <a:ln>
+            <a:noFill/>
+          </a:ln>
+        </p:spPr>
+        <p:style>
+          <a:lnRef idx="2">
+            <a:schemeClr val="accent1">
+              <a:shade val="50000"/>
+            </a:schemeClr>
+          </a:lnRef>
+          <a:fillRef idx="1">
+            <a:schemeClr val="accent1"/>
+          </a:fillRef>
+          <a:effectRef idx="0">
+            <a:schemeClr val="accent1"/>
+          </a:effectRef>
+          <a:fontRef idx="minor">
+            <a:schemeClr val="lt1"/>
+          </a:fontRef>
+        </p:style>
+        <p:txBody>
+          <a:bodyPr rtlCol="0" anchor="ctr"/>
+          <a:lstStyle/>
+          <a:p>
+            <a:pPr algn="ctr"/>
+            <a:endParaRPr lang="fr-FR"/>
+          </a:p>
+        </p:txBody>
+      </p:sp>
+      <p:cxnSp>
+        <p:nvCxnSpPr>
+          <p:cNvPr id="101" name="Connecteur droit 100">
+            <a:extLst>
+              <a:ext uri="{FF2B5EF4-FFF2-40B4-BE49-F238E27FC236}">
+                <a16:creationId xmlns:a16="http://schemas.microsoft.com/office/drawing/2014/main" id="{844929A0-1D83-445B-B354-BE2B6BFD8237}"/>
+              </a:ext>
+            </a:extLst>
+          </p:cNvPr>
+          <p:cNvCxnSpPr>
+            <a:cxnSpLocks/>
+          </p:cNvCxnSpPr>
+          <p:nvPr/>
+        </p:nvCxnSpPr>
+        <p:spPr>
+          <a:xfrm>
+            <a:off x="6164690" y="5525003"/>
+            <a:ext cx="0" cy="360000"/>
+          </a:xfrm>
+          <a:prstGeom prst="line">
+            <a:avLst/>
+          </a:prstGeom>
+          <a:solidFill>
+            <a:schemeClr val="bg1"/>
+          </a:solidFill>
+          <a:ln w="28575">
+            <a:solidFill>
+              <a:schemeClr val="accent6">
+                <a:lumMod val="75000"/>
+              </a:schemeClr>
+            </a:solidFill>
+          </a:ln>
+        </p:spPr>
+        <p:style>
+          <a:lnRef idx="2">
+            <a:schemeClr val="accent1">
+              <a:shade val="50000"/>
+            </a:schemeClr>
+          </a:lnRef>
+          <a:fillRef idx="1">
+            <a:schemeClr val="accent1"/>
+          </a:fillRef>
+          <a:effectRef idx="0">
+            <a:schemeClr val="accent1"/>
+          </a:effectRef>
+          <a:fontRef idx="minor">
+            <a:schemeClr val="lt1"/>
+          </a:fontRef>
+        </p:style>
+      </p:cxnSp>
+      <p:grpSp>
+        <p:nvGrpSpPr>
+          <p:cNvPr id="102" name="Groupe 101">
+            <a:extLst>
+              <a:ext uri="{FF2B5EF4-FFF2-40B4-BE49-F238E27FC236}">
+                <a16:creationId xmlns:a16="http://schemas.microsoft.com/office/drawing/2014/main" id="{0A57F1A0-7400-1514-F1A0-6CD8FF831CFB}"/>
+              </a:ext>
+            </a:extLst>
+          </p:cNvPr>
+          <p:cNvGrpSpPr/>
+          <p:nvPr/>
+        </p:nvGrpSpPr>
+        <p:grpSpPr>
+          <a:xfrm rot="10800000">
+            <a:off x="6075741" y="4527579"/>
+            <a:ext cx="464377" cy="432048"/>
+            <a:chOff x="459506" y="1842525"/>
+            <a:chExt cx="464377" cy="432048"/>
+          </a:xfrm>
+        </p:grpSpPr>
+        <p:grpSp>
+          <p:nvGrpSpPr>
+            <p:cNvPr id="104" name="Groupe 103">
+              <a:extLst>
+                <a:ext uri="{FF2B5EF4-FFF2-40B4-BE49-F238E27FC236}">
+                  <a16:creationId xmlns:a16="http://schemas.microsoft.com/office/drawing/2014/main" id="{EBDC3CA1-205A-1A85-46E1-CD9725B6A18A}"/>
+                </a:ext>
+              </a:extLst>
+            </p:cNvPr>
+            <p:cNvGrpSpPr/>
+            <p:nvPr/>
+          </p:nvGrpSpPr>
+          <p:grpSpPr>
+            <a:xfrm rot="5400000">
+              <a:off x="387498" y="1914533"/>
+              <a:ext cx="432048" cy="288031"/>
+              <a:chOff x="2286259" y="3513708"/>
+              <a:chExt cx="432048" cy="288031"/>
+            </a:xfrm>
+          </p:grpSpPr>
+          <p:sp>
+            <p:nvSpPr>
+              <p:cNvPr id="106" name="Forme libre : forme 105">
+                <a:extLst>
+                  <a:ext uri="{FF2B5EF4-FFF2-40B4-BE49-F238E27FC236}">
+                    <a16:creationId xmlns:a16="http://schemas.microsoft.com/office/drawing/2014/main" id="{268ECBF1-1546-6680-14B9-0E0B42FDCDDB}"/>
+                  </a:ext>
+                </a:extLst>
+              </p:cNvPr>
+              <p:cNvSpPr/>
+              <p:nvPr/>
+            </p:nvSpPr>
+            <p:spPr>
+              <a:xfrm>
+                <a:off x="2302852" y="3655813"/>
+                <a:ext cx="415449" cy="145926"/>
+              </a:xfrm>
+              <a:custGeom>
+                <a:avLst/>
+                <a:gdLst>
+                  <a:gd name="connsiteX0" fmla="*/ 0 w 400050"/>
+                  <a:gd name="connsiteY0" fmla="*/ 6350 h 134622"/>
+                  <a:gd name="connsiteX1" fmla="*/ 63500 w 400050"/>
+                  <a:gd name="connsiteY1" fmla="*/ 114300 h 134622"/>
+                  <a:gd name="connsiteX2" fmla="*/ 203200 w 400050"/>
+                  <a:gd name="connsiteY2" fmla="*/ 69850 h 134622"/>
+                  <a:gd name="connsiteX3" fmla="*/ 304800 w 400050"/>
+                  <a:gd name="connsiteY3" fmla="*/ 133350 h 134622"/>
+                  <a:gd name="connsiteX4" fmla="*/ 400050 w 400050"/>
+                  <a:gd name="connsiteY4" fmla="*/ 0 h 134622"/>
+                </a:gdLst>
+                <a:ahLst/>
+                <a:cxnLst>
+                  <a:cxn ang="0">
+                    <a:pos x="connsiteX0" y="connsiteY0"/>
+                  </a:cxn>
+                  <a:cxn ang="0">
+                    <a:pos x="connsiteX1" y="connsiteY1"/>
+                  </a:cxn>
+                  <a:cxn ang="0">
+                    <a:pos x="connsiteX2" y="connsiteY2"/>
+                  </a:cxn>
+                  <a:cxn ang="0">
+                    <a:pos x="connsiteX3" y="connsiteY3"/>
+                  </a:cxn>
+                  <a:cxn ang="0">
+                    <a:pos x="connsiteX4" y="connsiteY4"/>
+                  </a:cxn>
+                </a:cxnLst>
+                <a:rect l="l" t="t" r="r" b="b"/>
+                <a:pathLst>
+                  <a:path w="400050" h="134622">
+                    <a:moveTo>
+                      <a:pt x="0" y="6350"/>
+                    </a:moveTo>
+                    <a:cubicBezTo>
+                      <a:pt x="14816" y="55033"/>
+                      <a:pt x="29633" y="103717"/>
+                      <a:pt x="63500" y="114300"/>
+                    </a:cubicBezTo>
+                    <a:cubicBezTo>
+                      <a:pt x="97367" y="124883"/>
+                      <a:pt x="162983" y="66675"/>
+                      <a:pt x="203200" y="69850"/>
+                    </a:cubicBezTo>
+                    <a:cubicBezTo>
+                      <a:pt x="243417" y="73025"/>
+                      <a:pt x="271992" y="144992"/>
+                      <a:pt x="304800" y="133350"/>
+                    </a:cubicBezTo>
+                    <a:cubicBezTo>
+                      <a:pt x="337608" y="121708"/>
+                      <a:pt x="368829" y="60854"/>
+                      <a:pt x="400050" y="0"/>
+                    </a:cubicBezTo>
+                  </a:path>
+                </a:pathLst>
+              </a:custGeom>
+              <a:solidFill>
+                <a:schemeClr val="bg1">
+                  <a:lumMod val="85000"/>
+                </a:schemeClr>
+              </a:solidFill>
+              <a:ln w="19050">
+                <a:solidFill>
+                  <a:schemeClr val="tx1"/>
+                </a:solidFill>
+              </a:ln>
+            </p:spPr>
+            <p:style>
+              <a:lnRef idx="2">
+                <a:schemeClr val="accent1">
+                  <a:shade val="50000"/>
+                </a:schemeClr>
+              </a:lnRef>
+              <a:fillRef idx="1">
+                <a:schemeClr val="accent1"/>
+              </a:fillRef>
+              <a:effectRef idx="0">
+                <a:schemeClr val="accent1"/>
+              </a:effectRef>
+              <a:fontRef idx="minor">
+                <a:schemeClr val="lt1"/>
+              </a:fontRef>
+            </p:style>
+            <p:txBody>
+              <a:bodyPr rtlCol="0" anchor="ctr"/>
+              <a:lstStyle/>
+              <a:p>
+                <a:pPr algn="ctr"/>
+                <a:endParaRPr lang="fr-FR"/>
+              </a:p>
+            </p:txBody>
+          </p:sp>
+          <p:cxnSp>
+            <p:nvCxnSpPr>
+              <p:cNvPr id="107" name="Connecteur droit 106">
+                <a:extLst>
+                  <a:ext uri="{FF2B5EF4-FFF2-40B4-BE49-F238E27FC236}">
+                    <a16:creationId xmlns:a16="http://schemas.microsoft.com/office/drawing/2014/main" id="{3A1BDE1B-F069-7870-D409-04EB6E1B5316}"/>
+                  </a:ext>
+                </a:extLst>
+              </p:cNvPr>
+              <p:cNvCxnSpPr>
+                <a:cxnSpLocks/>
+              </p:cNvCxnSpPr>
+              <p:nvPr/>
+            </p:nvCxnSpPr>
+            <p:spPr>
+              <a:xfrm>
+                <a:off x="2502283" y="3513708"/>
+                <a:ext cx="0" cy="142105"/>
+              </a:xfrm>
+              <a:prstGeom prst="line">
+                <a:avLst/>
+              </a:prstGeom>
+              <a:noFill/>
+              <a:ln w="28575">
+                <a:solidFill>
+                  <a:schemeClr val="tx1"/>
+                </a:solidFill>
+              </a:ln>
+            </p:spPr>
+            <p:style>
+              <a:lnRef idx="2">
+                <a:schemeClr val="accent1">
+                  <a:shade val="50000"/>
+                </a:schemeClr>
+              </a:lnRef>
+              <a:fillRef idx="1">
+                <a:schemeClr val="accent1"/>
+              </a:fillRef>
+              <a:effectRef idx="0">
+                <a:schemeClr val="accent1"/>
+              </a:effectRef>
+              <a:fontRef idx="minor">
+                <a:schemeClr val="lt1"/>
+              </a:fontRef>
+            </p:style>
+          </p:cxnSp>
+          <p:cxnSp>
+            <p:nvCxnSpPr>
+              <p:cNvPr id="108" name="Connecteur droit 107">
+                <a:extLst>
+                  <a:ext uri="{FF2B5EF4-FFF2-40B4-BE49-F238E27FC236}">
+                    <a16:creationId xmlns:a16="http://schemas.microsoft.com/office/drawing/2014/main" id="{0BC680F0-195F-4B2C-108A-4454F7320A8E}"/>
+                  </a:ext>
+                </a:extLst>
+              </p:cNvPr>
+              <p:cNvCxnSpPr>
+                <a:cxnSpLocks/>
+              </p:cNvCxnSpPr>
+              <p:nvPr/>
+            </p:nvCxnSpPr>
+            <p:spPr>
+              <a:xfrm flipH="1">
+                <a:off x="2286259" y="3659633"/>
+                <a:ext cx="432048" cy="0"/>
+              </a:xfrm>
+              <a:prstGeom prst="line">
+                <a:avLst/>
+              </a:prstGeom>
+              <a:noFill/>
+              <a:ln w="28575">
+                <a:solidFill>
+                  <a:schemeClr val="tx1"/>
+                </a:solidFill>
+              </a:ln>
+            </p:spPr>
+            <p:style>
+              <a:lnRef idx="2">
+                <a:schemeClr val="accent1">
+                  <a:shade val="50000"/>
+                </a:schemeClr>
+              </a:lnRef>
+              <a:fillRef idx="1">
+                <a:schemeClr val="accent1"/>
+              </a:fillRef>
+              <a:effectRef idx="0">
+                <a:schemeClr val="accent1"/>
+              </a:effectRef>
+              <a:fontRef idx="minor">
+                <a:schemeClr val="lt1"/>
+              </a:fontRef>
+            </p:style>
+          </p:cxnSp>
+        </p:grpSp>
+        <p:sp>
+          <p:nvSpPr>
+            <p:cNvPr id="105" name="Rectangle 104">
+              <a:extLst>
+                <a:ext uri="{FF2B5EF4-FFF2-40B4-BE49-F238E27FC236}">
+                  <a16:creationId xmlns:a16="http://schemas.microsoft.com/office/drawing/2014/main" id="{C551D5E8-F484-FD34-D00F-1377F01F634B}"/>
+                </a:ext>
+              </a:extLst>
+            </p:cNvPr>
+            <p:cNvSpPr/>
+            <p:nvPr/>
+          </p:nvSpPr>
+          <p:spPr>
+            <a:xfrm rot="16200000">
+              <a:off x="653883" y="1977014"/>
+              <a:ext cx="360000" cy="180000"/>
+            </a:xfrm>
+            <a:prstGeom prst="rect">
+              <a:avLst/>
+            </a:prstGeom>
+            <a:solidFill>
+              <a:schemeClr val="bg1"/>
+            </a:solidFill>
+            <a:ln w="28575">
+              <a:solidFill>
+                <a:schemeClr val="tx1"/>
+              </a:solidFill>
+            </a:ln>
+          </p:spPr>
+          <p:style>
+            <a:lnRef idx="2">
+              <a:schemeClr val="accent1">
+                <a:shade val="50000"/>
+              </a:schemeClr>
+            </a:lnRef>
+            <a:fillRef idx="1">
+              <a:schemeClr val="accent1"/>
+            </a:fillRef>
+            <a:effectRef idx="0">
+              <a:schemeClr val="accent1"/>
+            </a:effectRef>
+            <a:fontRef idx="minor">
+              <a:schemeClr val="lt1"/>
+            </a:fontRef>
+          </p:style>
+          <p:txBody>
+            <a:bodyPr rtlCol="0" anchor="ctr"/>
+            <a:lstStyle/>
+            <a:p>
+              <a:pPr algn="ctr"/>
+              <a:endParaRPr lang="fr-FR"/>
+            </a:p>
+          </p:txBody>
+        </p:sp>
+      </p:grpSp>
+      <p:cxnSp>
+        <p:nvCxnSpPr>
+          <p:cNvPr id="100" name="Connecteur droit 99">
+            <a:extLst>
+              <a:ext uri="{FF2B5EF4-FFF2-40B4-BE49-F238E27FC236}">
+                <a16:creationId xmlns:a16="http://schemas.microsoft.com/office/drawing/2014/main" id="{C05CD707-755D-B98F-8BD4-BECE53BC9A79}"/>
+              </a:ext>
+            </a:extLst>
+          </p:cNvPr>
+          <p:cNvCxnSpPr>
+            <a:cxnSpLocks/>
+          </p:cNvCxnSpPr>
+          <p:nvPr/>
+        </p:nvCxnSpPr>
+        <p:spPr>
+          <a:xfrm>
+            <a:off x="6164690" y="4365104"/>
+            <a:ext cx="0" cy="810015"/>
+          </a:xfrm>
+          <a:prstGeom prst="line">
+            <a:avLst/>
+          </a:prstGeom>
+          <a:solidFill>
+            <a:schemeClr val="bg1"/>
+          </a:solidFill>
+          <a:ln w="28575">
+            <a:solidFill>
+              <a:schemeClr val="accent6">
+                <a:lumMod val="75000"/>
+              </a:schemeClr>
+            </a:solidFill>
+          </a:ln>
+        </p:spPr>
+        <p:style>
+          <a:lnRef idx="2">
+            <a:schemeClr val="accent1">
+              <a:shade val="50000"/>
+            </a:schemeClr>
+          </a:lnRef>
+          <a:fillRef idx="1">
+            <a:schemeClr val="accent1"/>
+          </a:fillRef>
+          <a:effectRef idx="0">
+            <a:schemeClr val="accent1"/>
+          </a:effectRef>
+          <a:fontRef idx="minor">
+            <a:schemeClr val="lt1"/>
+          </a:fontRef>
+        </p:style>
+      </p:cxnSp>
+      <p:cxnSp>
+        <p:nvCxnSpPr>
+          <p:cNvPr id="110" name="Connecteur droit 109">
+            <a:extLst>
+              <a:ext uri="{FF2B5EF4-FFF2-40B4-BE49-F238E27FC236}">
+                <a16:creationId xmlns:a16="http://schemas.microsoft.com/office/drawing/2014/main" id="{63E4D976-366D-0C2D-97D2-C8EFDAE66F3F}"/>
+              </a:ext>
+            </a:extLst>
+          </p:cNvPr>
+          <p:cNvCxnSpPr>
+            <a:cxnSpLocks/>
+          </p:cNvCxnSpPr>
+          <p:nvPr/>
+        </p:nvCxnSpPr>
+        <p:spPr>
+          <a:xfrm flipH="1">
+            <a:off x="6074690" y="4952878"/>
+            <a:ext cx="180000" cy="0"/>
+          </a:xfrm>
+          <a:prstGeom prst="line">
+            <a:avLst/>
+          </a:prstGeom>
+          <a:solidFill>
+            <a:schemeClr val="bg1"/>
+          </a:solidFill>
+          <a:ln w="28575">
+            <a:solidFill>
+              <a:schemeClr val="accent6">
+                <a:lumMod val="75000"/>
+              </a:schemeClr>
+            </a:solidFill>
+          </a:ln>
+        </p:spPr>
+        <p:style>
+          <a:lnRef idx="2">
+            <a:schemeClr val="accent1">
+              <a:shade val="50000"/>
+            </a:schemeClr>
+          </a:lnRef>
+          <a:fillRef idx="1">
+            <a:schemeClr val="accent1"/>
+          </a:fillRef>
+          <a:effectRef idx="0">
+            <a:schemeClr val="accent1"/>
+          </a:effectRef>
+          <a:fontRef idx="minor">
+            <a:schemeClr val="lt1"/>
+          </a:fontRef>
+        </p:style>
+      </p:cxnSp>
+      <p:cxnSp>
+        <p:nvCxnSpPr>
+          <p:cNvPr id="113" name="Connecteur droit 112">
+            <a:extLst>
+              <a:ext uri="{FF2B5EF4-FFF2-40B4-BE49-F238E27FC236}">
+                <a16:creationId xmlns:a16="http://schemas.microsoft.com/office/drawing/2014/main" id="{1E7C91BF-7743-02A8-F3DE-A57CD32A450F}"/>
+              </a:ext>
+            </a:extLst>
+          </p:cNvPr>
+          <p:cNvCxnSpPr>
+            <a:cxnSpLocks/>
+          </p:cNvCxnSpPr>
+          <p:nvPr/>
+        </p:nvCxnSpPr>
+        <p:spPr>
+          <a:xfrm flipH="1">
+            <a:off x="6074690" y="4513884"/>
+            <a:ext cx="180000" cy="0"/>
+          </a:xfrm>
+          <a:prstGeom prst="line">
+            <a:avLst/>
+          </a:prstGeom>
+          <a:solidFill>
+            <a:schemeClr val="bg1"/>
+          </a:solidFill>
+          <a:ln w="28575">
+            <a:solidFill>
+              <a:schemeClr val="accent6">
+                <a:lumMod val="75000"/>
+              </a:schemeClr>
+            </a:solidFill>
+          </a:ln>
+        </p:spPr>
+        <p:style>
+          <a:lnRef idx="2">
+            <a:schemeClr val="accent1">
+              <a:shade val="50000"/>
+            </a:schemeClr>
+          </a:lnRef>
+          <a:fillRef idx="1">
+            <a:schemeClr val="accent1"/>
+          </a:fillRef>
+          <a:effectRef idx="0">
+            <a:schemeClr val="accent1"/>
+          </a:effectRef>
+          <a:fontRef idx="minor">
+            <a:schemeClr val="lt1"/>
+          </a:fontRef>
+        </p:style>
+      </p:cxnSp>
+      <p:cxnSp>
+        <p:nvCxnSpPr>
+          <p:cNvPr id="114" name="Connecteur droit 113">
+            <a:extLst>
+              <a:ext uri="{FF2B5EF4-FFF2-40B4-BE49-F238E27FC236}">
+                <a16:creationId xmlns:a16="http://schemas.microsoft.com/office/drawing/2014/main" id="{EA27FE3D-FEF1-65E4-196A-BD35C35FDD5F}"/>
+              </a:ext>
+            </a:extLst>
+          </p:cNvPr>
+          <p:cNvCxnSpPr>
+            <a:cxnSpLocks/>
+          </p:cNvCxnSpPr>
+          <p:nvPr/>
+        </p:nvCxnSpPr>
+        <p:spPr>
+          <a:xfrm flipH="1">
+            <a:off x="5804690" y="5877272"/>
+            <a:ext cx="720000" cy="0"/>
+          </a:xfrm>
+          <a:prstGeom prst="line">
+            <a:avLst/>
+          </a:prstGeom>
+          <a:solidFill>
+            <a:schemeClr val="bg1"/>
+          </a:solidFill>
+          <a:ln w="28575">
+            <a:solidFill>
+              <a:schemeClr val="accent6">
+                <a:lumMod val="75000"/>
+              </a:schemeClr>
+            </a:solidFill>
+          </a:ln>
+        </p:spPr>
+        <p:style>
+          <a:lnRef idx="2">
+            <a:schemeClr val="accent1">
+              <a:shade val="50000"/>
+            </a:schemeClr>
+          </a:lnRef>
+          <a:fillRef idx="1">
+            <a:schemeClr val="accent1"/>
+          </a:fillRef>
+          <a:effectRef idx="0">
+            <a:schemeClr val="accent1"/>
+          </a:effectRef>
+          <a:fontRef idx="minor">
+            <a:schemeClr val="lt1"/>
+          </a:fontRef>
+        </p:style>
+      </p:cxnSp>
+      <p:cxnSp>
+        <p:nvCxnSpPr>
+          <p:cNvPr id="117" name="Connecteur droit 116">
+            <a:extLst>
+              <a:ext uri="{FF2B5EF4-FFF2-40B4-BE49-F238E27FC236}">
+                <a16:creationId xmlns:a16="http://schemas.microsoft.com/office/drawing/2014/main" id="{802075E9-74F3-A430-DFEA-76E81C76A90F}"/>
+              </a:ext>
+            </a:extLst>
+          </p:cNvPr>
+          <p:cNvCxnSpPr>
+            <a:cxnSpLocks/>
+          </p:cNvCxnSpPr>
+          <p:nvPr/>
+        </p:nvCxnSpPr>
+        <p:spPr>
+          <a:xfrm flipV="1">
+            <a:off x="5804438" y="5811394"/>
+            <a:ext cx="0" cy="131755"/>
+          </a:xfrm>
+          <a:prstGeom prst="line">
+            <a:avLst/>
+          </a:prstGeom>
+          <a:solidFill>
+            <a:schemeClr val="bg1"/>
+          </a:solidFill>
+          <a:ln w="28575">
+            <a:solidFill>
+              <a:schemeClr val="accent6">
+                <a:lumMod val="75000"/>
+              </a:schemeClr>
+            </a:solidFill>
+          </a:ln>
+        </p:spPr>
+        <p:style>
+          <a:lnRef idx="2">
+            <a:schemeClr val="accent1">
+              <a:shade val="50000"/>
+            </a:schemeClr>
+          </a:lnRef>
+          <a:fillRef idx="1">
+            <a:schemeClr val="accent1"/>
+          </a:fillRef>
+          <a:effectRef idx="0">
+            <a:schemeClr val="accent1"/>
+          </a:effectRef>
+          <a:fontRef idx="minor">
+            <a:schemeClr val="lt1"/>
+          </a:fontRef>
+        </p:style>
+      </p:cxnSp>
+      <p:cxnSp>
+        <p:nvCxnSpPr>
+          <p:cNvPr id="119" name="Connecteur droit 118">
+            <a:extLst>
+              <a:ext uri="{FF2B5EF4-FFF2-40B4-BE49-F238E27FC236}">
+                <a16:creationId xmlns:a16="http://schemas.microsoft.com/office/drawing/2014/main" id="{536E99C1-64CD-C35B-0CB7-1C879B194A60}"/>
+              </a:ext>
+            </a:extLst>
+          </p:cNvPr>
+          <p:cNvCxnSpPr>
+            <a:cxnSpLocks/>
+          </p:cNvCxnSpPr>
+          <p:nvPr/>
+        </p:nvCxnSpPr>
+        <p:spPr>
+          <a:xfrm flipV="1">
+            <a:off x="6516216" y="5811394"/>
+            <a:ext cx="0" cy="131755"/>
+          </a:xfrm>
+          <a:prstGeom prst="line">
+            <a:avLst/>
+          </a:prstGeom>
+          <a:solidFill>
+            <a:schemeClr val="bg1"/>
+          </a:solidFill>
+          <a:ln w="28575">
+            <a:solidFill>
+              <a:schemeClr val="accent6">
+                <a:lumMod val="75000"/>
+              </a:schemeClr>
+            </a:solidFill>
+          </a:ln>
+        </p:spPr>
+        <p:style>
+          <a:lnRef idx="2">
+            <a:schemeClr val="accent1">
+              <a:shade val="50000"/>
+            </a:schemeClr>
+          </a:lnRef>
+          <a:fillRef idx="1">
+            <a:schemeClr val="accent1"/>
+          </a:fillRef>
+          <a:effectRef idx="0">
+            <a:schemeClr val="accent1"/>
+          </a:effectRef>
+          <a:fontRef idx="minor">
+            <a:schemeClr val="lt1"/>
+          </a:fontRef>
+        </p:style>
+      </p:cxnSp>
+      <p:cxnSp>
+        <p:nvCxnSpPr>
+          <p:cNvPr id="120" name="Connecteur droit 119">
+            <a:extLst>
+              <a:ext uri="{FF2B5EF4-FFF2-40B4-BE49-F238E27FC236}">
+                <a16:creationId xmlns:a16="http://schemas.microsoft.com/office/drawing/2014/main" id="{2EDB5222-CEBB-554A-D4DB-E8091A569307}"/>
+              </a:ext>
+            </a:extLst>
+          </p:cNvPr>
+          <p:cNvCxnSpPr>
+            <a:cxnSpLocks/>
+          </p:cNvCxnSpPr>
+          <p:nvPr/>
+        </p:nvCxnSpPr>
+        <p:spPr>
+          <a:xfrm flipH="1">
+            <a:off x="6804500" y="5877271"/>
+            <a:ext cx="720000" cy="0"/>
+          </a:xfrm>
+          <a:prstGeom prst="line">
+            <a:avLst/>
+          </a:prstGeom>
+          <a:solidFill>
+            <a:schemeClr val="bg1"/>
+          </a:solidFill>
+          <a:ln w="28575">
+            <a:solidFill>
+              <a:srgbClr val="00B0F0"/>
+            </a:solidFill>
+          </a:ln>
+        </p:spPr>
+        <p:style>
+          <a:lnRef idx="2">
+            <a:schemeClr val="accent1">
+              <a:shade val="50000"/>
+            </a:schemeClr>
+          </a:lnRef>
+          <a:fillRef idx="1">
+            <a:schemeClr val="accent1"/>
+          </a:fillRef>
+          <a:effectRef idx="0">
+            <a:schemeClr val="accent1"/>
+          </a:effectRef>
+          <a:fontRef idx="minor">
+            <a:schemeClr val="lt1"/>
+          </a:fontRef>
+        </p:style>
+      </p:cxnSp>
+      <p:cxnSp>
+        <p:nvCxnSpPr>
+          <p:cNvPr id="122" name="Connecteur droit 121">
+            <a:extLst>
+              <a:ext uri="{FF2B5EF4-FFF2-40B4-BE49-F238E27FC236}">
+                <a16:creationId xmlns:a16="http://schemas.microsoft.com/office/drawing/2014/main" id="{9CE57489-42F0-5433-B2D5-FCA2E3E06FC9}"/>
+              </a:ext>
+            </a:extLst>
+          </p:cNvPr>
+          <p:cNvCxnSpPr>
+            <a:cxnSpLocks/>
+          </p:cNvCxnSpPr>
+          <p:nvPr/>
+        </p:nvCxnSpPr>
+        <p:spPr>
+          <a:xfrm flipV="1">
+            <a:off x="7524500" y="5811393"/>
+            <a:ext cx="0" cy="131755"/>
+          </a:xfrm>
+          <a:prstGeom prst="line">
+            <a:avLst/>
+          </a:prstGeom>
+          <a:solidFill>
+            <a:schemeClr val="bg1"/>
+          </a:solidFill>
+          <a:ln w="28575">
+            <a:solidFill>
+              <a:srgbClr val="00B0F0"/>
+            </a:solidFill>
+          </a:ln>
+        </p:spPr>
+        <p:style>
+          <a:lnRef idx="2">
+            <a:schemeClr val="accent1">
+              <a:shade val="50000"/>
+            </a:schemeClr>
+          </a:lnRef>
+          <a:fillRef idx="1">
+            <a:schemeClr val="accent1"/>
+          </a:fillRef>
+          <a:effectRef idx="0">
+            <a:schemeClr val="accent1"/>
+          </a:effectRef>
+          <a:fontRef idx="minor">
+            <a:schemeClr val="lt1"/>
+          </a:fontRef>
+        </p:style>
+      </p:cxnSp>
+      <p:grpSp>
+        <p:nvGrpSpPr>
+          <p:cNvPr id="132" name="Groupe 131">
+            <a:extLst>
+              <a:ext uri="{FF2B5EF4-FFF2-40B4-BE49-F238E27FC236}">
+                <a16:creationId xmlns:a16="http://schemas.microsoft.com/office/drawing/2014/main" id="{47BED192-F574-CD66-7D43-CFC1E8B6DB01}"/>
+              </a:ext>
+            </a:extLst>
+          </p:cNvPr>
+          <p:cNvGrpSpPr/>
+          <p:nvPr/>
+        </p:nvGrpSpPr>
+        <p:grpSpPr>
+          <a:xfrm>
+            <a:off x="7085054" y="5881749"/>
+            <a:ext cx="465428" cy="810015"/>
+            <a:chOff x="6709445" y="5877270"/>
+            <a:chExt cx="465428" cy="810015"/>
+          </a:xfrm>
+        </p:grpSpPr>
+        <p:grpSp>
+          <p:nvGrpSpPr>
+            <p:cNvPr id="123" name="Groupe 122">
+              <a:extLst>
+                <a:ext uri="{FF2B5EF4-FFF2-40B4-BE49-F238E27FC236}">
+                  <a16:creationId xmlns:a16="http://schemas.microsoft.com/office/drawing/2014/main" id="{162A1B57-12AC-2BE0-D6CB-0A6F97716DA3}"/>
+                </a:ext>
+              </a:extLst>
+            </p:cNvPr>
+            <p:cNvGrpSpPr/>
+            <p:nvPr/>
+          </p:nvGrpSpPr>
+          <p:grpSpPr>
+            <a:xfrm rot="10800000">
+              <a:off x="6710496" y="6039745"/>
+              <a:ext cx="464377" cy="432048"/>
+              <a:chOff x="459506" y="1842525"/>
+              <a:chExt cx="464377" cy="432048"/>
+            </a:xfrm>
+          </p:grpSpPr>
+          <p:grpSp>
+            <p:nvGrpSpPr>
+              <p:cNvPr id="124" name="Groupe 123">
+                <a:extLst>
+                  <a:ext uri="{FF2B5EF4-FFF2-40B4-BE49-F238E27FC236}">
+                    <a16:creationId xmlns:a16="http://schemas.microsoft.com/office/drawing/2014/main" id="{3EC506BF-0FCB-B35A-A071-7810B2D1B5A6}"/>
+                  </a:ext>
+                </a:extLst>
+              </p:cNvPr>
+              <p:cNvGrpSpPr/>
+              <p:nvPr/>
+            </p:nvGrpSpPr>
+            <p:grpSpPr>
+              <a:xfrm rot="5400000">
+                <a:off x="387498" y="1914533"/>
+                <a:ext cx="432048" cy="288031"/>
+                <a:chOff x="2286259" y="3513708"/>
+                <a:chExt cx="432048" cy="288031"/>
+              </a:xfrm>
+            </p:grpSpPr>
+            <p:sp>
+              <p:nvSpPr>
+                <p:cNvPr id="126" name="Forme libre : forme 125">
+                  <a:extLst>
+                    <a:ext uri="{FF2B5EF4-FFF2-40B4-BE49-F238E27FC236}">
+                      <a16:creationId xmlns:a16="http://schemas.microsoft.com/office/drawing/2014/main" id="{43FFC4CA-B09E-598C-1329-4254C6EC0014}"/>
+                    </a:ext>
+                  </a:extLst>
+                </p:cNvPr>
+                <p:cNvSpPr/>
+                <p:nvPr/>
+              </p:nvSpPr>
+              <p:spPr>
+                <a:xfrm>
+                  <a:off x="2302852" y="3655813"/>
+                  <a:ext cx="415449" cy="145926"/>
+                </a:xfrm>
+                <a:custGeom>
+                  <a:avLst/>
+                  <a:gdLst>
+                    <a:gd name="connsiteX0" fmla="*/ 0 w 400050"/>
+                    <a:gd name="connsiteY0" fmla="*/ 6350 h 134622"/>
+                    <a:gd name="connsiteX1" fmla="*/ 63500 w 400050"/>
+                    <a:gd name="connsiteY1" fmla="*/ 114300 h 134622"/>
+                    <a:gd name="connsiteX2" fmla="*/ 203200 w 400050"/>
+                    <a:gd name="connsiteY2" fmla="*/ 69850 h 134622"/>
+                    <a:gd name="connsiteX3" fmla="*/ 304800 w 400050"/>
+                    <a:gd name="connsiteY3" fmla="*/ 133350 h 134622"/>
+                    <a:gd name="connsiteX4" fmla="*/ 400050 w 400050"/>
+                    <a:gd name="connsiteY4" fmla="*/ 0 h 134622"/>
+                  </a:gdLst>
+                  <a:ahLst/>
+                  <a:cxnLst>
+                    <a:cxn ang="0">
+                      <a:pos x="connsiteX0" y="connsiteY0"/>
+                    </a:cxn>
+                    <a:cxn ang="0">
+                      <a:pos x="connsiteX1" y="connsiteY1"/>
+                    </a:cxn>
+                    <a:cxn ang="0">
+                      <a:pos x="connsiteX2" y="connsiteY2"/>
+                    </a:cxn>
+                    <a:cxn ang="0">
+                      <a:pos x="connsiteX3" y="connsiteY3"/>
+                    </a:cxn>
+                    <a:cxn ang="0">
+                      <a:pos x="connsiteX4" y="connsiteY4"/>
+                    </a:cxn>
+                  </a:cxnLst>
+                  <a:rect l="l" t="t" r="r" b="b"/>
+                  <a:pathLst>
+                    <a:path w="400050" h="134622">
+                      <a:moveTo>
+                        <a:pt x="0" y="6350"/>
+                      </a:moveTo>
+                      <a:cubicBezTo>
+                        <a:pt x="14816" y="55033"/>
+                        <a:pt x="29633" y="103717"/>
+                        <a:pt x="63500" y="114300"/>
+                      </a:cubicBezTo>
+                      <a:cubicBezTo>
+                        <a:pt x="97367" y="124883"/>
+                        <a:pt x="162983" y="66675"/>
+                        <a:pt x="203200" y="69850"/>
+                      </a:cubicBezTo>
+                      <a:cubicBezTo>
+                        <a:pt x="243417" y="73025"/>
+                        <a:pt x="271992" y="144992"/>
+                        <a:pt x="304800" y="133350"/>
+                      </a:cubicBezTo>
+                      <a:cubicBezTo>
+                        <a:pt x="337608" y="121708"/>
+                        <a:pt x="368829" y="60854"/>
+                        <a:pt x="400050" y="0"/>
+                      </a:cubicBezTo>
+                    </a:path>
+                  </a:pathLst>
+                </a:custGeom>
+                <a:solidFill>
+                  <a:schemeClr val="bg1">
+                    <a:lumMod val="85000"/>
+                  </a:schemeClr>
+                </a:solidFill>
+                <a:ln w="19050">
+                  <a:solidFill>
+                    <a:schemeClr val="tx1"/>
+                  </a:solidFill>
+                </a:ln>
+              </p:spPr>
+              <p:style>
+                <a:lnRef idx="2">
+                  <a:schemeClr val="accent1">
+                    <a:shade val="50000"/>
+                  </a:schemeClr>
+                </a:lnRef>
+                <a:fillRef idx="1">
+                  <a:schemeClr val="accent1"/>
+                </a:fillRef>
+                <a:effectRef idx="0">
+                  <a:schemeClr val="accent1"/>
+                </a:effectRef>
+                <a:fontRef idx="minor">
+                  <a:schemeClr val="lt1"/>
+                </a:fontRef>
+              </p:style>
+              <p:txBody>
+                <a:bodyPr rtlCol="0" anchor="ctr"/>
+                <a:lstStyle/>
+                <a:p>
+                  <a:pPr algn="ctr"/>
+                  <a:endParaRPr lang="fr-FR"/>
+                </a:p>
+              </p:txBody>
+            </p:sp>
+            <p:cxnSp>
+              <p:nvCxnSpPr>
+                <p:cNvPr id="127" name="Connecteur droit 126">
+                  <a:extLst>
+                    <a:ext uri="{FF2B5EF4-FFF2-40B4-BE49-F238E27FC236}">
+                      <a16:creationId xmlns:a16="http://schemas.microsoft.com/office/drawing/2014/main" id="{FFE8B613-8449-7ECD-CA17-2CEEE04FD5A6}"/>
+                    </a:ext>
+                  </a:extLst>
+                </p:cNvPr>
+                <p:cNvCxnSpPr>
+                  <a:cxnSpLocks/>
+                </p:cNvCxnSpPr>
+                <p:nvPr/>
+              </p:nvCxnSpPr>
+              <p:spPr>
+                <a:xfrm>
+                  <a:off x="2502283" y="3513708"/>
+                  <a:ext cx="0" cy="142105"/>
+                </a:xfrm>
+                <a:prstGeom prst="line">
+                  <a:avLst/>
+                </a:prstGeom>
+                <a:noFill/>
+                <a:ln w="28575">
+                  <a:solidFill>
+                    <a:schemeClr val="tx1"/>
+                  </a:solidFill>
+                </a:ln>
+              </p:spPr>
+              <p:style>
+                <a:lnRef idx="2">
+                  <a:schemeClr val="accent1">
+                    <a:shade val="50000"/>
+                  </a:schemeClr>
+                </a:lnRef>
+                <a:fillRef idx="1">
+                  <a:schemeClr val="accent1"/>
+                </a:fillRef>
+                <a:effectRef idx="0">
+                  <a:schemeClr val="accent1"/>
+                </a:effectRef>
+                <a:fontRef idx="minor">
+                  <a:schemeClr val="lt1"/>
+                </a:fontRef>
+              </p:style>
+            </p:cxnSp>
+            <p:cxnSp>
+              <p:nvCxnSpPr>
+                <p:cNvPr id="128" name="Connecteur droit 127">
+                  <a:extLst>
+                    <a:ext uri="{FF2B5EF4-FFF2-40B4-BE49-F238E27FC236}">
+                      <a16:creationId xmlns:a16="http://schemas.microsoft.com/office/drawing/2014/main" id="{DA3058A2-E611-83BC-3422-E7CB3BDB28A9}"/>
+                    </a:ext>
+                  </a:extLst>
+                </p:cNvPr>
+                <p:cNvCxnSpPr>
+                  <a:cxnSpLocks/>
+                </p:cNvCxnSpPr>
+                <p:nvPr/>
+              </p:nvCxnSpPr>
+              <p:spPr>
+                <a:xfrm flipH="1">
+                  <a:off x="2286259" y="3659633"/>
+                  <a:ext cx="432048" cy="0"/>
+                </a:xfrm>
+                <a:prstGeom prst="line">
+                  <a:avLst/>
+                </a:prstGeom>
+                <a:noFill/>
+                <a:ln w="28575">
+                  <a:solidFill>
+                    <a:schemeClr val="tx1"/>
+                  </a:solidFill>
+                </a:ln>
+              </p:spPr>
+              <p:style>
+                <a:lnRef idx="2">
+                  <a:schemeClr val="accent1">
+                    <a:shade val="50000"/>
+                  </a:schemeClr>
+                </a:lnRef>
+                <a:fillRef idx="1">
+                  <a:schemeClr val="accent1"/>
+                </a:fillRef>
+                <a:effectRef idx="0">
+                  <a:schemeClr val="accent1"/>
+                </a:effectRef>
+                <a:fontRef idx="minor">
+                  <a:schemeClr val="lt1"/>
+                </a:fontRef>
+              </p:style>
+            </p:cxnSp>
+          </p:grpSp>
+          <p:sp>
+            <p:nvSpPr>
+              <p:cNvPr id="125" name="Rectangle 124">
+                <a:extLst>
+                  <a:ext uri="{FF2B5EF4-FFF2-40B4-BE49-F238E27FC236}">
+                    <a16:creationId xmlns:a16="http://schemas.microsoft.com/office/drawing/2014/main" id="{C7A5E54B-A258-720C-1909-EFC28C319997}"/>
+                  </a:ext>
+                </a:extLst>
+              </p:cNvPr>
+              <p:cNvSpPr/>
+              <p:nvPr/>
+            </p:nvSpPr>
+            <p:spPr>
+              <a:xfrm rot="16200000">
+                <a:off x="653883" y="1977014"/>
+                <a:ext cx="360000" cy="180000"/>
+              </a:xfrm>
+              <a:prstGeom prst="rect">
+                <a:avLst/>
+              </a:prstGeom>
+              <a:solidFill>
+                <a:schemeClr val="bg1"/>
+              </a:solidFill>
+              <a:ln w="28575">
+                <a:solidFill>
+                  <a:schemeClr val="tx1"/>
+                </a:solidFill>
+              </a:ln>
+            </p:spPr>
+            <p:style>
+              <a:lnRef idx="2">
+                <a:schemeClr val="accent1">
+                  <a:shade val="50000"/>
+                </a:schemeClr>
+              </a:lnRef>
+              <a:fillRef idx="1">
+                <a:schemeClr val="accent1"/>
+              </a:fillRef>
+              <a:effectRef idx="0">
+                <a:schemeClr val="accent1"/>
+              </a:effectRef>
+              <a:fontRef idx="minor">
+                <a:schemeClr val="lt1"/>
+              </a:fontRef>
+            </p:style>
+            <p:txBody>
+              <a:bodyPr rtlCol="0" anchor="ctr"/>
+              <a:lstStyle/>
+              <a:p>
+                <a:pPr algn="ctr"/>
+                <a:endParaRPr lang="fr-FR"/>
+              </a:p>
+            </p:txBody>
+          </p:sp>
+        </p:grpSp>
+        <p:cxnSp>
+          <p:nvCxnSpPr>
+            <p:cNvPr id="129" name="Connecteur droit 128">
+              <a:extLst>
+                <a:ext uri="{FF2B5EF4-FFF2-40B4-BE49-F238E27FC236}">
+                  <a16:creationId xmlns:a16="http://schemas.microsoft.com/office/drawing/2014/main" id="{47048AEC-1FA5-B8F4-C44D-0742D6C7CC3A}"/>
+                </a:ext>
+              </a:extLst>
+            </p:cNvPr>
+            <p:cNvCxnSpPr>
+              <a:cxnSpLocks/>
+            </p:cNvCxnSpPr>
+            <p:nvPr/>
+          </p:nvCxnSpPr>
+          <p:spPr>
+            <a:xfrm>
+              <a:off x="6799445" y="5877270"/>
+              <a:ext cx="0" cy="810015"/>
+            </a:xfrm>
+            <a:prstGeom prst="line">
+              <a:avLst/>
+            </a:prstGeom>
+            <a:solidFill>
+              <a:schemeClr val="bg1"/>
+            </a:solidFill>
+            <a:ln w="28575">
+              <a:solidFill>
+                <a:srgbClr val="00B0F0"/>
+              </a:solidFill>
+            </a:ln>
+          </p:spPr>
+          <p:style>
+            <a:lnRef idx="2">
+              <a:schemeClr val="accent1">
+                <a:shade val="50000"/>
+              </a:schemeClr>
+            </a:lnRef>
+            <a:fillRef idx="1">
+              <a:schemeClr val="accent1"/>
+            </a:fillRef>
+            <a:effectRef idx="0">
+              <a:schemeClr val="accent1"/>
+            </a:effectRef>
+            <a:fontRef idx="minor">
+              <a:schemeClr val="lt1"/>
+            </a:fontRef>
+          </p:style>
+        </p:cxnSp>
+        <p:cxnSp>
+          <p:nvCxnSpPr>
+            <p:cNvPr id="130" name="Connecteur droit 129">
+              <a:extLst>
+                <a:ext uri="{FF2B5EF4-FFF2-40B4-BE49-F238E27FC236}">
+                  <a16:creationId xmlns:a16="http://schemas.microsoft.com/office/drawing/2014/main" id="{42670E50-BF84-9C80-3A5B-8C9F4DC785EA}"/>
+                </a:ext>
+              </a:extLst>
+            </p:cNvPr>
+            <p:cNvCxnSpPr>
+              <a:cxnSpLocks/>
+            </p:cNvCxnSpPr>
+            <p:nvPr/>
+          </p:nvCxnSpPr>
+          <p:spPr>
+            <a:xfrm flipH="1">
+              <a:off x="6709445" y="6465044"/>
+              <a:ext cx="180000" cy="0"/>
+            </a:xfrm>
+            <a:prstGeom prst="line">
+              <a:avLst/>
+            </a:prstGeom>
+            <a:solidFill>
+              <a:schemeClr val="bg1"/>
+            </a:solidFill>
+            <a:ln w="28575">
+              <a:solidFill>
+                <a:srgbClr val="00B0F0"/>
+              </a:solidFill>
+            </a:ln>
+          </p:spPr>
+          <p:style>
+            <a:lnRef idx="2">
+              <a:schemeClr val="accent1">
+                <a:shade val="50000"/>
+              </a:schemeClr>
+            </a:lnRef>
+            <a:fillRef idx="1">
+              <a:schemeClr val="accent1"/>
+            </a:fillRef>
+            <a:effectRef idx="0">
+              <a:schemeClr val="accent1"/>
+            </a:effectRef>
+            <a:fontRef idx="minor">
+              <a:schemeClr val="lt1"/>
+            </a:fontRef>
+          </p:style>
+        </p:cxnSp>
+        <p:cxnSp>
+          <p:nvCxnSpPr>
+            <p:cNvPr id="131" name="Connecteur droit 130">
+              <a:extLst>
+                <a:ext uri="{FF2B5EF4-FFF2-40B4-BE49-F238E27FC236}">
+                  <a16:creationId xmlns:a16="http://schemas.microsoft.com/office/drawing/2014/main" id="{04348CAD-0362-0B21-75B2-DA39B1CE5DB6}"/>
+                </a:ext>
+              </a:extLst>
+            </p:cNvPr>
+            <p:cNvCxnSpPr>
+              <a:cxnSpLocks/>
+            </p:cNvCxnSpPr>
+            <p:nvPr/>
+          </p:nvCxnSpPr>
+          <p:spPr>
+            <a:xfrm flipH="1">
+              <a:off x="6709445" y="6026050"/>
+              <a:ext cx="180000" cy="0"/>
+            </a:xfrm>
+            <a:prstGeom prst="line">
+              <a:avLst/>
+            </a:prstGeom>
+            <a:solidFill>
+              <a:schemeClr val="bg1"/>
+            </a:solidFill>
+            <a:ln w="28575">
+              <a:solidFill>
+                <a:srgbClr val="00B0F0"/>
+              </a:solidFill>
+            </a:ln>
+          </p:spPr>
+          <p:style>
+            <a:lnRef idx="2">
+              <a:schemeClr val="accent1">
+                <a:shade val="50000"/>
+              </a:schemeClr>
+            </a:lnRef>
+            <a:fillRef idx="1">
+              <a:schemeClr val="accent1"/>
+            </a:fillRef>
+            <a:effectRef idx="0">
+              <a:schemeClr val="accent1"/>
+            </a:effectRef>
+            <a:fontRef idx="minor">
+              <a:schemeClr val="lt1"/>
+            </a:fontRef>
+          </p:style>
+        </p:cxnSp>
+      </p:grpSp>
+      <p:sp>
+        <p:nvSpPr>
+          <p:cNvPr id="133" name="Ellipse 132">
+            <a:extLst>
+              <a:ext uri="{FF2B5EF4-FFF2-40B4-BE49-F238E27FC236}">
+                <a16:creationId xmlns:a16="http://schemas.microsoft.com/office/drawing/2014/main" id="{E54E3F59-DD58-A806-9DDD-531B37783FA1}"/>
+              </a:ext>
+            </a:extLst>
+          </p:cNvPr>
+          <p:cNvSpPr/>
+          <p:nvPr/>
+        </p:nvSpPr>
+        <p:spPr>
+          <a:xfrm>
+            <a:off x="7082450" y="6690776"/>
+            <a:ext cx="180000" cy="180000"/>
+          </a:xfrm>
+          <a:prstGeom prst="ellipse">
+            <a:avLst/>
+          </a:prstGeom>
+          <a:solidFill>
+            <a:schemeClr val="bg1"/>
+          </a:solidFill>
+          <a:ln w="19050">
+            <a:solidFill>
+              <a:srgbClr val="00B0F0"/>
+            </a:solidFill>
+          </a:ln>
+        </p:spPr>
+        <p:style>
+          <a:lnRef idx="2">
+            <a:schemeClr val="accent1">
+              <a:shade val="50000"/>
+            </a:schemeClr>
+          </a:lnRef>
+          <a:fillRef idx="1">
+            <a:schemeClr val="accent1"/>
+          </a:fillRef>
+          <a:effectRef idx="0">
+            <a:schemeClr val="accent1"/>
+          </a:effectRef>
+          <a:fontRef idx="minor">
+            <a:schemeClr val="lt1"/>
+          </a:fontRef>
+        </p:style>
+        <p:txBody>
+          <a:bodyPr rtlCol="0" anchor="ctr"/>
+          <a:lstStyle/>
+          <a:p>
+            <a:pPr algn="ctr"/>
+            <a:r>
+              <a:rPr lang="fr-FR" sz="1050" b="1" dirty="0">
+                <a:solidFill>
+                  <a:srgbClr val="00B0F0"/>
+                </a:solidFill>
+              </a:rPr>
+              <a:t>M</a:t>
+            </a:r>
+            <a:endParaRPr lang="fr-FR" sz="1400" b="1" dirty="0">
+              <a:solidFill>
+                <a:srgbClr val="00B0F0"/>
+              </a:solidFill>
+            </a:endParaRPr>
+          </a:p>
+        </p:txBody>
+      </p:sp>
+      <p:sp>
+        <p:nvSpPr>
+          <p:cNvPr id="135" name="Ellipse 134">
+            <a:extLst>
+              <a:ext uri="{FF2B5EF4-FFF2-40B4-BE49-F238E27FC236}">
+                <a16:creationId xmlns:a16="http://schemas.microsoft.com/office/drawing/2014/main" id="{9C0EF130-1D5B-5639-10F4-4AF8B5946FB5}"/>
+              </a:ext>
+            </a:extLst>
+          </p:cNvPr>
+          <p:cNvSpPr/>
+          <p:nvPr/>
+        </p:nvSpPr>
+        <p:spPr>
+          <a:xfrm>
+            <a:off x="6310030" y="5276401"/>
+            <a:ext cx="180000" cy="180000"/>
+          </a:xfrm>
+          <a:prstGeom prst="ellipse">
+            <a:avLst/>
+          </a:prstGeom>
+          <a:solidFill>
+            <a:schemeClr val="bg1"/>
+          </a:solidFill>
+          <a:ln w="19050">
+            <a:solidFill>
+              <a:schemeClr val="accent6">
+                <a:lumMod val="75000"/>
+              </a:schemeClr>
+            </a:solidFill>
+          </a:ln>
+        </p:spPr>
+        <p:style>
+          <a:lnRef idx="2">
+            <a:schemeClr val="accent1">
+              <a:shade val="50000"/>
+            </a:schemeClr>
+          </a:lnRef>
+          <a:fillRef idx="1">
+            <a:schemeClr val="accent1"/>
+          </a:fillRef>
+          <a:effectRef idx="0">
+            <a:schemeClr val="accent1"/>
+          </a:effectRef>
+          <a:fontRef idx="minor">
+            <a:schemeClr val="lt1"/>
+          </a:fontRef>
+        </p:style>
+        <p:txBody>
+          <a:bodyPr rtlCol="0" anchor="ctr"/>
+          <a:lstStyle/>
+          <a:p>
+            <a:pPr algn="ctr"/>
+            <a:r>
+              <a:rPr lang="fr-FR" sz="1050" b="1" dirty="0">
+                <a:solidFill>
+                  <a:schemeClr val="accent6">
+                    <a:lumMod val="75000"/>
+                  </a:schemeClr>
+                </a:solidFill>
+              </a:rPr>
+              <a:t>2</a:t>
+            </a:r>
+            <a:endParaRPr lang="fr-FR" sz="1400" b="1" dirty="0">
+              <a:solidFill>
+                <a:schemeClr val="accent6">
+                  <a:lumMod val="75000"/>
+                </a:schemeClr>
+              </a:solidFill>
+            </a:endParaRPr>
+          </a:p>
+        </p:txBody>
+      </p:sp>
+      <p:sp>
+        <p:nvSpPr>
+          <p:cNvPr id="136" name="Ellipse 135">
+            <a:extLst>
+              <a:ext uri="{FF2B5EF4-FFF2-40B4-BE49-F238E27FC236}">
+                <a16:creationId xmlns:a16="http://schemas.microsoft.com/office/drawing/2014/main" id="{CFE80CD9-1B3F-3C65-B353-B01C56B79456}"/>
+              </a:ext>
+            </a:extLst>
+          </p:cNvPr>
+          <p:cNvSpPr/>
+          <p:nvPr/>
+        </p:nvSpPr>
+        <p:spPr>
+          <a:xfrm>
+            <a:off x="5643549" y="4952878"/>
+            <a:ext cx="180000" cy="180000"/>
+          </a:xfrm>
+          <a:prstGeom prst="ellipse">
+            <a:avLst/>
+          </a:prstGeom>
+          <a:solidFill>
+            <a:schemeClr val="bg1"/>
+          </a:solidFill>
+          <a:ln w="19050">
+            <a:solidFill>
+              <a:srgbClr val="7030A0"/>
+            </a:solidFill>
+          </a:ln>
+        </p:spPr>
+        <p:style>
+          <a:lnRef idx="2">
+            <a:schemeClr val="accent1">
+              <a:shade val="50000"/>
+            </a:schemeClr>
+          </a:lnRef>
+          <a:fillRef idx="1">
+            <a:schemeClr val="accent1"/>
+          </a:fillRef>
+          <a:effectRef idx="0">
+            <a:schemeClr val="accent1"/>
+          </a:effectRef>
+          <a:fontRef idx="minor">
+            <a:schemeClr val="lt1"/>
+          </a:fontRef>
+        </p:style>
+        <p:txBody>
+          <a:bodyPr rtlCol="0" anchor="ctr"/>
+          <a:lstStyle/>
+          <a:p>
+            <a:pPr algn="ctr"/>
+            <a:r>
+              <a:rPr lang="fr-FR" sz="1050" b="1" dirty="0">
+                <a:solidFill>
+                  <a:srgbClr val="7030A0"/>
+                </a:solidFill>
+              </a:rPr>
+              <a:t>3</a:t>
+            </a:r>
+            <a:endParaRPr lang="fr-FR" sz="1400" b="1" dirty="0">
+              <a:solidFill>
+                <a:srgbClr val="7030A0"/>
+              </a:solidFill>
+            </a:endParaRPr>
+          </a:p>
+        </p:txBody>
+      </p:sp>
+      <p:sp>
+        <p:nvSpPr>
+          <p:cNvPr id="137" name="Ellipse 136">
+            <a:extLst>
+              <a:ext uri="{FF2B5EF4-FFF2-40B4-BE49-F238E27FC236}">
+                <a16:creationId xmlns:a16="http://schemas.microsoft.com/office/drawing/2014/main" id="{01F66F54-BE66-A48F-5A3D-DF95C175A004}"/>
+              </a:ext>
+            </a:extLst>
+          </p:cNvPr>
+          <p:cNvSpPr/>
+          <p:nvPr/>
+        </p:nvSpPr>
+        <p:spPr>
+          <a:xfrm>
+            <a:off x="4570789" y="5463604"/>
+            <a:ext cx="180000" cy="180000"/>
+          </a:xfrm>
+          <a:prstGeom prst="ellipse">
+            <a:avLst/>
+          </a:prstGeom>
+          <a:solidFill>
+            <a:schemeClr val="bg1"/>
+          </a:solidFill>
+          <a:ln w="19050">
+            <a:solidFill>
+              <a:srgbClr val="00B050"/>
+            </a:solidFill>
+          </a:ln>
+        </p:spPr>
+        <p:style>
+          <a:lnRef idx="2">
+            <a:schemeClr val="accent1">
+              <a:shade val="50000"/>
+            </a:schemeClr>
+          </a:lnRef>
+          <a:fillRef idx="1">
+            <a:schemeClr val="accent1"/>
+          </a:fillRef>
+          <a:effectRef idx="0">
+            <a:schemeClr val="accent1"/>
+          </a:effectRef>
+          <a:fontRef idx="minor">
+            <a:schemeClr val="lt1"/>
+          </a:fontRef>
+        </p:style>
+        <p:txBody>
+          <a:bodyPr rtlCol="0" anchor="ctr"/>
+          <a:lstStyle/>
+          <a:p>
+            <a:pPr algn="ctr"/>
+            <a:r>
+              <a:rPr lang="fr-FR" sz="1050" b="1" dirty="0">
+                <a:solidFill>
+                  <a:srgbClr val="00B050"/>
+                </a:solidFill>
+              </a:rPr>
+              <a:t>4</a:t>
+            </a:r>
+            <a:endParaRPr lang="fr-FR" sz="1400" b="1" dirty="0">
+              <a:solidFill>
+                <a:srgbClr val="00B050"/>
+              </a:solidFill>
+            </a:endParaRPr>
+          </a:p>
+        </p:txBody>
+      </p:sp>
+      <p:sp>
+        <p:nvSpPr>
+          <p:cNvPr id="138" name="Ellipse 137">
+            <a:extLst>
+              <a:ext uri="{FF2B5EF4-FFF2-40B4-BE49-F238E27FC236}">
+                <a16:creationId xmlns:a16="http://schemas.microsoft.com/office/drawing/2014/main" id="{ACF8A011-0C35-2760-A574-2E81C602EFAD}"/>
+              </a:ext>
+            </a:extLst>
+          </p:cNvPr>
+          <p:cNvSpPr/>
+          <p:nvPr/>
+        </p:nvSpPr>
+        <p:spPr>
+          <a:xfrm>
+            <a:off x="4983395" y="4917482"/>
+            <a:ext cx="180000" cy="180000"/>
+          </a:xfrm>
+          <a:prstGeom prst="ellipse">
+            <a:avLst/>
+          </a:prstGeom>
+          <a:solidFill>
+            <a:schemeClr val="bg1"/>
+          </a:solidFill>
+          <a:ln w="19050">
+            <a:solidFill>
+              <a:srgbClr val="0070C0"/>
+            </a:solidFill>
+          </a:ln>
+        </p:spPr>
+        <p:style>
+          <a:lnRef idx="2">
+            <a:schemeClr val="accent1">
+              <a:shade val="50000"/>
+            </a:schemeClr>
+          </a:lnRef>
+          <a:fillRef idx="1">
+            <a:schemeClr val="accent1"/>
+          </a:fillRef>
+          <a:effectRef idx="0">
+            <a:schemeClr val="accent1"/>
+          </a:effectRef>
+          <a:fontRef idx="minor">
+            <a:schemeClr val="lt1"/>
+          </a:fontRef>
+        </p:style>
+        <p:txBody>
+          <a:bodyPr rtlCol="0" anchor="ctr"/>
+          <a:lstStyle/>
+          <a:p>
+            <a:pPr algn="ctr"/>
+            <a:r>
+              <a:rPr lang="fr-FR" sz="1050" b="1" dirty="0">
+                <a:solidFill>
+                  <a:srgbClr val="0070C0"/>
+                </a:solidFill>
+              </a:rPr>
+              <a:t>5</a:t>
+            </a:r>
+            <a:endParaRPr lang="fr-FR" sz="1400" b="1" dirty="0">
+              <a:solidFill>
+                <a:srgbClr val="0070C0"/>
+              </a:solidFill>
+            </a:endParaRPr>
+          </a:p>
+        </p:txBody>
+      </p:sp>
+      <p:sp>
+        <p:nvSpPr>
+          <p:cNvPr id="139" name="Ellipse 138">
+            <a:extLst>
+              <a:ext uri="{FF2B5EF4-FFF2-40B4-BE49-F238E27FC236}">
+                <a16:creationId xmlns:a16="http://schemas.microsoft.com/office/drawing/2014/main" id="{DF19A739-6698-57F5-1EBD-92C8BC0F4746}"/>
+              </a:ext>
+            </a:extLst>
+          </p:cNvPr>
+          <p:cNvSpPr/>
+          <p:nvPr/>
+        </p:nvSpPr>
+        <p:spPr>
+          <a:xfrm>
+            <a:off x="5320125" y="3773367"/>
+            <a:ext cx="180000" cy="180000"/>
+          </a:xfrm>
+          <a:prstGeom prst="ellipse">
+            <a:avLst/>
+          </a:prstGeom>
+          <a:solidFill>
+            <a:schemeClr val="bg1"/>
+          </a:solidFill>
+          <a:ln w="19050">
+            <a:solidFill>
+              <a:srgbClr val="C00000"/>
+            </a:solidFill>
+          </a:ln>
+        </p:spPr>
+        <p:style>
+          <a:lnRef idx="2">
+            <a:schemeClr val="accent1">
+              <a:shade val="50000"/>
+            </a:schemeClr>
+          </a:lnRef>
+          <a:fillRef idx="1">
+            <a:schemeClr val="accent1"/>
+          </a:fillRef>
+          <a:effectRef idx="0">
+            <a:schemeClr val="accent1"/>
+          </a:effectRef>
+          <a:fontRef idx="minor">
+            <a:schemeClr val="lt1"/>
+          </a:fontRef>
+        </p:style>
+        <p:txBody>
+          <a:bodyPr rtlCol="0" anchor="ctr"/>
+          <a:lstStyle/>
+          <a:p>
+            <a:pPr algn="ctr"/>
+            <a:r>
+              <a:rPr lang="fr-FR" sz="1050" b="1" dirty="0">
+                <a:solidFill>
+                  <a:srgbClr val="C00000"/>
+                </a:solidFill>
+              </a:rPr>
+              <a:t>6</a:t>
+            </a:r>
+            <a:endParaRPr lang="fr-FR" sz="1400" b="1" dirty="0">
+              <a:solidFill>
+                <a:srgbClr val="C00000"/>
+              </a:solidFill>
+            </a:endParaRPr>
+          </a:p>
+        </p:txBody>
+      </p:sp>
+    </p:spTree>
+    <p:extLst>
+      <p:ext uri="{BB962C8B-B14F-4D97-AF65-F5344CB8AC3E}">
+        <p14:creationId xmlns:p14="http://schemas.microsoft.com/office/powerpoint/2010/main" val="493410676"/>
       </p:ext>
     </p:extLst>
   </p:cSld>

--- a/Moby_Crea/Documentation_Moby_Figures.pptx
+++ b/Moby_Crea/Documentation_Moby_Figures.pptx
@@ -7,6 +7,7 @@
   <p:sldIdLst>
     <p:sldId id="256" r:id="rId2"/>
     <p:sldId id="257" r:id="rId3"/>
+    <p:sldId id="258" r:id="rId4"/>
   </p:sldIdLst>
   <p:sldSz cx="9144000" cy="6858000" type="screen4x3"/>
   <p:notesSz cx="6858000" cy="9144000"/>
@@ -6253,51 +6254,6 @@
           </p:txBody>
         </p:sp>
       </p:grpSp>
-      <p:cxnSp>
-        <p:nvCxnSpPr>
-          <p:cNvPr id="24" name="Connecteur droit 23">
-            <a:extLst>
-              <a:ext uri="{FF2B5EF4-FFF2-40B4-BE49-F238E27FC236}">
-                <a16:creationId xmlns:a16="http://schemas.microsoft.com/office/drawing/2014/main" id="{573C714D-8486-7790-7006-DD08E43EBA11}"/>
-              </a:ext>
-            </a:extLst>
-          </p:cNvPr>
-          <p:cNvCxnSpPr>
-            <a:cxnSpLocks/>
-            <a:stCxn id="38" idx="7"/>
-          </p:cNvCxnSpPr>
-          <p:nvPr/>
-        </p:nvCxnSpPr>
-        <p:spPr>
-          <a:xfrm flipV="1">
-            <a:off x="5581996" y="628638"/>
-            <a:ext cx="1034474" cy="1129959"/>
-          </a:xfrm>
-          <a:prstGeom prst="line">
-            <a:avLst/>
-          </a:prstGeom>
-          <a:ln w="12700">
-            <a:solidFill>
-              <a:srgbClr val="00B050"/>
-            </a:solidFill>
-            <a:tailEnd type="stealth" w="med" len="lg"/>
-          </a:ln>
-        </p:spPr>
-        <p:style>
-          <a:lnRef idx="1">
-            <a:schemeClr val="accent1"/>
-          </a:lnRef>
-          <a:fillRef idx="0">
-            <a:schemeClr val="accent1"/>
-          </a:fillRef>
-          <a:effectRef idx="0">
-            <a:schemeClr val="accent1"/>
-          </a:effectRef>
-          <a:fontRef idx="minor">
-            <a:schemeClr val="tx1"/>
-          </a:fontRef>
-        </p:style>
-      </p:cxnSp>
       <mc:AlternateContent xmlns:mc="http://schemas.openxmlformats.org/markup-compatibility/2006">
         <mc:Choice xmlns:a14="http://schemas.microsoft.com/office/drawing/2010/main" Requires="a14">
           <p:sp>
@@ -6314,7 +6270,7 @@
             </p:nvSpPr>
             <p:spPr>
               <a:xfrm>
-                <a:off x="5286175" y="1749360"/>
+                <a:off x="7757952" y="1883450"/>
                 <a:ext cx="134524" cy="184666"/>
               </a:xfrm>
               <a:prstGeom prst="rect">
@@ -6366,7 +6322,7 @@
             </p:nvSpPr>
             <p:spPr>
               <a:xfrm>
-                <a:off x="5286175" y="1749360"/>
+                <a:off x="7757952" y="1883450"/>
                 <a:ext cx="134524" cy="184666"/>
               </a:xfrm>
               <a:prstGeom prst="rect">
@@ -6376,102 +6332,6 @@
                 <a:blip r:embed="rId9"/>
                 <a:stretch>
                   <a:fillRect l="-27273" r="-27273" b="-6667"/>
-                </a:stretch>
-              </a:blipFill>
-            </p:spPr>
-            <p:txBody>
-              <a:bodyPr/>
-              <a:lstStyle/>
-              <a:p>
-                <a:r>
-                  <a:rPr lang="fr-FR">
-                    <a:noFill/>
-                  </a:rPr>
-                  <a:t> </a:t>
-                </a:r>
-              </a:p>
-            </p:txBody>
-          </p:sp>
-        </mc:Fallback>
-      </mc:AlternateContent>
-      <mc:AlternateContent xmlns:mc="http://schemas.openxmlformats.org/markup-compatibility/2006">
-        <mc:Choice xmlns:a14="http://schemas.microsoft.com/office/drawing/2010/main" Requires="a14">
-          <p:sp>
-            <p:nvSpPr>
-              <p:cNvPr id="31" name="ZoneTexte 30">
-                <a:extLst>
-                  <a:ext uri="{FF2B5EF4-FFF2-40B4-BE49-F238E27FC236}">
-                    <a16:creationId xmlns:a16="http://schemas.microsoft.com/office/drawing/2014/main" id="{FFC692B7-86F5-02DE-2205-00B880019805}"/>
-                  </a:ext>
-                </a:extLst>
-              </p:cNvPr>
-              <p:cNvSpPr txBox="1"/>
-              <p:nvPr/>
-            </p:nvSpPr>
-            <p:spPr>
-              <a:xfrm>
-                <a:off x="6185836" y="623615"/>
-                <a:ext cx="97847" cy="184666"/>
-              </a:xfrm>
-              <a:prstGeom prst="rect">
-                <a:avLst/>
-              </a:prstGeom>
-              <a:noFill/>
-            </p:spPr>
-            <p:txBody>
-              <a:bodyPr wrap="none" lIns="0" tIns="0" rIns="0" bIns="0" rtlCol="0">
-                <a:spAutoFit/>
-              </a:bodyPr>
-              <a:lstStyle/>
-              <a:p>
-                <a:pPr/>
-                <a14:m>
-                  <m:oMathPara xmlns:m="http://schemas.openxmlformats.org/officeDocument/2006/math">
-                    <m:oMathParaPr>
-                      <m:jc m:val="centerGroup"/>
-                    </m:oMathParaPr>
-                    <m:oMath xmlns:m="http://schemas.openxmlformats.org/officeDocument/2006/math">
-                      <m:r>
-                        <a:rPr lang="fr-FR" sz="1200" b="0" i="1" smtClean="0">
-                          <a:latin typeface="Cambria Math" panose="02040503050406030204" pitchFamily="18" charset="0"/>
-                        </a:rPr>
-                        <m:t>𝐼</m:t>
-                      </m:r>
-                    </m:oMath>
-                  </m:oMathPara>
-                </a14:m>
-                <a:endParaRPr lang="fr-FR" sz="1200" dirty="0"/>
-              </a:p>
-            </p:txBody>
-          </p:sp>
-        </mc:Choice>
-        <mc:Fallback>
-          <p:sp>
-            <p:nvSpPr>
-              <p:cNvPr id="31" name="ZoneTexte 30">
-                <a:extLst>
-                  <a:ext uri="{FF2B5EF4-FFF2-40B4-BE49-F238E27FC236}">
-                    <a16:creationId xmlns:a16="http://schemas.microsoft.com/office/drawing/2014/main" id="{FFC692B7-86F5-02DE-2205-00B880019805}"/>
-                  </a:ext>
-                </a:extLst>
-              </p:cNvPr>
-              <p:cNvSpPr txBox="1">
-                <a:spLocks noRot="1" noChangeAspect="1" noMove="1" noResize="1" noEditPoints="1" noAdjustHandles="1" noChangeArrowheads="1" noChangeShapeType="1" noTextEdit="1"/>
-              </p:cNvSpPr>
-              <p:nvPr/>
-            </p:nvSpPr>
-            <p:spPr>
-              <a:xfrm>
-                <a:off x="6185836" y="623615"/>
-                <a:ext cx="97847" cy="184666"/>
-              </a:xfrm>
-              <a:prstGeom prst="rect">
-                <a:avLst/>
-              </a:prstGeom>
-              <a:blipFill>
-                <a:blip r:embed="rId10"/>
-                <a:stretch>
-                  <a:fillRect l="-37500" r="-31250" b="-3226"/>
                 </a:stretch>
               </a:blipFill>
             </p:spPr>
@@ -6783,308 +6643,8 @@
           </p:txBody>
         </p:sp>
       </p:grpSp>
-      <p:sp>
-        <p:nvSpPr>
-          <p:cNvPr id="33" name="Ellipse 32">
-            <a:extLst>
-              <a:ext uri="{FF2B5EF4-FFF2-40B4-BE49-F238E27FC236}">
-                <a16:creationId xmlns:a16="http://schemas.microsoft.com/office/drawing/2014/main" id="{AF05686E-4BE5-6294-1256-17579EA0ECDF}"/>
-              </a:ext>
-            </a:extLst>
-          </p:cNvPr>
-          <p:cNvSpPr/>
-          <p:nvPr/>
-        </p:nvSpPr>
-        <p:spPr>
-          <a:xfrm>
-            <a:off x="5714438" y="1210951"/>
-            <a:ext cx="180000" cy="180000"/>
-          </a:xfrm>
-          <a:prstGeom prst="ellipse">
-            <a:avLst/>
-          </a:prstGeom>
-          <a:noFill/>
-          <a:ln w="19050">
-            <a:solidFill>
-              <a:srgbClr val="00B050"/>
-            </a:solidFill>
-          </a:ln>
-        </p:spPr>
-        <p:style>
-          <a:lnRef idx="2">
-            <a:schemeClr val="accent1">
-              <a:shade val="50000"/>
-            </a:schemeClr>
-          </a:lnRef>
-          <a:fillRef idx="1">
-            <a:schemeClr val="accent1"/>
-          </a:fillRef>
-          <a:effectRef idx="0">
-            <a:schemeClr val="accent1"/>
-          </a:effectRef>
-          <a:fontRef idx="minor">
-            <a:schemeClr val="lt1"/>
-          </a:fontRef>
-        </p:style>
-        <p:txBody>
-          <a:bodyPr rtlCol="0" anchor="ctr"/>
-          <a:lstStyle/>
-          <a:p>
-            <a:pPr algn="ctr"/>
-            <a:r>
-              <a:rPr lang="fr-FR" sz="1050" b="1" dirty="0">
-                <a:solidFill>
-                  <a:srgbClr val="00B050"/>
-                </a:solidFill>
-              </a:rPr>
-              <a:t>1</a:t>
-            </a:r>
-            <a:endParaRPr lang="fr-FR" sz="1400" b="1" dirty="0">
-              <a:solidFill>
-                <a:srgbClr val="00B050"/>
-              </a:solidFill>
-            </a:endParaRPr>
-          </a:p>
-        </p:txBody>
-      </p:sp>
-      <p:grpSp>
-        <p:nvGrpSpPr>
-          <p:cNvPr id="34" name="Groupe 33">
-            <a:extLst>
-              <a:ext uri="{FF2B5EF4-FFF2-40B4-BE49-F238E27FC236}">
-                <a16:creationId xmlns:a16="http://schemas.microsoft.com/office/drawing/2014/main" id="{3FC5861C-684E-EA48-9CE6-7646D48BAD8D}"/>
-              </a:ext>
-            </a:extLst>
-          </p:cNvPr>
-          <p:cNvGrpSpPr/>
-          <p:nvPr/>
-        </p:nvGrpSpPr>
-        <p:grpSpPr>
-          <a:xfrm>
-            <a:off x="5514680" y="-754755"/>
-            <a:ext cx="1440160" cy="2582721"/>
-            <a:chOff x="971600" y="-593881"/>
-            <a:chExt cx="1440160" cy="2582721"/>
-          </a:xfrm>
-        </p:grpSpPr>
-        <p:cxnSp>
-          <p:nvCxnSpPr>
-            <p:cNvPr id="39" name="Connecteur droit 38">
-              <a:extLst>
-                <a:ext uri="{FF2B5EF4-FFF2-40B4-BE49-F238E27FC236}">
-                  <a16:creationId xmlns:a16="http://schemas.microsoft.com/office/drawing/2014/main" id="{1653FB9B-3B7F-7062-28A0-D13040675770}"/>
-                </a:ext>
-              </a:extLst>
-            </p:cNvPr>
-            <p:cNvCxnSpPr>
-              <a:cxnSpLocks/>
-            </p:cNvCxnSpPr>
-            <p:nvPr/>
-          </p:nvCxnSpPr>
-          <p:spPr>
-            <a:xfrm flipV="1">
-              <a:off x="971600" y="-593881"/>
-              <a:ext cx="0" cy="2582721"/>
-            </a:xfrm>
-            <a:prstGeom prst="line">
-              <a:avLst/>
-            </a:prstGeom>
-            <a:ln w="12700">
-              <a:solidFill>
-                <a:schemeClr val="tx1"/>
-              </a:solidFill>
-              <a:tailEnd type="stealth" w="med" len="lg"/>
-            </a:ln>
-          </p:spPr>
-          <p:style>
-            <a:lnRef idx="1">
-              <a:schemeClr val="accent1"/>
-            </a:lnRef>
-            <a:fillRef idx="0">
-              <a:schemeClr val="accent1"/>
-            </a:fillRef>
-            <a:effectRef idx="0">
-              <a:schemeClr val="accent1"/>
-            </a:effectRef>
-            <a:fontRef idx="minor">
-              <a:schemeClr val="tx1"/>
-            </a:fontRef>
-          </p:style>
-        </p:cxnSp>
-        <p:cxnSp>
-          <p:nvCxnSpPr>
-            <p:cNvPr id="40" name="Connecteur droit 39">
-              <a:extLst>
-                <a:ext uri="{FF2B5EF4-FFF2-40B4-BE49-F238E27FC236}">
-                  <a16:creationId xmlns:a16="http://schemas.microsoft.com/office/drawing/2014/main" id="{0BEE9E8F-AA96-17E2-4F5A-07D1BB2FA007}"/>
-                </a:ext>
-              </a:extLst>
-            </p:cNvPr>
-            <p:cNvCxnSpPr>
-              <a:cxnSpLocks/>
-            </p:cNvCxnSpPr>
-            <p:nvPr/>
-          </p:nvCxnSpPr>
-          <p:spPr>
-            <a:xfrm rot="5400000" flipV="1">
-              <a:off x="1691680" y="1268760"/>
-              <a:ext cx="0" cy="1440160"/>
-            </a:xfrm>
-            <a:prstGeom prst="line">
-              <a:avLst/>
-            </a:prstGeom>
-            <a:ln w="12700">
-              <a:solidFill>
-                <a:schemeClr val="tx1"/>
-              </a:solidFill>
-              <a:tailEnd type="stealth" w="med" len="lg"/>
-            </a:ln>
-          </p:spPr>
-          <p:style>
-            <a:lnRef idx="1">
-              <a:schemeClr val="accent1"/>
-            </a:lnRef>
-            <a:fillRef idx="0">
-              <a:schemeClr val="accent1"/>
-            </a:fillRef>
-            <a:effectRef idx="0">
-              <a:schemeClr val="accent1"/>
-            </a:effectRef>
-            <a:fontRef idx="minor">
-              <a:schemeClr val="tx1"/>
-            </a:fontRef>
-          </p:style>
-        </p:cxnSp>
-      </p:grpSp>
-      <mc:AlternateContent xmlns:mc="http://schemas.openxmlformats.org/markup-compatibility/2006">
-        <mc:Choice xmlns:a14="http://schemas.microsoft.com/office/drawing/2010/main" Requires="a14">
-          <p:sp>
-            <p:nvSpPr>
-              <p:cNvPr id="35" name="ZoneTexte 34">
-                <a:extLst>
-                  <a:ext uri="{FF2B5EF4-FFF2-40B4-BE49-F238E27FC236}">
-                    <a16:creationId xmlns:a16="http://schemas.microsoft.com/office/drawing/2014/main" id="{E76BB5FD-0ABB-5620-BCD5-FAFF45CBA28F}"/>
-                  </a:ext>
-                </a:extLst>
-              </p:cNvPr>
-              <p:cNvSpPr txBox="1"/>
-              <p:nvPr/>
-            </p:nvSpPr>
-            <p:spPr>
-              <a:xfrm>
-                <a:off x="6969034" y="1704854"/>
-                <a:ext cx="207300" cy="274434"/>
-              </a:xfrm>
-              <a:prstGeom prst="rect">
-                <a:avLst/>
-              </a:prstGeom>
-              <a:noFill/>
-            </p:spPr>
-            <p:txBody>
-              <a:bodyPr wrap="none" lIns="0" tIns="0" rIns="0" bIns="0" rtlCol="0">
-                <a:spAutoFit/>
-              </a:bodyPr>
-              <a:lstStyle/>
-              <a:p>
-                <a:pPr/>
-                <a14:m>
-                  <m:oMathPara xmlns:m="http://schemas.openxmlformats.org/officeDocument/2006/math">
-                    <m:oMathParaPr>
-                      <m:jc m:val="centerGroup"/>
-                    </m:oMathParaPr>
-                    <m:oMath xmlns:m="http://schemas.openxmlformats.org/officeDocument/2006/math">
-                      <m:acc>
-                        <m:accPr>
-                          <m:chr m:val="⃗"/>
-                          <m:ctrlPr>
-                            <a:rPr lang="fr-FR" sz="1600" i="1" smtClean="0">
-                              <a:latin typeface="Cambria Math" panose="02040503050406030204" pitchFamily="18" charset="0"/>
-                            </a:rPr>
-                          </m:ctrlPr>
-                        </m:accPr>
-                        <m:e>
-                          <m:sSub>
-                            <m:sSubPr>
-                              <m:ctrlPr>
-                                <a:rPr lang="fr-FR" sz="1600" b="0" i="1" smtClean="0">
-                                  <a:latin typeface="Cambria Math" panose="02040503050406030204" pitchFamily="18" charset="0"/>
-                                </a:rPr>
-                              </m:ctrlPr>
-                            </m:sSubPr>
-                            <m:e>
-                              <m:r>
-                                <a:rPr lang="fr-FR" sz="1600" b="0" i="1" smtClean="0">
-                                  <a:latin typeface="Cambria Math" panose="02040503050406030204" pitchFamily="18" charset="0"/>
-                                </a:rPr>
-                                <m:t>𝑖</m:t>
-                              </m:r>
-                            </m:e>
-                            <m:sub>
-                              <m:r>
-                                <a:rPr lang="fr-FR" sz="1600" b="0" i="1" smtClean="0">
-                                  <a:latin typeface="Cambria Math" panose="02040503050406030204" pitchFamily="18" charset="0"/>
-                                </a:rPr>
-                                <m:t>0</m:t>
-                              </m:r>
-                            </m:sub>
-                          </m:sSub>
-                        </m:e>
-                      </m:acc>
-                    </m:oMath>
-                  </m:oMathPara>
-                </a14:m>
-                <a:endParaRPr lang="fr-FR" sz="1600" dirty="0"/>
-              </a:p>
-            </p:txBody>
-          </p:sp>
-        </mc:Choice>
-        <mc:Fallback>
-          <p:sp>
-            <p:nvSpPr>
-              <p:cNvPr id="35" name="ZoneTexte 34">
-                <a:extLst>
-                  <a:ext uri="{FF2B5EF4-FFF2-40B4-BE49-F238E27FC236}">
-                    <a16:creationId xmlns:a16="http://schemas.microsoft.com/office/drawing/2014/main" id="{E76BB5FD-0ABB-5620-BCD5-FAFF45CBA28F}"/>
-                  </a:ext>
-                </a:extLst>
-              </p:cNvPr>
-              <p:cNvSpPr txBox="1">
-                <a:spLocks noRot="1" noChangeAspect="1" noMove="1" noResize="1" noEditPoints="1" noAdjustHandles="1" noChangeArrowheads="1" noChangeShapeType="1" noTextEdit="1"/>
-              </p:cNvSpPr>
-              <p:nvPr/>
-            </p:nvSpPr>
-            <p:spPr>
-              <a:xfrm>
-                <a:off x="6969034" y="1704854"/>
-                <a:ext cx="207300" cy="274434"/>
-              </a:xfrm>
-              <a:prstGeom prst="rect">
-                <a:avLst/>
-              </a:prstGeom>
-              <a:blipFill>
-                <a:blip r:embed="rId11"/>
-                <a:stretch>
-                  <a:fillRect l="-20588" r="-5882" b="-13333"/>
-                </a:stretch>
-              </a:blipFill>
-            </p:spPr>
-            <p:txBody>
-              <a:bodyPr/>
-              <a:lstStyle/>
-              <a:p>
-                <a:r>
-                  <a:rPr lang="fr-FR">
-                    <a:noFill/>
-                  </a:rPr>
-                  <a:t> </a:t>
-                </a:r>
-              </a:p>
-            </p:txBody>
-          </p:sp>
-        </mc:Fallback>
-      </mc:AlternateContent>
-      <mc:AlternateContent xmlns:mc="http://schemas.openxmlformats.org/markup-compatibility/2006">
-        <mc:Choice xmlns:a14="http://schemas.microsoft.com/office/drawing/2010/main" Requires="a14">
+      <mc:AlternateContent xmlns:mc="http://schemas.openxmlformats.org/markup-compatibility/2006" xmlns:a14="http://schemas.microsoft.com/office/drawing/2010/main">
+        <mc:Choice Requires="a14">
           <p:sp>
             <p:nvSpPr>
               <p:cNvPr id="36" name="ZoneTexte 35">
@@ -7165,7 +6725,7 @@
             </p:txBody>
           </p:sp>
         </mc:Choice>
-        <mc:Fallback>
+        <mc:Fallback xmlns="">
           <p:sp>
             <p:nvSpPr>
               <p:cNvPr id="36" name="ZoneTexte 35">
@@ -7210,704 +6770,6 @@
           </p:sp>
         </mc:Fallback>
       </mc:AlternateContent>
-      <mc:AlternateContent xmlns:mc="http://schemas.openxmlformats.org/markup-compatibility/2006">
-        <mc:Choice xmlns:a14="http://schemas.microsoft.com/office/drawing/2010/main" Requires="a14">
-          <p:sp>
-            <p:nvSpPr>
-              <p:cNvPr id="37" name="ZoneTexte 36">
-                <a:extLst>
-                  <a:ext uri="{FF2B5EF4-FFF2-40B4-BE49-F238E27FC236}">
-                    <a16:creationId xmlns:a16="http://schemas.microsoft.com/office/drawing/2014/main" id="{48D749B6-AD23-E5FE-A3DE-4A68D45E2341}"/>
-                  </a:ext>
-                </a:extLst>
-              </p:cNvPr>
-              <p:cNvSpPr txBox="1"/>
-              <p:nvPr/>
-            </p:nvSpPr>
-            <p:spPr>
-              <a:xfrm>
-                <a:off x="6551781" y="733496"/>
-                <a:ext cx="202555" cy="274434"/>
-              </a:xfrm>
-              <a:prstGeom prst="rect">
-                <a:avLst/>
-              </a:prstGeom>
-              <a:noFill/>
-            </p:spPr>
-            <p:txBody>
-              <a:bodyPr wrap="none" lIns="0" tIns="0" rIns="0" bIns="0" rtlCol="0">
-                <a:spAutoFit/>
-              </a:bodyPr>
-              <a:lstStyle/>
-              <a:p>
-                <a:pPr/>
-                <a14:m>
-                  <m:oMathPara xmlns:m="http://schemas.openxmlformats.org/officeDocument/2006/math">
-                    <m:oMathParaPr>
-                      <m:jc m:val="centerGroup"/>
-                    </m:oMathParaPr>
-                    <m:oMath xmlns:m="http://schemas.openxmlformats.org/officeDocument/2006/math">
-                      <m:acc>
-                        <m:accPr>
-                          <m:chr m:val="⃗"/>
-                          <m:ctrlPr>
-                            <a:rPr lang="fr-FR" sz="1600" i="1" smtClean="0">
-                              <a:latin typeface="Cambria Math" panose="02040503050406030204" pitchFamily="18" charset="0"/>
-                            </a:rPr>
-                          </m:ctrlPr>
-                        </m:accPr>
-                        <m:e>
-                          <m:sSub>
-                            <m:sSubPr>
-                              <m:ctrlPr>
-                                <a:rPr lang="fr-FR" sz="1600" i="1">
-                                  <a:latin typeface="Cambria Math" panose="02040503050406030204" pitchFamily="18" charset="0"/>
-                                </a:rPr>
-                              </m:ctrlPr>
-                            </m:sSubPr>
-                            <m:e>
-                              <m:r>
-                                <a:rPr lang="fr-FR" sz="1600" b="0" i="1" smtClean="0">
-                                  <a:latin typeface="Cambria Math" panose="02040503050406030204" pitchFamily="18" charset="0"/>
-                                </a:rPr>
-                                <m:t>𝑖</m:t>
-                              </m:r>
-                            </m:e>
-                            <m:sub>
-                              <m:r>
-                                <a:rPr lang="fr-FR" sz="1600" i="1">
-                                  <a:latin typeface="Cambria Math" panose="02040503050406030204" pitchFamily="18" charset="0"/>
-                                </a:rPr>
-                                <m:t>1</m:t>
-                              </m:r>
-                            </m:sub>
-                          </m:sSub>
-                        </m:e>
-                      </m:acc>
-                    </m:oMath>
-                  </m:oMathPara>
-                </a14:m>
-                <a:endParaRPr lang="fr-FR" sz="1600" dirty="0"/>
-              </a:p>
-            </p:txBody>
-          </p:sp>
-        </mc:Choice>
-        <mc:Fallback>
-          <p:sp>
-            <p:nvSpPr>
-              <p:cNvPr id="37" name="ZoneTexte 36">
-                <a:extLst>
-                  <a:ext uri="{FF2B5EF4-FFF2-40B4-BE49-F238E27FC236}">
-                    <a16:creationId xmlns:a16="http://schemas.microsoft.com/office/drawing/2014/main" id="{48D749B6-AD23-E5FE-A3DE-4A68D45E2341}"/>
-                  </a:ext>
-                </a:extLst>
-              </p:cNvPr>
-              <p:cNvSpPr txBox="1">
-                <a:spLocks noRot="1" noChangeAspect="1" noMove="1" noResize="1" noEditPoints="1" noAdjustHandles="1" noChangeArrowheads="1" noChangeShapeType="1" noTextEdit="1"/>
-              </p:cNvSpPr>
-              <p:nvPr/>
-            </p:nvSpPr>
-            <p:spPr>
-              <a:xfrm>
-                <a:off x="6551781" y="733496"/>
-                <a:ext cx="202555" cy="274434"/>
-              </a:xfrm>
-              <a:prstGeom prst="rect">
-                <a:avLst/>
-              </a:prstGeom>
-              <a:blipFill>
-                <a:blip r:embed="rId13"/>
-                <a:stretch>
-                  <a:fillRect l="-24242" r="-6061" b="-13333"/>
-                </a:stretch>
-              </a:blipFill>
-            </p:spPr>
-            <p:txBody>
-              <a:bodyPr/>
-              <a:lstStyle/>
-              <a:p>
-                <a:r>
-                  <a:rPr lang="fr-FR">
-                    <a:noFill/>
-                  </a:rPr>
-                  <a:t> </a:t>
-                </a:r>
-              </a:p>
-            </p:txBody>
-          </p:sp>
-        </mc:Fallback>
-      </mc:AlternateContent>
-      <p:sp>
-        <p:nvSpPr>
-          <p:cNvPr id="38" name="Ellipse 37">
-            <a:extLst>
-              <a:ext uri="{FF2B5EF4-FFF2-40B4-BE49-F238E27FC236}">
-                <a16:creationId xmlns:a16="http://schemas.microsoft.com/office/drawing/2014/main" id="{3312DF7B-A048-D9D5-F7D5-AD06794DC127}"/>
-              </a:ext>
-            </a:extLst>
-          </p:cNvPr>
-          <p:cNvSpPr/>
-          <p:nvPr/>
-        </p:nvSpPr>
-        <p:spPr>
-          <a:xfrm>
-            <a:off x="5428356" y="1732237"/>
-            <a:ext cx="180000" cy="180000"/>
-          </a:xfrm>
-          <a:prstGeom prst="ellipse">
-            <a:avLst/>
-          </a:prstGeom>
-          <a:solidFill>
-            <a:schemeClr val="bg1"/>
-          </a:solidFill>
-          <a:ln w="28575">
-            <a:solidFill>
-              <a:schemeClr val="tx1"/>
-            </a:solidFill>
-          </a:ln>
-        </p:spPr>
-        <p:style>
-          <a:lnRef idx="2">
-            <a:schemeClr val="accent1">
-              <a:shade val="50000"/>
-            </a:schemeClr>
-          </a:lnRef>
-          <a:fillRef idx="1">
-            <a:schemeClr val="accent1"/>
-          </a:fillRef>
-          <a:effectRef idx="0">
-            <a:schemeClr val="accent1"/>
-          </a:effectRef>
-          <a:fontRef idx="minor">
-            <a:schemeClr val="lt1"/>
-          </a:fontRef>
-        </p:style>
-        <p:txBody>
-          <a:bodyPr rtlCol="0" anchor="ctr"/>
-          <a:lstStyle/>
-          <a:p>
-            <a:pPr algn="ctr"/>
-            <a:endParaRPr lang="fr-FR"/>
-          </a:p>
-        </p:txBody>
-      </p:sp>
-      <p:cxnSp>
-        <p:nvCxnSpPr>
-          <p:cNvPr id="50" name="Connecteur droit 49">
-            <a:extLst>
-              <a:ext uri="{FF2B5EF4-FFF2-40B4-BE49-F238E27FC236}">
-                <a16:creationId xmlns:a16="http://schemas.microsoft.com/office/drawing/2014/main" id="{FABF3018-08DB-639E-5507-29AE1F6F141B}"/>
-              </a:ext>
-            </a:extLst>
-          </p:cNvPr>
-          <p:cNvCxnSpPr>
-            <a:cxnSpLocks/>
-          </p:cNvCxnSpPr>
-          <p:nvPr/>
-        </p:nvCxnSpPr>
-        <p:spPr>
-          <a:xfrm>
-            <a:off x="5099827" y="847491"/>
-            <a:ext cx="1267444" cy="0"/>
-          </a:xfrm>
-          <a:prstGeom prst="line">
-            <a:avLst/>
-          </a:prstGeom>
-          <a:solidFill>
-            <a:srgbClr val="00B050"/>
-          </a:solidFill>
-          <a:ln w="28575">
-            <a:solidFill>
-              <a:srgbClr val="FF0000"/>
-            </a:solidFill>
-          </a:ln>
-        </p:spPr>
-        <p:style>
-          <a:lnRef idx="2">
-            <a:schemeClr val="accent1">
-              <a:shade val="50000"/>
-            </a:schemeClr>
-          </a:lnRef>
-          <a:fillRef idx="1">
-            <a:schemeClr val="accent1"/>
-          </a:fillRef>
-          <a:effectRef idx="0">
-            <a:schemeClr val="accent1"/>
-          </a:effectRef>
-          <a:fontRef idx="minor">
-            <a:schemeClr val="lt1"/>
-          </a:fontRef>
-        </p:style>
-      </p:cxnSp>
-      <mc:AlternateContent xmlns:mc="http://schemas.openxmlformats.org/markup-compatibility/2006">
-        <mc:Choice xmlns:a14="http://schemas.microsoft.com/office/drawing/2010/main" Requires="a14">
-          <p:sp>
-            <p:nvSpPr>
-              <p:cNvPr id="51" name="ZoneTexte 50">
-                <a:extLst>
-                  <a:ext uri="{FF2B5EF4-FFF2-40B4-BE49-F238E27FC236}">
-                    <a16:creationId xmlns:a16="http://schemas.microsoft.com/office/drawing/2014/main" id="{7016E51E-4D52-36C2-CD46-5A51AB24E7BD}"/>
-                  </a:ext>
-                </a:extLst>
-              </p:cNvPr>
-              <p:cNvSpPr txBox="1"/>
-              <p:nvPr/>
-            </p:nvSpPr>
-            <p:spPr>
-              <a:xfrm>
-                <a:off x="5653074" y="-227710"/>
-                <a:ext cx="145553" cy="184666"/>
-              </a:xfrm>
-              <a:prstGeom prst="rect">
-                <a:avLst/>
-              </a:prstGeom>
-              <a:noFill/>
-            </p:spPr>
-            <p:txBody>
-              <a:bodyPr wrap="none" lIns="0" tIns="0" rIns="0" bIns="0" rtlCol="0">
-                <a:spAutoFit/>
-              </a:bodyPr>
-              <a:lstStyle/>
-              <a:p>
-                <a:pPr/>
-                <a14:m>
-                  <m:oMathPara xmlns:m="http://schemas.openxmlformats.org/officeDocument/2006/math">
-                    <m:oMathParaPr>
-                      <m:jc m:val="centerGroup"/>
-                    </m:oMathParaPr>
-                    <m:oMath xmlns:m="http://schemas.openxmlformats.org/officeDocument/2006/math">
-                      <m:r>
-                        <a:rPr lang="fr-FR" sz="1200" b="0" i="1" smtClean="0">
-                          <a:latin typeface="Cambria Math" panose="02040503050406030204" pitchFamily="18" charset="0"/>
-                        </a:rPr>
-                        <m:t>𝐷</m:t>
-                      </m:r>
-                    </m:oMath>
-                  </m:oMathPara>
-                </a14:m>
-                <a:endParaRPr lang="fr-FR" sz="1200" dirty="0"/>
-              </a:p>
-            </p:txBody>
-          </p:sp>
-        </mc:Choice>
-        <mc:Fallback>
-          <p:sp>
-            <p:nvSpPr>
-              <p:cNvPr id="51" name="ZoneTexte 50">
-                <a:extLst>
-                  <a:ext uri="{FF2B5EF4-FFF2-40B4-BE49-F238E27FC236}">
-                    <a16:creationId xmlns:a16="http://schemas.microsoft.com/office/drawing/2014/main" id="{7016E51E-4D52-36C2-CD46-5A51AB24E7BD}"/>
-                  </a:ext>
-                </a:extLst>
-              </p:cNvPr>
-              <p:cNvSpPr txBox="1">
-                <a:spLocks noRot="1" noChangeAspect="1" noMove="1" noResize="1" noEditPoints="1" noAdjustHandles="1" noChangeArrowheads="1" noChangeShapeType="1" noTextEdit="1"/>
-              </p:cNvSpPr>
-              <p:nvPr/>
-            </p:nvSpPr>
-            <p:spPr>
-              <a:xfrm>
-                <a:off x="5653074" y="-227710"/>
-                <a:ext cx="145553" cy="184666"/>
-              </a:xfrm>
-              <a:prstGeom prst="rect">
-                <a:avLst/>
-              </a:prstGeom>
-              <a:blipFill>
-                <a:blip r:embed="rId14"/>
-                <a:stretch>
-                  <a:fillRect l="-25000" r="-20833" b="-6667"/>
-                </a:stretch>
-              </a:blipFill>
-            </p:spPr>
-            <p:txBody>
-              <a:bodyPr/>
-              <a:lstStyle/>
-              <a:p>
-                <a:r>
-                  <a:rPr lang="fr-FR">
-                    <a:noFill/>
-                  </a:rPr>
-                  <a:t> </a:t>
-                </a:r>
-              </a:p>
-            </p:txBody>
-          </p:sp>
-        </mc:Fallback>
-      </mc:AlternateContent>
-      <mc:AlternateContent xmlns:mc="http://schemas.openxmlformats.org/markup-compatibility/2006">
-        <mc:Choice xmlns:a14="http://schemas.microsoft.com/office/drawing/2010/main" Requires="a14">
-          <p:sp>
-            <p:nvSpPr>
-              <p:cNvPr id="52" name="ZoneTexte 51">
-                <a:extLst>
-                  <a:ext uri="{FF2B5EF4-FFF2-40B4-BE49-F238E27FC236}">
-                    <a16:creationId xmlns:a16="http://schemas.microsoft.com/office/drawing/2014/main" id="{6736567C-24C2-9A53-380E-7E5443D4A628}"/>
-                  </a:ext>
-                </a:extLst>
-              </p:cNvPr>
-              <p:cNvSpPr txBox="1"/>
-              <p:nvPr/>
-            </p:nvSpPr>
-            <p:spPr>
-              <a:xfrm>
-                <a:off x="6407194" y="980867"/>
-                <a:ext cx="140358" cy="184666"/>
-              </a:xfrm>
-              <a:prstGeom prst="rect">
-                <a:avLst/>
-              </a:prstGeom>
-              <a:noFill/>
-            </p:spPr>
-            <p:txBody>
-              <a:bodyPr wrap="none" lIns="0" tIns="0" rIns="0" bIns="0" rtlCol="0">
-                <a:spAutoFit/>
-              </a:bodyPr>
-              <a:lstStyle/>
-              <a:p>
-                <a:pPr/>
-                <a14:m>
-                  <m:oMathPara xmlns:m="http://schemas.openxmlformats.org/officeDocument/2006/math">
-                    <m:oMathParaPr>
-                      <m:jc m:val="centerGroup"/>
-                    </m:oMathParaPr>
-                    <m:oMath xmlns:m="http://schemas.openxmlformats.org/officeDocument/2006/math">
-                      <m:r>
-                        <a:rPr lang="fr-FR" sz="1200" b="0" i="1" smtClean="0">
-                          <a:latin typeface="Cambria Math" panose="02040503050406030204" pitchFamily="18" charset="0"/>
-                        </a:rPr>
-                        <m:t>𝐵</m:t>
-                      </m:r>
-                    </m:oMath>
-                  </m:oMathPara>
-                </a14:m>
-                <a:endParaRPr lang="fr-FR" sz="1200" dirty="0"/>
-              </a:p>
-            </p:txBody>
-          </p:sp>
-        </mc:Choice>
-        <mc:Fallback>
-          <p:sp>
-            <p:nvSpPr>
-              <p:cNvPr id="52" name="ZoneTexte 51">
-                <a:extLst>
-                  <a:ext uri="{FF2B5EF4-FFF2-40B4-BE49-F238E27FC236}">
-                    <a16:creationId xmlns:a16="http://schemas.microsoft.com/office/drawing/2014/main" id="{6736567C-24C2-9A53-380E-7E5443D4A628}"/>
-                  </a:ext>
-                </a:extLst>
-              </p:cNvPr>
-              <p:cNvSpPr txBox="1">
-                <a:spLocks noRot="1" noChangeAspect="1" noMove="1" noResize="1" noEditPoints="1" noAdjustHandles="1" noChangeArrowheads="1" noChangeShapeType="1" noTextEdit="1"/>
-              </p:cNvSpPr>
-              <p:nvPr/>
-            </p:nvSpPr>
-            <p:spPr>
-              <a:xfrm>
-                <a:off x="6407194" y="980867"/>
-                <a:ext cx="140358" cy="184666"/>
-              </a:xfrm>
-              <a:prstGeom prst="rect">
-                <a:avLst/>
-              </a:prstGeom>
-              <a:blipFill>
-                <a:blip r:embed="rId15"/>
-                <a:stretch>
-                  <a:fillRect l="-26087" r="-21739" b="-6667"/>
-                </a:stretch>
-              </a:blipFill>
-            </p:spPr>
-            <p:txBody>
-              <a:bodyPr/>
-              <a:lstStyle/>
-              <a:p>
-                <a:r>
-                  <a:rPr lang="fr-FR">
-                    <a:noFill/>
-                  </a:rPr>
-                  <a:t> </a:t>
-                </a:r>
-              </a:p>
-            </p:txBody>
-          </p:sp>
-        </mc:Fallback>
-      </mc:AlternateContent>
-      <p:grpSp>
-        <p:nvGrpSpPr>
-          <p:cNvPr id="53" name="Groupe 52">
-            <a:extLst>
-              <a:ext uri="{FF2B5EF4-FFF2-40B4-BE49-F238E27FC236}">
-                <a16:creationId xmlns:a16="http://schemas.microsoft.com/office/drawing/2014/main" id="{EB065B91-D857-4F8A-21F5-92F6F4454710}"/>
-              </a:ext>
-            </a:extLst>
-          </p:cNvPr>
-          <p:cNvGrpSpPr/>
-          <p:nvPr/>
-        </p:nvGrpSpPr>
-        <p:grpSpPr>
-          <a:xfrm>
-            <a:off x="6198760" y="1015116"/>
-            <a:ext cx="72000" cy="72000"/>
-            <a:chOff x="4533487" y="2450024"/>
-            <a:chExt cx="144000" cy="144000"/>
-          </a:xfrm>
-        </p:grpSpPr>
-        <p:cxnSp>
-          <p:nvCxnSpPr>
-            <p:cNvPr id="54" name="Connecteur droit 53">
-              <a:extLst>
-                <a:ext uri="{FF2B5EF4-FFF2-40B4-BE49-F238E27FC236}">
-                  <a16:creationId xmlns:a16="http://schemas.microsoft.com/office/drawing/2014/main" id="{082A1266-D744-0FE0-5C93-C99A6E175BFF}"/>
-                </a:ext>
-              </a:extLst>
-            </p:cNvPr>
-            <p:cNvCxnSpPr>
-              <a:cxnSpLocks/>
-            </p:cNvCxnSpPr>
-            <p:nvPr/>
-          </p:nvCxnSpPr>
-          <p:spPr>
-            <a:xfrm flipV="1">
-              <a:off x="4533487" y="2450024"/>
-              <a:ext cx="144000" cy="144000"/>
-            </a:xfrm>
-            <a:prstGeom prst="line">
-              <a:avLst/>
-            </a:prstGeom>
-            <a:solidFill>
-              <a:srgbClr val="00B050"/>
-            </a:solidFill>
-            <a:ln w="12700">
-              <a:solidFill>
-                <a:srgbClr val="00B050"/>
-              </a:solidFill>
-            </a:ln>
-          </p:spPr>
-          <p:style>
-            <a:lnRef idx="2">
-              <a:schemeClr val="accent1">
-                <a:shade val="50000"/>
-              </a:schemeClr>
-            </a:lnRef>
-            <a:fillRef idx="1">
-              <a:schemeClr val="accent1"/>
-            </a:fillRef>
-            <a:effectRef idx="0">
-              <a:schemeClr val="accent1"/>
-            </a:effectRef>
-            <a:fontRef idx="minor">
-              <a:schemeClr val="lt1"/>
-            </a:fontRef>
-          </p:style>
-        </p:cxnSp>
-        <p:cxnSp>
-          <p:nvCxnSpPr>
-            <p:cNvPr id="55" name="Connecteur droit 54">
-              <a:extLst>
-                <a:ext uri="{FF2B5EF4-FFF2-40B4-BE49-F238E27FC236}">
-                  <a16:creationId xmlns:a16="http://schemas.microsoft.com/office/drawing/2014/main" id="{ACCD4BCC-0F25-8E38-CE46-032B87582184}"/>
-                </a:ext>
-              </a:extLst>
-            </p:cNvPr>
-            <p:cNvCxnSpPr>
-              <a:cxnSpLocks/>
-            </p:cNvCxnSpPr>
-            <p:nvPr/>
-          </p:nvCxnSpPr>
-          <p:spPr>
-            <a:xfrm flipH="1" flipV="1">
-              <a:off x="4533487" y="2450024"/>
-              <a:ext cx="144000" cy="144000"/>
-            </a:xfrm>
-            <a:prstGeom prst="line">
-              <a:avLst/>
-            </a:prstGeom>
-            <a:solidFill>
-              <a:srgbClr val="00B050"/>
-            </a:solidFill>
-            <a:ln w="12700">
-              <a:solidFill>
-                <a:srgbClr val="00B050"/>
-              </a:solidFill>
-            </a:ln>
-          </p:spPr>
-          <p:style>
-            <a:lnRef idx="2">
-              <a:schemeClr val="accent1">
-                <a:shade val="50000"/>
-              </a:schemeClr>
-            </a:lnRef>
-            <a:fillRef idx="1">
-              <a:schemeClr val="accent1"/>
-            </a:fillRef>
-            <a:effectRef idx="0">
-              <a:schemeClr val="accent1"/>
-            </a:effectRef>
-            <a:fontRef idx="minor">
-              <a:schemeClr val="lt1"/>
-            </a:fontRef>
-          </p:style>
-        </p:cxnSp>
-      </p:grpSp>
-      <mc:AlternateContent xmlns:mc="http://schemas.openxmlformats.org/markup-compatibility/2006">
-        <mc:Choice xmlns:a14="http://schemas.microsoft.com/office/drawing/2010/main" Requires="a14">
-          <p:sp>
-            <p:nvSpPr>
-              <p:cNvPr id="56" name="ZoneTexte 55">
-                <a:extLst>
-                  <a:ext uri="{FF2B5EF4-FFF2-40B4-BE49-F238E27FC236}">
-                    <a16:creationId xmlns:a16="http://schemas.microsoft.com/office/drawing/2014/main" id="{4D37E01C-5B60-D063-EAE2-F33445A496F1}"/>
-                  </a:ext>
-                </a:extLst>
-              </p:cNvPr>
-              <p:cNvSpPr txBox="1"/>
-              <p:nvPr/>
-            </p:nvSpPr>
-            <p:spPr>
-              <a:xfrm>
-                <a:off x="5541094" y="650908"/>
-                <a:ext cx="133370" cy="184666"/>
-              </a:xfrm>
-              <a:prstGeom prst="rect">
-                <a:avLst/>
-              </a:prstGeom>
-              <a:noFill/>
-            </p:spPr>
-            <p:txBody>
-              <a:bodyPr wrap="none" lIns="0" tIns="0" rIns="0" bIns="0" rtlCol="0">
-                <a:spAutoFit/>
-              </a:bodyPr>
-              <a:lstStyle/>
-              <a:p>
-                <a:pPr/>
-                <a14:m>
-                  <m:oMathPara xmlns:m="http://schemas.openxmlformats.org/officeDocument/2006/math">
-                    <m:oMathParaPr>
-                      <m:jc m:val="centerGroup"/>
-                    </m:oMathParaPr>
-                    <m:oMath xmlns:m="http://schemas.openxmlformats.org/officeDocument/2006/math">
-                      <m:r>
-                        <a:rPr lang="fr-FR" sz="1200" b="0" i="1" smtClean="0">
-                          <a:latin typeface="Cambria Math" panose="02040503050406030204" pitchFamily="18" charset="0"/>
-                        </a:rPr>
-                        <m:t>𝐶</m:t>
-                      </m:r>
-                    </m:oMath>
-                  </m:oMathPara>
-                </a14:m>
-                <a:endParaRPr lang="fr-FR" sz="1200" dirty="0"/>
-              </a:p>
-            </p:txBody>
-          </p:sp>
-        </mc:Choice>
-        <mc:Fallback>
-          <p:sp>
-            <p:nvSpPr>
-              <p:cNvPr id="56" name="ZoneTexte 55">
-                <a:extLst>
-                  <a:ext uri="{FF2B5EF4-FFF2-40B4-BE49-F238E27FC236}">
-                    <a16:creationId xmlns:a16="http://schemas.microsoft.com/office/drawing/2014/main" id="{4D37E01C-5B60-D063-EAE2-F33445A496F1}"/>
-                  </a:ext>
-                </a:extLst>
-              </p:cNvPr>
-              <p:cNvSpPr txBox="1">
-                <a:spLocks noRot="1" noChangeAspect="1" noMove="1" noResize="1" noEditPoints="1" noAdjustHandles="1" noChangeArrowheads="1" noChangeShapeType="1" noTextEdit="1"/>
-              </p:cNvSpPr>
-              <p:nvPr/>
-            </p:nvSpPr>
-            <p:spPr>
-              <a:xfrm>
-                <a:off x="5541094" y="650908"/>
-                <a:ext cx="133370" cy="184666"/>
-              </a:xfrm>
-              <a:prstGeom prst="rect">
-                <a:avLst/>
-              </a:prstGeom>
-              <a:blipFill>
-                <a:blip r:embed="rId16"/>
-                <a:stretch>
-                  <a:fillRect l="-27273" r="-22727" b="-6667"/>
-                </a:stretch>
-              </a:blipFill>
-            </p:spPr>
-            <p:txBody>
-              <a:bodyPr/>
-              <a:lstStyle/>
-              <a:p>
-                <a:r>
-                  <a:rPr lang="fr-FR">
-                    <a:noFill/>
-                  </a:rPr>
-                  <a:t> </a:t>
-                </a:r>
-              </a:p>
-            </p:txBody>
-          </p:sp>
-        </mc:Fallback>
-      </mc:AlternateContent>
-      <p:sp>
-        <p:nvSpPr>
-          <p:cNvPr id="57" name="Ellipse 56">
-            <a:extLst>
-              <a:ext uri="{FF2B5EF4-FFF2-40B4-BE49-F238E27FC236}">
-                <a16:creationId xmlns:a16="http://schemas.microsoft.com/office/drawing/2014/main" id="{C6533176-3AF1-E6D0-4042-D2EDE4A3E6A2}"/>
-              </a:ext>
-            </a:extLst>
-          </p:cNvPr>
-          <p:cNvSpPr/>
-          <p:nvPr/>
-        </p:nvSpPr>
-        <p:spPr>
-          <a:xfrm>
-            <a:off x="5258856" y="232270"/>
-            <a:ext cx="180000" cy="180000"/>
-          </a:xfrm>
-          <a:prstGeom prst="ellipse">
-            <a:avLst/>
-          </a:prstGeom>
-          <a:noFill/>
-          <a:ln w="19050">
-            <a:solidFill>
-              <a:srgbClr val="FF0000"/>
-            </a:solidFill>
-          </a:ln>
-        </p:spPr>
-        <p:style>
-          <a:lnRef idx="2">
-            <a:schemeClr val="accent1">
-              <a:shade val="50000"/>
-            </a:schemeClr>
-          </a:lnRef>
-          <a:fillRef idx="1">
-            <a:schemeClr val="accent1"/>
-          </a:fillRef>
-          <a:effectRef idx="0">
-            <a:schemeClr val="accent1"/>
-          </a:effectRef>
-          <a:fontRef idx="minor">
-            <a:schemeClr val="lt1"/>
-          </a:fontRef>
-        </p:style>
-        <p:txBody>
-          <a:bodyPr rtlCol="0" anchor="ctr"/>
-          <a:lstStyle/>
-          <a:p>
-            <a:pPr algn="ctr"/>
-            <a:r>
-              <a:rPr lang="fr-FR" sz="1050" b="1" dirty="0">
-                <a:solidFill>
-                  <a:srgbClr val="FF0000"/>
-                </a:solidFill>
-              </a:rPr>
-              <a:t>2</a:t>
-            </a:r>
-            <a:endParaRPr lang="fr-FR" sz="1400" b="1" dirty="0">
-              <a:solidFill>
-                <a:srgbClr val="FF0000"/>
-              </a:solidFill>
-            </a:endParaRPr>
-          </a:p>
-        </p:txBody>
-      </p:sp>
       <p:cxnSp>
         <p:nvCxnSpPr>
           <p:cNvPr id="64" name="Connecteur droit 63">
@@ -10584,6 +9446,36 @@
 </p:sld>
 </file>
 
+<file path=ppt/slides/slide3.xml><?xml version="1.0" encoding="utf-8"?>
+<p:sld xmlns:a="http://schemas.openxmlformats.org/drawingml/2006/main" xmlns:r="http://schemas.openxmlformats.org/officeDocument/2006/relationships" xmlns:p="http://schemas.openxmlformats.org/presentationml/2006/main">
+  <p:cSld>
+    <p:spTree>
+      <p:nvGrpSpPr>
+        <p:cNvPr id="1" name=""/>
+        <p:cNvGrpSpPr/>
+        <p:nvPr/>
+      </p:nvGrpSpPr>
+      <p:grpSpPr>
+        <a:xfrm>
+          <a:off x="0" y="0"/>
+          <a:ext cx="0" cy="0"/>
+          <a:chOff x="0" y="0"/>
+          <a:chExt cx="0" cy="0"/>
+        </a:xfrm>
+      </p:grpSpPr>
+    </p:spTree>
+    <p:extLst>
+      <p:ext uri="{BB962C8B-B14F-4D97-AF65-F5344CB8AC3E}">
+        <p14:creationId xmlns:p14="http://schemas.microsoft.com/office/powerpoint/2010/main" val="1226263996"/>
+      </p:ext>
+    </p:extLst>
+  </p:cSld>
+  <p:clrMapOvr>
+    <a:masterClrMapping/>
+  </p:clrMapOvr>
+</p:sld>
+</file>
+
 <file path=ppt/theme/theme1.xml><?xml version="1.0" encoding="utf-8"?>
 <a:theme xmlns:a="http://schemas.openxmlformats.org/drawingml/2006/main" name="Thème Office">
   <a:themeElements>
